--- a/assets/presentation1.pptx
+++ b/assets/presentation1.pptx
@@ -5,28 +5,27 @@
     <p:sldMasterId id="2147483648" r:id="rId1"/>
   </p:sldMasterIdLst>
   <p:notesMasterIdLst>
-    <p:notesMasterId r:id="rId18"/>
+    <p:notesMasterId r:id="rId17"/>
   </p:notesMasterIdLst>
   <p:handoutMasterIdLst>
-    <p:handoutMasterId r:id="rId19"/>
+    <p:handoutMasterId r:id="rId18"/>
   </p:handoutMasterIdLst>
   <p:sldIdLst>
     <p:sldId id="257" r:id="rId2"/>
-    <p:sldId id="272" r:id="rId3"/>
-    <p:sldId id="273" r:id="rId4"/>
-    <p:sldId id="258" r:id="rId5"/>
-    <p:sldId id="261" r:id="rId6"/>
-    <p:sldId id="260" r:id="rId7"/>
-    <p:sldId id="264" r:id="rId8"/>
-    <p:sldId id="265" r:id="rId9"/>
-    <p:sldId id="266" r:id="rId10"/>
-    <p:sldId id="270" r:id="rId11"/>
-    <p:sldId id="271" r:id="rId12"/>
-    <p:sldId id="269" r:id="rId13"/>
-    <p:sldId id="267" r:id="rId14"/>
-    <p:sldId id="275" r:id="rId15"/>
-    <p:sldId id="276" r:id="rId16"/>
-    <p:sldId id="274" r:id="rId17"/>
+    <p:sldId id="273" r:id="rId3"/>
+    <p:sldId id="272" r:id="rId4"/>
+    <p:sldId id="261" r:id="rId5"/>
+    <p:sldId id="260" r:id="rId6"/>
+    <p:sldId id="264" r:id="rId7"/>
+    <p:sldId id="265" r:id="rId8"/>
+    <p:sldId id="266" r:id="rId9"/>
+    <p:sldId id="270" r:id="rId10"/>
+    <p:sldId id="271" r:id="rId11"/>
+    <p:sldId id="269" r:id="rId12"/>
+    <p:sldId id="267" r:id="rId13"/>
+    <p:sldId id="275" r:id="rId14"/>
+    <p:sldId id="276" r:id="rId15"/>
+    <p:sldId id="274" r:id="rId16"/>
   </p:sldIdLst>
   <p:sldSz cx="12192000" cy="6858000"/>
   <p:notesSz cx="6858000" cy="9144000"/>
@@ -131,9 +130,8 @@
         <p14:section name="제목 없는 구역" id="{2F86DC01-ADC4-495A-8994-F44291E064C9}">
           <p14:sldIdLst>
             <p14:sldId id="257"/>
+            <p14:sldId id="273"/>
             <p14:sldId id="272"/>
-            <p14:sldId id="273"/>
-            <p14:sldId id="258"/>
             <p14:sldId id="261"/>
             <p14:sldId id="260"/>
             <p14:sldId id="264"/>
@@ -175,8 +173,8 @@
 <pc:chgInfo xmlns:a="http://schemas.openxmlformats.org/drawingml/2006/main" xmlns:r="http://schemas.openxmlformats.org/officeDocument/2006/relationships" xmlns:ac="http://schemas.microsoft.com/office/drawing/2013/main/command" xmlns:pc="http://schemas.microsoft.com/office/powerpoint/2013/main/command">
   <pc:docChgLst>
     <pc:chgData name="경민 권" userId="f38411232437ec05" providerId="LiveId" clId="{4331F11E-08A4-4C06-A458-1FE50B79FBA8}"/>
-    <pc:docChg chg="undo redo custSel modSld">
-      <pc:chgData name="경민 권" userId="f38411232437ec05" providerId="LiveId" clId="{4331F11E-08A4-4C06-A458-1FE50B79FBA8}" dt="2024-11-02T06:49:19.261" v="11" actId="1076"/>
+    <pc:docChg chg="undo redo custSel delSld modSld sldOrd modSection">
+      <pc:chgData name="경민 권" userId="f38411232437ec05" providerId="LiveId" clId="{4331F11E-08A4-4C06-A458-1FE50B79FBA8}" dt="2024-11-02T07:28:13.021" v="14"/>
       <pc:docMkLst>
         <pc:docMk/>
       </pc:docMkLst>
@@ -194,6 +192,20 @@
             <ac:spMk id="6" creationId="{00000000-0000-0000-0000-000000000000}"/>
           </ac:spMkLst>
         </pc:spChg>
+      </pc:sldChg>
+      <pc:sldChg chg="del">
+        <pc:chgData name="경민 권" userId="f38411232437ec05" providerId="LiveId" clId="{4331F11E-08A4-4C06-A458-1FE50B79FBA8}" dt="2024-11-02T07:28:10.811" v="12" actId="47"/>
+        <pc:sldMkLst>
+          <pc:docMk/>
+          <pc:sldMk cId="2637507153" sldId="258"/>
+        </pc:sldMkLst>
+      </pc:sldChg>
+      <pc:sldChg chg="ord">
+        <pc:chgData name="경민 권" userId="f38411232437ec05" providerId="LiveId" clId="{4331F11E-08A4-4C06-A458-1FE50B79FBA8}" dt="2024-11-02T07:28:13.021" v="14"/>
+        <pc:sldMkLst>
+          <pc:docMk/>
+          <pc:sldMk cId="4064636023" sldId="272"/>
+        </pc:sldMkLst>
       </pc:sldChg>
     </pc:docChg>
   </pc:docChgLst>
@@ -788,7 +800,7 @@
     </p:spTree>
     <p:extLst>
       <p:ext uri="{BB962C8B-B14F-4D97-AF65-F5344CB8AC3E}">
-        <p14:creationId xmlns:p14="http://schemas.microsoft.com/office/powerpoint/2010/main" val="956296442"/>
+        <p14:creationId xmlns:p14="http://schemas.microsoft.com/office/powerpoint/2010/main" val="3579901726"/>
       </p:ext>
     </p:extLst>
   </p:cSld>
@@ -872,7 +884,7 @@
     </p:spTree>
     <p:extLst>
       <p:ext uri="{BB962C8B-B14F-4D97-AF65-F5344CB8AC3E}">
-        <p14:creationId xmlns:p14="http://schemas.microsoft.com/office/powerpoint/2010/main" val="3579901726"/>
+        <p14:creationId xmlns:p14="http://schemas.microsoft.com/office/powerpoint/2010/main" val="956296442"/>
       </p:ext>
     </p:extLst>
   </p:cSld>
@@ -948,90 +960,6 @@
             <a:fld id="{2B12DE7C-8B66-4F23-9995-CF56FDCAADEE}" type="slidenum">
               <a:rPr lang="ko-KR" altLang="en-US" smtClean="0"/>
               <a:t>4</a:t>
-            </a:fld>
-            <a:endParaRPr lang="ko-KR" altLang="en-US"/>
-          </a:p>
-        </p:txBody>
-      </p:sp>
-    </p:spTree>
-    <p:extLst>
-      <p:ext uri="{BB962C8B-B14F-4D97-AF65-F5344CB8AC3E}">
-        <p14:creationId xmlns:p14="http://schemas.microsoft.com/office/powerpoint/2010/main" val="3835687194"/>
-      </p:ext>
-    </p:extLst>
-  </p:cSld>
-  <p:clrMapOvr>
-    <a:masterClrMapping/>
-  </p:clrMapOvr>
-</p:notes>
-</file>
-
-<file path=ppt/notesSlides/notesSlide4.xml><?xml version="1.0" encoding="utf-8"?>
-<p:notes xmlns:a="http://schemas.openxmlformats.org/drawingml/2006/main" xmlns:r="http://schemas.openxmlformats.org/officeDocument/2006/relationships" xmlns:p="http://schemas.openxmlformats.org/presentationml/2006/main">
-  <p:cSld>
-    <p:spTree>
-      <p:nvGrpSpPr>
-        <p:cNvPr id="1" name=""/>
-        <p:cNvGrpSpPr/>
-        <p:nvPr/>
-      </p:nvGrpSpPr>
-      <p:grpSpPr>
-        <a:xfrm>
-          <a:off x="0" y="0"/>
-          <a:ext cx="0" cy="0"/>
-          <a:chOff x="0" y="0"/>
-          <a:chExt cx="0" cy="0"/>
-        </a:xfrm>
-      </p:grpSpPr>
-      <p:sp>
-        <p:nvSpPr>
-          <p:cNvPr id="2" name="슬라이드 이미지 개체 틀 1"/>
-          <p:cNvSpPr>
-            <a:spLocks noGrp="1" noRot="1" noChangeAspect="1"/>
-          </p:cNvSpPr>
-          <p:nvPr>
-            <p:ph type="sldImg"/>
-          </p:nvPr>
-        </p:nvSpPr>
-        <p:spPr/>
-      </p:sp>
-      <p:sp>
-        <p:nvSpPr>
-          <p:cNvPr id="3" name="슬라이드 노트 개체 틀 2"/>
-          <p:cNvSpPr>
-            <a:spLocks noGrp="1"/>
-          </p:cNvSpPr>
-          <p:nvPr>
-            <p:ph type="body" idx="1"/>
-          </p:nvPr>
-        </p:nvSpPr>
-        <p:spPr/>
-        <p:txBody>
-          <a:bodyPr/>
-          <a:lstStyle/>
-          <a:p>
-            <a:endParaRPr lang="ko-KR" altLang="en-US" dirty="0"/>
-          </a:p>
-        </p:txBody>
-      </p:sp>
-      <p:sp>
-        <p:nvSpPr>
-          <p:cNvPr id="4" name="슬라이드 번호 개체 틀 3"/>
-          <p:cNvSpPr>
-            <a:spLocks noGrp="1"/>
-          </p:cNvSpPr>
-          <p:nvPr>
-            <p:ph type="sldNum" sz="quarter" idx="10"/>
-          </p:nvPr>
-        </p:nvSpPr>
-        <p:spPr/>
-        <p:txBody>
-          <a:bodyPr/>
-          <a:lstStyle/>
-          <a:p>
-            <a:fld id="{2B12DE7C-8B66-4F23-9995-CF56FDCAADEE}" type="slidenum">
-              <a:rPr lang="ko-KR" altLang="en-US" smtClean="0"/>
-              <a:t>5</a:t>
             </a:fld>
             <a:endParaRPr lang="ko-KR" altLang="en-US"/>
           </a:p>
@@ -3631,3047 +3559,6 @@
 </file>
 
 <file path=ppt/slides/slide10.xml><?xml version="1.0" encoding="utf-8"?>
-<p:sld xmlns:a="http://schemas.openxmlformats.org/drawingml/2006/main" xmlns:r="http://schemas.openxmlformats.org/officeDocument/2006/relationships" xmlns:p="http://schemas.openxmlformats.org/presentationml/2006/main">
-  <p:cSld>
-    <p:spTree>
-      <p:nvGrpSpPr>
-        <p:cNvPr id="1" name=""/>
-        <p:cNvGrpSpPr/>
-        <p:nvPr/>
-      </p:nvGrpSpPr>
-      <p:grpSpPr>
-        <a:xfrm>
-          <a:off x="0" y="0"/>
-          <a:ext cx="0" cy="0"/>
-          <a:chOff x="0" y="0"/>
-          <a:chExt cx="0" cy="0"/>
-        </a:xfrm>
-      </p:grpSpPr>
-      <p:sp>
-        <p:nvSpPr>
-          <p:cNvPr id="75" name="직사각형 74"/>
-          <p:cNvSpPr/>
-          <p:nvPr/>
-        </p:nvSpPr>
-        <p:spPr>
-          <a:xfrm>
-            <a:off x="440093" y="3023705"/>
-            <a:ext cx="2566837" cy="2406583"/>
-          </a:xfrm>
-          <a:prstGeom prst="rect">
-            <a:avLst/>
-          </a:prstGeom>
-          <a:solidFill>
-            <a:schemeClr val="accent1">
-              <a:lumMod val="20000"/>
-              <a:lumOff val="80000"/>
-            </a:schemeClr>
-          </a:solidFill>
-          <a:ln>
-            <a:noFill/>
-          </a:ln>
-        </p:spPr>
-        <p:style>
-          <a:lnRef idx="2">
-            <a:schemeClr val="accent1">
-              <a:shade val="50000"/>
-            </a:schemeClr>
-          </a:lnRef>
-          <a:fillRef idx="1">
-            <a:schemeClr val="accent1"/>
-          </a:fillRef>
-          <a:effectRef idx="0">
-            <a:schemeClr val="accent1"/>
-          </a:effectRef>
-          <a:fontRef idx="minor">
-            <a:schemeClr val="lt1"/>
-          </a:fontRef>
-        </p:style>
-        <p:txBody>
-          <a:bodyPr rtlCol="0" anchor="ctr"/>
-          <a:lstStyle/>
-          <a:p>
-            <a:pPr algn="ctr"/>
-            <a:endParaRPr lang="ko-KR" altLang="en-US"/>
-          </a:p>
-        </p:txBody>
-      </p:sp>
-      <p:sp>
-        <p:nvSpPr>
-          <p:cNvPr id="2" name="직사각형 1"/>
-          <p:cNvSpPr/>
-          <p:nvPr/>
-        </p:nvSpPr>
-        <p:spPr>
-          <a:xfrm>
-            <a:off x="0" y="156519"/>
-            <a:ext cx="12192000" cy="667265"/>
-          </a:xfrm>
-          <a:prstGeom prst="rect">
-            <a:avLst/>
-          </a:prstGeom>
-          <a:solidFill>
-            <a:schemeClr val="accent1">
-              <a:lumMod val="40000"/>
-              <a:lumOff val="60000"/>
-            </a:schemeClr>
-          </a:solidFill>
-          <a:ln>
-            <a:noFill/>
-          </a:ln>
-        </p:spPr>
-        <p:style>
-          <a:lnRef idx="2">
-            <a:schemeClr val="accent1">
-              <a:shade val="50000"/>
-            </a:schemeClr>
-          </a:lnRef>
-          <a:fillRef idx="1">
-            <a:schemeClr val="accent1"/>
-          </a:fillRef>
-          <a:effectRef idx="0">
-            <a:schemeClr val="accent1"/>
-          </a:effectRef>
-          <a:fontRef idx="minor">
-            <a:schemeClr val="lt1"/>
-          </a:fontRef>
-        </p:style>
-        <p:txBody>
-          <a:bodyPr rtlCol="0" anchor="ctr"/>
-          <a:lstStyle/>
-          <a:p>
-            <a:pPr algn="ctr"/>
-            <a:endParaRPr lang="ko-KR" altLang="en-US"/>
-          </a:p>
-        </p:txBody>
-      </p:sp>
-      <p:sp>
-        <p:nvSpPr>
-          <p:cNvPr id="3" name="TextBox 2"/>
-          <p:cNvSpPr txBox="1"/>
-          <p:nvPr/>
-        </p:nvSpPr>
-        <p:spPr>
-          <a:xfrm>
-            <a:off x="257907" y="259318"/>
-            <a:ext cx="8505093" cy="461665"/>
-          </a:xfrm>
-          <a:prstGeom prst="rect">
-            <a:avLst/>
-          </a:prstGeom>
-          <a:noFill/>
-        </p:spPr>
-        <p:txBody>
-          <a:bodyPr wrap="square" rtlCol="0">
-            <a:spAutoFit/>
-          </a:bodyPr>
-          <a:lstStyle/>
-          <a:p>
-            <a:r>
-              <a:rPr lang="en-US" altLang="ko-KR" sz="2400" b="1" dirty="0"/>
-              <a:t>Universal Quantum Logic Gate : implemented optically</a:t>
-            </a:r>
-            <a:endParaRPr lang="ko-KR" altLang="en-US" sz="2400" b="1" dirty="0"/>
-          </a:p>
-        </p:txBody>
-      </p:sp>
-      <p:sp>
-        <p:nvSpPr>
-          <p:cNvPr id="35" name="TextBox 34"/>
-          <p:cNvSpPr txBox="1"/>
-          <p:nvPr/>
-        </p:nvSpPr>
-        <p:spPr>
-          <a:xfrm>
-            <a:off x="372382" y="963997"/>
-            <a:ext cx="5130264" cy="369332"/>
-          </a:xfrm>
-          <a:prstGeom prst="rect">
-            <a:avLst/>
-          </a:prstGeom>
-          <a:noFill/>
-        </p:spPr>
-        <p:txBody>
-          <a:bodyPr wrap="square" rtlCol="0">
-            <a:spAutoFit/>
-          </a:bodyPr>
-          <a:lstStyle/>
-          <a:p>
-            <a:r>
-              <a:rPr lang="en-US" altLang="ko-KR" b="1" dirty="0"/>
-              <a:t>2. Controlled NOT(CNOT) gate</a:t>
-            </a:r>
-            <a:endParaRPr lang="ko-KR" altLang="en-US" b="1" dirty="0"/>
-          </a:p>
-        </p:txBody>
-      </p:sp>
-      <p:cxnSp>
-        <p:nvCxnSpPr>
-          <p:cNvPr id="47" name="직선 연결선 46"/>
-          <p:cNvCxnSpPr/>
-          <p:nvPr/>
-        </p:nvCxnSpPr>
-        <p:spPr>
-          <a:xfrm>
-            <a:off x="868793" y="4257035"/>
-            <a:ext cx="1620000" cy="0"/>
-          </a:xfrm>
-          <a:prstGeom prst="line">
-            <a:avLst/>
-          </a:prstGeom>
-          <a:ln w="28575">
-            <a:solidFill>
-              <a:schemeClr val="tx1"/>
-            </a:solidFill>
-          </a:ln>
-        </p:spPr>
-        <p:style>
-          <a:lnRef idx="1">
-            <a:schemeClr val="accent1"/>
-          </a:lnRef>
-          <a:fillRef idx="0">
-            <a:schemeClr val="accent1"/>
-          </a:fillRef>
-          <a:effectRef idx="0">
-            <a:schemeClr val="accent1"/>
-          </a:effectRef>
-          <a:fontRef idx="minor">
-            <a:schemeClr val="tx1"/>
-          </a:fontRef>
-        </p:style>
-      </p:cxnSp>
-      <p:cxnSp>
-        <p:nvCxnSpPr>
-          <p:cNvPr id="64" name="직선 연결선 63"/>
-          <p:cNvCxnSpPr/>
-          <p:nvPr/>
-        </p:nvCxnSpPr>
-        <p:spPr>
-          <a:xfrm flipV="1">
-            <a:off x="1668815" y="3447035"/>
-            <a:ext cx="0" cy="1620000"/>
-          </a:xfrm>
-          <a:prstGeom prst="line">
-            <a:avLst/>
-          </a:prstGeom>
-          <a:ln w="28575">
-            <a:solidFill>
-              <a:schemeClr val="tx1"/>
-            </a:solidFill>
-          </a:ln>
-        </p:spPr>
-        <p:style>
-          <a:lnRef idx="1">
-            <a:schemeClr val="accent1"/>
-          </a:lnRef>
-          <a:fillRef idx="0">
-            <a:schemeClr val="accent1"/>
-          </a:fillRef>
-          <a:effectRef idx="0">
-            <a:schemeClr val="accent1"/>
-          </a:effectRef>
-          <a:fontRef idx="minor">
-            <a:schemeClr val="tx1"/>
-          </a:fontRef>
-        </p:style>
-      </p:cxnSp>
-      <mc:AlternateContent xmlns:mc="http://schemas.openxmlformats.org/markup-compatibility/2006" xmlns:a14="http://schemas.microsoft.com/office/drawing/2010/main">
-        <mc:Choice Requires="a14">
-          <p:sp>
-            <p:nvSpPr>
-              <p:cNvPr id="12" name="직사각형 11"/>
-              <p:cNvSpPr/>
-              <p:nvPr/>
-            </p:nvSpPr>
-            <p:spPr>
-              <a:xfrm>
-                <a:off x="371076" y="4072369"/>
-                <a:ext cx="545342" cy="369332"/>
-              </a:xfrm>
-              <a:prstGeom prst="rect">
-                <a:avLst/>
-              </a:prstGeom>
-            </p:spPr>
-            <p:txBody>
-              <a:bodyPr wrap="none">
-                <a:spAutoFit/>
-              </a:bodyPr>
-              <a:lstStyle/>
-              <a:p>
-                <a:pPr/>
-                <a14:m>
-                  <m:oMathPara xmlns:m="http://schemas.openxmlformats.org/officeDocument/2006/math">
-                    <m:oMathParaPr>
-                      <m:jc m:val="centerGroup"/>
-                    </m:oMathParaPr>
-                    <m:oMath xmlns:m="http://schemas.openxmlformats.org/officeDocument/2006/math">
-                      <m:r>
-                        <m:rPr>
-                          <m:nor/>
-                        </m:rPr>
-                        <a:rPr lang="ko-KR" altLang="en-US" dirty="0" smtClean="0">
-                          <a:latin typeface="Cambria Math" panose="02040503050406030204" pitchFamily="18" charset="0"/>
-                        </a:rPr>
-                        <m:t>∣</m:t>
-                      </m:r>
-                      <m:r>
-                        <m:rPr>
-                          <m:nor/>
-                        </m:rPr>
-                        <a:rPr lang="en-US" altLang="ko-KR" b="0" i="0" dirty="0" smtClean="0">
-                          <a:latin typeface="Cambria Math" panose="02040503050406030204" pitchFamily="18" charset="0"/>
-                        </a:rPr>
-                        <m:t>0</m:t>
-                      </m:r>
-                      <m:r>
-                        <m:rPr>
-                          <m:nor/>
-                        </m:rPr>
-                        <a:rPr lang="en-US" altLang="ko-KR" dirty="0" smtClean="0">
-                          <a:latin typeface="Cambria Math" panose="02040503050406030204" pitchFamily="18" charset="0"/>
-                          <a:ea typeface="Cambria Math" panose="02040503050406030204" pitchFamily="18" charset="0"/>
-                        </a:rPr>
-                        <m:t>⟩</m:t>
-                      </m:r>
-                    </m:oMath>
-                  </m:oMathPara>
-                </a14:m>
-                <a:endParaRPr lang="ko-KR" altLang="en-US" dirty="0"/>
-              </a:p>
-            </p:txBody>
-          </p:sp>
-        </mc:Choice>
-        <mc:Fallback xmlns="">
-          <p:sp>
-            <p:nvSpPr>
-              <p:cNvPr id="12" name="직사각형 11"/>
-              <p:cNvSpPr>
-                <a:spLocks noRot="1" noChangeAspect="1" noMove="1" noResize="1" noEditPoints="1" noAdjustHandles="1" noChangeArrowheads="1" noChangeShapeType="1" noTextEdit="1"/>
-              </p:cNvSpPr>
-              <p:nvPr/>
-            </p:nvSpPr>
-            <p:spPr>
-              <a:xfrm>
-                <a:off x="371076" y="4072369"/>
-                <a:ext cx="545342" cy="369332"/>
-              </a:xfrm>
-              <a:prstGeom prst="rect">
-                <a:avLst/>
-              </a:prstGeom>
-              <a:blipFill>
-                <a:blip r:embed="rId2"/>
-                <a:stretch>
-                  <a:fillRect b="-16393"/>
-                </a:stretch>
-              </a:blipFill>
-            </p:spPr>
-            <p:txBody>
-              <a:bodyPr/>
-              <a:lstStyle/>
-              <a:p>
-                <a:r>
-                  <a:rPr lang="ko-KR" altLang="en-US">
-                    <a:noFill/>
-                  </a:rPr>
-                  <a:t> </a:t>
-                </a:r>
-              </a:p>
-            </p:txBody>
-          </p:sp>
-        </mc:Fallback>
-      </mc:AlternateContent>
-      <mc:AlternateContent xmlns:mc="http://schemas.openxmlformats.org/markup-compatibility/2006" xmlns:a14="http://schemas.microsoft.com/office/drawing/2010/main">
-        <mc:Choice Requires="a14">
-          <p:sp>
-            <p:nvSpPr>
-              <p:cNvPr id="70" name="직사각형 69"/>
-              <p:cNvSpPr/>
-              <p:nvPr/>
-            </p:nvSpPr>
-            <p:spPr>
-              <a:xfrm>
-                <a:off x="1423590" y="5060956"/>
-                <a:ext cx="545342" cy="369332"/>
-              </a:xfrm>
-              <a:prstGeom prst="rect">
-                <a:avLst/>
-              </a:prstGeom>
-            </p:spPr>
-            <p:txBody>
-              <a:bodyPr wrap="none">
-                <a:spAutoFit/>
-              </a:bodyPr>
-              <a:lstStyle/>
-              <a:p>
-                <a:pPr/>
-                <a14:m>
-                  <m:oMathPara xmlns:m="http://schemas.openxmlformats.org/officeDocument/2006/math">
-                    <m:oMathParaPr>
-                      <m:jc m:val="centerGroup"/>
-                    </m:oMathParaPr>
-                    <m:oMath xmlns:m="http://schemas.openxmlformats.org/officeDocument/2006/math">
-                      <m:r>
-                        <m:rPr>
-                          <m:nor/>
-                        </m:rPr>
-                        <a:rPr lang="ko-KR" altLang="en-US" dirty="0" smtClean="0">
-                          <a:latin typeface="Cambria Math" panose="02040503050406030204" pitchFamily="18" charset="0"/>
-                        </a:rPr>
-                        <m:t>∣</m:t>
-                      </m:r>
-                      <m:r>
-                        <m:rPr>
-                          <m:nor/>
-                        </m:rPr>
-                        <a:rPr lang="en-US" altLang="ko-KR" b="0" i="0" dirty="0" smtClean="0">
-                          <a:latin typeface="Cambria Math" panose="02040503050406030204" pitchFamily="18" charset="0"/>
-                        </a:rPr>
-                        <m:t>1</m:t>
-                      </m:r>
-                      <m:r>
-                        <m:rPr>
-                          <m:nor/>
-                        </m:rPr>
-                        <a:rPr lang="en-US" altLang="ko-KR" dirty="0" smtClean="0">
-                          <a:latin typeface="Cambria Math" panose="02040503050406030204" pitchFamily="18" charset="0"/>
-                          <a:ea typeface="Cambria Math" panose="02040503050406030204" pitchFamily="18" charset="0"/>
-                        </a:rPr>
-                        <m:t>⟩</m:t>
-                      </m:r>
-                    </m:oMath>
-                  </m:oMathPara>
-                </a14:m>
-                <a:endParaRPr lang="ko-KR" altLang="en-US" dirty="0"/>
-              </a:p>
-            </p:txBody>
-          </p:sp>
-        </mc:Choice>
-        <mc:Fallback xmlns="">
-          <p:sp>
-            <p:nvSpPr>
-              <p:cNvPr id="70" name="직사각형 69"/>
-              <p:cNvSpPr>
-                <a:spLocks noRot="1" noChangeAspect="1" noMove="1" noResize="1" noEditPoints="1" noAdjustHandles="1" noChangeArrowheads="1" noChangeShapeType="1" noTextEdit="1"/>
-              </p:cNvSpPr>
-              <p:nvPr/>
-            </p:nvSpPr>
-            <p:spPr>
-              <a:xfrm>
-                <a:off x="1423590" y="5060956"/>
-                <a:ext cx="545342" cy="369332"/>
-              </a:xfrm>
-              <a:prstGeom prst="rect">
-                <a:avLst/>
-              </a:prstGeom>
-              <a:blipFill>
-                <a:blip r:embed="rId3"/>
-                <a:stretch>
-                  <a:fillRect b="-16393"/>
-                </a:stretch>
-              </a:blipFill>
-            </p:spPr>
-            <p:txBody>
-              <a:bodyPr/>
-              <a:lstStyle/>
-              <a:p>
-                <a:r>
-                  <a:rPr lang="ko-KR" altLang="en-US">
-                    <a:noFill/>
-                  </a:rPr>
-                  <a:t> </a:t>
-                </a:r>
-              </a:p>
-            </p:txBody>
-          </p:sp>
-        </mc:Fallback>
-      </mc:AlternateContent>
-      <mc:AlternateContent xmlns:mc="http://schemas.openxmlformats.org/markup-compatibility/2006" xmlns:a14="http://schemas.microsoft.com/office/drawing/2010/main">
-        <mc:Choice Requires="a14">
-          <p:sp>
-            <p:nvSpPr>
-              <p:cNvPr id="73" name="직사각형 72"/>
-              <p:cNvSpPr/>
-              <p:nvPr/>
-            </p:nvSpPr>
-            <p:spPr>
-              <a:xfrm>
-                <a:off x="1368892" y="3119795"/>
-                <a:ext cx="599844" cy="369332"/>
-              </a:xfrm>
-              <a:prstGeom prst="rect">
-                <a:avLst/>
-              </a:prstGeom>
-            </p:spPr>
-            <p:txBody>
-              <a:bodyPr wrap="none">
-                <a:spAutoFit/>
-              </a:bodyPr>
-              <a:lstStyle/>
-              <a:p>
-                <a:pPr/>
-                <a14:m>
-                  <m:oMathPara xmlns:m="http://schemas.openxmlformats.org/officeDocument/2006/math">
-                    <m:oMathParaPr>
-                      <m:jc m:val="centerGroup"/>
-                    </m:oMathParaPr>
-                    <m:oMath xmlns:m="http://schemas.openxmlformats.org/officeDocument/2006/math">
-                      <m:r>
-                        <m:rPr>
-                          <m:nor/>
-                        </m:rPr>
-                        <a:rPr lang="ko-KR" altLang="en-US" dirty="0" smtClean="0">
-                          <a:latin typeface="Cambria Math" panose="02040503050406030204" pitchFamily="18" charset="0"/>
-                        </a:rPr>
-                        <m:t>∣</m:t>
-                      </m:r>
-                      <m:r>
-                        <m:rPr>
-                          <m:nor/>
-                        </m:rPr>
-                        <a:rPr lang="en-US" altLang="ko-KR" b="0" i="0" dirty="0" smtClean="0">
-                          <a:latin typeface="Cambria Math" panose="02040503050406030204" pitchFamily="18" charset="0"/>
-                        </a:rPr>
-                        <m:t>1′</m:t>
-                      </m:r>
-                      <m:r>
-                        <m:rPr>
-                          <m:nor/>
-                        </m:rPr>
-                        <a:rPr lang="en-US" altLang="ko-KR" dirty="0" smtClean="0">
-                          <a:latin typeface="Cambria Math" panose="02040503050406030204" pitchFamily="18" charset="0"/>
-                          <a:ea typeface="Cambria Math" panose="02040503050406030204" pitchFamily="18" charset="0"/>
-                        </a:rPr>
-                        <m:t>⟩</m:t>
-                      </m:r>
-                    </m:oMath>
-                  </m:oMathPara>
-                </a14:m>
-                <a:endParaRPr lang="ko-KR" altLang="en-US" dirty="0"/>
-              </a:p>
-            </p:txBody>
-          </p:sp>
-        </mc:Choice>
-        <mc:Fallback xmlns="">
-          <p:sp>
-            <p:nvSpPr>
-              <p:cNvPr id="73" name="직사각형 72"/>
-              <p:cNvSpPr>
-                <a:spLocks noRot="1" noChangeAspect="1" noMove="1" noResize="1" noEditPoints="1" noAdjustHandles="1" noChangeArrowheads="1" noChangeShapeType="1" noTextEdit="1"/>
-              </p:cNvSpPr>
-              <p:nvPr/>
-            </p:nvSpPr>
-            <p:spPr>
-              <a:xfrm>
-                <a:off x="1368892" y="3119795"/>
-                <a:ext cx="599844" cy="369332"/>
-              </a:xfrm>
-              <a:prstGeom prst="rect">
-                <a:avLst/>
-              </a:prstGeom>
-              <a:blipFill>
-                <a:blip r:embed="rId4"/>
-                <a:stretch>
-                  <a:fillRect b="-16667"/>
-                </a:stretch>
-              </a:blipFill>
-            </p:spPr>
-            <p:txBody>
-              <a:bodyPr/>
-              <a:lstStyle/>
-              <a:p>
-                <a:r>
-                  <a:rPr lang="ko-KR" altLang="en-US">
-                    <a:noFill/>
-                  </a:rPr>
-                  <a:t> </a:t>
-                </a:r>
-              </a:p>
-            </p:txBody>
-          </p:sp>
-        </mc:Fallback>
-      </mc:AlternateContent>
-      <mc:AlternateContent xmlns:mc="http://schemas.openxmlformats.org/markup-compatibility/2006" xmlns:a14="http://schemas.microsoft.com/office/drawing/2010/main">
-        <mc:Choice Requires="a14">
-          <p:sp>
-            <p:nvSpPr>
-              <p:cNvPr id="74" name="직사각형 73"/>
-              <p:cNvSpPr/>
-              <p:nvPr/>
-            </p:nvSpPr>
-            <p:spPr>
-              <a:xfrm>
-                <a:off x="2426128" y="4072369"/>
-                <a:ext cx="599844" cy="369332"/>
-              </a:xfrm>
-              <a:prstGeom prst="rect">
-                <a:avLst/>
-              </a:prstGeom>
-            </p:spPr>
-            <p:txBody>
-              <a:bodyPr wrap="none">
-                <a:spAutoFit/>
-              </a:bodyPr>
-              <a:lstStyle/>
-              <a:p>
-                <a:pPr/>
-                <a14:m>
-                  <m:oMathPara xmlns:m="http://schemas.openxmlformats.org/officeDocument/2006/math">
-                    <m:oMathParaPr>
-                      <m:jc m:val="centerGroup"/>
-                    </m:oMathParaPr>
-                    <m:oMath xmlns:m="http://schemas.openxmlformats.org/officeDocument/2006/math">
-                      <m:r>
-                        <m:rPr>
-                          <m:nor/>
-                        </m:rPr>
-                        <a:rPr lang="ko-KR" altLang="en-US" dirty="0" smtClean="0">
-                          <a:latin typeface="Cambria Math" panose="02040503050406030204" pitchFamily="18" charset="0"/>
-                        </a:rPr>
-                        <m:t>∣</m:t>
-                      </m:r>
-                      <m:r>
-                        <m:rPr>
-                          <m:nor/>
-                        </m:rPr>
-                        <a:rPr lang="en-US" altLang="ko-KR" b="0" i="0" dirty="0" smtClean="0">
-                          <a:latin typeface="Cambria Math" panose="02040503050406030204" pitchFamily="18" charset="0"/>
-                        </a:rPr>
-                        <m:t>0′</m:t>
-                      </m:r>
-                      <m:r>
-                        <m:rPr>
-                          <m:nor/>
-                        </m:rPr>
-                        <a:rPr lang="en-US" altLang="ko-KR" dirty="0" smtClean="0">
-                          <a:latin typeface="Cambria Math" panose="02040503050406030204" pitchFamily="18" charset="0"/>
-                          <a:ea typeface="Cambria Math" panose="02040503050406030204" pitchFamily="18" charset="0"/>
-                        </a:rPr>
-                        <m:t>⟩</m:t>
-                      </m:r>
-                    </m:oMath>
-                  </m:oMathPara>
-                </a14:m>
-                <a:endParaRPr lang="ko-KR" altLang="en-US" dirty="0"/>
-              </a:p>
-            </p:txBody>
-          </p:sp>
-        </mc:Choice>
-        <mc:Fallback xmlns="">
-          <p:sp>
-            <p:nvSpPr>
-              <p:cNvPr id="74" name="직사각형 73"/>
-              <p:cNvSpPr>
-                <a:spLocks noRot="1" noChangeAspect="1" noMove="1" noResize="1" noEditPoints="1" noAdjustHandles="1" noChangeArrowheads="1" noChangeShapeType="1" noTextEdit="1"/>
-              </p:cNvSpPr>
-              <p:nvPr/>
-            </p:nvSpPr>
-            <p:spPr>
-              <a:xfrm>
-                <a:off x="2426128" y="4072369"/>
-                <a:ext cx="599844" cy="369332"/>
-              </a:xfrm>
-              <a:prstGeom prst="rect">
-                <a:avLst/>
-              </a:prstGeom>
-              <a:blipFill>
-                <a:blip r:embed="rId5"/>
-                <a:stretch>
-                  <a:fillRect b="-16393"/>
-                </a:stretch>
-              </a:blipFill>
-            </p:spPr>
-            <p:txBody>
-              <a:bodyPr/>
-              <a:lstStyle/>
-              <a:p>
-                <a:r>
-                  <a:rPr lang="ko-KR" altLang="en-US">
-                    <a:noFill/>
-                  </a:rPr>
-                  <a:t> </a:t>
-                </a:r>
-              </a:p>
-            </p:txBody>
-          </p:sp>
-        </mc:Fallback>
-      </mc:AlternateContent>
-      <p:sp>
-        <p:nvSpPr>
-          <p:cNvPr id="48" name="직사각형 47"/>
-          <p:cNvSpPr/>
-          <p:nvPr/>
-        </p:nvSpPr>
-        <p:spPr>
-          <a:xfrm>
-            <a:off x="1399268" y="3888244"/>
-            <a:ext cx="540000" cy="108000"/>
-          </a:xfrm>
-          <a:prstGeom prst="rect">
-            <a:avLst/>
-          </a:prstGeom>
-          <a:solidFill>
-            <a:schemeClr val="tx1">
-              <a:lumMod val="50000"/>
-              <a:lumOff val="50000"/>
-              <a:alpha val="68000"/>
-            </a:schemeClr>
-          </a:solidFill>
-          <a:ln w="28575">
-            <a:solidFill>
-              <a:schemeClr val="tx1"/>
-            </a:solidFill>
-          </a:ln>
-        </p:spPr>
-        <p:style>
-          <a:lnRef idx="2">
-            <a:schemeClr val="accent1">
-              <a:shade val="50000"/>
-            </a:schemeClr>
-          </a:lnRef>
-          <a:fillRef idx="1">
-            <a:schemeClr val="accent1"/>
-          </a:fillRef>
-          <a:effectRef idx="0">
-            <a:schemeClr val="accent1"/>
-          </a:effectRef>
-          <a:fontRef idx="minor">
-            <a:schemeClr val="lt1"/>
-          </a:fontRef>
-        </p:style>
-        <p:txBody>
-          <a:bodyPr rtlCol="0" anchor="ctr"/>
-          <a:lstStyle/>
-          <a:p>
-            <a:pPr algn="ctr"/>
-            <a:endParaRPr lang="ko-KR" altLang="en-US"/>
-          </a:p>
-        </p:txBody>
-      </p:sp>
-      <p:sp>
-        <p:nvSpPr>
-          <p:cNvPr id="14" name="직사각형 13"/>
-          <p:cNvSpPr/>
-          <p:nvPr/>
-        </p:nvSpPr>
-        <p:spPr>
-          <a:xfrm>
-            <a:off x="601249" y="2658130"/>
-            <a:ext cx="2190023" cy="369332"/>
-          </a:xfrm>
-          <a:prstGeom prst="rect">
-            <a:avLst/>
-          </a:prstGeom>
-        </p:spPr>
-        <p:txBody>
-          <a:bodyPr wrap="none">
-            <a:spAutoFit/>
-          </a:bodyPr>
-          <a:lstStyle/>
-          <a:p>
-            <a:r>
-              <a:rPr lang="en-US" altLang="ko-KR" dirty="0"/>
-              <a:t>Polarization rotator</a:t>
-            </a:r>
-            <a:endParaRPr lang="ko-KR" altLang="en-US" dirty="0"/>
-          </a:p>
-        </p:txBody>
-      </p:sp>
-      <mc:AlternateContent xmlns:mc="http://schemas.openxmlformats.org/markup-compatibility/2006" xmlns:a14="http://schemas.microsoft.com/office/drawing/2010/main">
-        <mc:Choice Requires="a14">
-          <p:sp>
-            <p:nvSpPr>
-              <p:cNvPr id="79" name="직사각형 78"/>
-              <p:cNvSpPr/>
-              <p:nvPr/>
-            </p:nvSpPr>
-            <p:spPr>
-              <a:xfrm>
-                <a:off x="202249" y="5530715"/>
-                <a:ext cx="7541576" cy="606705"/>
-              </a:xfrm>
-              <a:prstGeom prst="rect">
-                <a:avLst/>
-              </a:prstGeom>
-            </p:spPr>
-            <p:txBody>
-              <a:bodyPr wrap="square">
-                <a:spAutoFit/>
-              </a:bodyPr>
-              <a:lstStyle/>
-              <a:p>
-                <a:pPr/>
-                <a14:m>
-                  <m:oMathPara xmlns:m="http://schemas.openxmlformats.org/officeDocument/2006/math">
-                    <m:oMathParaPr>
-                      <m:jc m:val="centerGroup"/>
-                    </m:oMathParaPr>
-                    <m:oMath xmlns:m="http://schemas.openxmlformats.org/officeDocument/2006/math">
-                      <m:sSub>
-                        <m:sSubPr>
-                          <m:ctrlPr>
-                            <a:rPr lang="en-US" altLang="ko-KR" sz="1900" i="1" dirty="0" smtClean="0">
-                              <a:latin typeface="Cambria Math" panose="02040503050406030204" pitchFamily="18" charset="0"/>
-                            </a:rPr>
-                          </m:ctrlPr>
-                        </m:sSubPr>
-                        <m:e>
-                          <m:acc>
-                            <m:accPr>
-                              <m:chr m:val="̂"/>
-                              <m:ctrlPr>
-                                <a:rPr lang="en-US" altLang="ko-KR" sz="1900" i="1" dirty="0" smtClean="0">
-                                  <a:latin typeface="Cambria Math" panose="02040503050406030204" pitchFamily="18" charset="0"/>
-                                </a:rPr>
-                              </m:ctrlPr>
-                            </m:accPr>
-                            <m:e>
-                              <m:r>
-                                <a:rPr lang="en-US" altLang="ko-KR" sz="1900" b="0" i="1" dirty="0" smtClean="0">
-                                  <a:latin typeface="Cambria Math" panose="02040503050406030204" pitchFamily="18" charset="0"/>
-                                </a:rPr>
-                                <m:t>𝑈</m:t>
-                              </m:r>
-                            </m:e>
-                          </m:acc>
-                        </m:e>
-                        <m:sub>
-                          <m:r>
-                            <a:rPr lang="en-US" altLang="ko-KR" sz="1900" b="0" i="1" dirty="0" smtClean="0">
-                              <a:latin typeface="Cambria Math" panose="02040503050406030204" pitchFamily="18" charset="0"/>
-                            </a:rPr>
-                            <m:t>𝑃𝑅</m:t>
-                          </m:r>
-                          <m:r>
-                            <a:rPr lang="en-US" altLang="ko-KR" sz="1900" b="0" i="1" dirty="0" smtClean="0">
-                              <a:latin typeface="Cambria Math" panose="02040503050406030204" pitchFamily="18" charset="0"/>
-                            </a:rPr>
-                            <m:t>(</m:t>
-                          </m:r>
-                          <m:r>
-                            <a:rPr lang="ko-KR" altLang="en-US" sz="2000" b="0" i="1" smtClean="0">
-                              <a:latin typeface="Cambria Math" panose="02040503050406030204" pitchFamily="18" charset="0"/>
-                            </a:rPr>
-                            <m:t>𝜋</m:t>
-                          </m:r>
-                          <m:r>
-                            <a:rPr lang="en-US" altLang="ko-KR" sz="2000" b="0" i="1" smtClean="0">
-                              <a:latin typeface="Cambria Math" panose="02040503050406030204" pitchFamily="18" charset="0"/>
-                            </a:rPr>
-                            <m:t>/4</m:t>
-                          </m:r>
-                          <m:r>
-                            <a:rPr lang="en-US" altLang="ko-KR" sz="1900" b="0" i="1" dirty="0" smtClean="0">
-                              <a:latin typeface="Cambria Math" panose="02040503050406030204" pitchFamily="18" charset="0"/>
-                              <a:ea typeface="Cambria Math" panose="02040503050406030204" pitchFamily="18" charset="0"/>
-                            </a:rPr>
-                            <m:t>)</m:t>
-                          </m:r>
-                        </m:sub>
-                      </m:sSub>
-                      <m:r>
-                        <a:rPr lang="en-US" altLang="ko-KR" sz="1900" b="0" i="1" dirty="0" smtClean="0">
-                          <a:latin typeface="Cambria Math" panose="02040503050406030204" pitchFamily="18" charset="0"/>
-                        </a:rPr>
-                        <m:t>=</m:t>
-                      </m:r>
-                      <m:d>
-                        <m:dPr>
-                          <m:ctrlPr>
-                            <a:rPr lang="en-US" altLang="ko-KR" sz="2000" i="1" dirty="0">
-                              <a:latin typeface="Cambria Math" panose="02040503050406030204" pitchFamily="18" charset="0"/>
-                              <a:ea typeface="Cambria Math" panose="02040503050406030204" pitchFamily="18" charset="0"/>
-                            </a:rPr>
-                          </m:ctrlPr>
-                        </m:dPr>
-                        <m:e>
-                          <m:m>
-                            <m:mPr>
-                              <m:mcs>
-                                <m:mc>
-                                  <m:mcPr>
-                                    <m:count m:val="2"/>
-                                    <m:mcJc m:val="center"/>
-                                  </m:mcPr>
-                                </m:mc>
-                              </m:mcs>
-                              <m:ctrlPr>
-                                <a:rPr lang="en-US" altLang="ko-KR" sz="2000" i="1" dirty="0" smtClean="0">
-                                  <a:latin typeface="Cambria Math" panose="02040503050406030204" pitchFamily="18" charset="0"/>
-                                  <a:ea typeface="Cambria Math" panose="02040503050406030204" pitchFamily="18" charset="0"/>
-                                </a:rPr>
-                              </m:ctrlPr>
-                            </m:mPr>
-                            <m:mr>
-                              <m:e>
-                                <m:func>
-                                  <m:funcPr>
-                                    <m:ctrlPr>
-                                      <a:rPr lang="en-US" altLang="ko-KR" sz="2000" i="1" dirty="0" smtClean="0">
-                                        <a:latin typeface="Cambria Math" panose="02040503050406030204" pitchFamily="18" charset="0"/>
-                                        <a:ea typeface="Cambria Math" panose="02040503050406030204" pitchFamily="18" charset="0"/>
-                                      </a:rPr>
-                                    </m:ctrlPr>
-                                  </m:funcPr>
-                                  <m:fName>
-                                    <m:r>
-                                      <m:rPr>
-                                        <m:sty m:val="p"/>
-                                        <m:brk m:alnAt="7"/>
-                                      </m:rPr>
-                                      <a:rPr lang="en-US" altLang="ko-KR" sz="2000" i="0" dirty="0" smtClean="0">
-                                        <a:latin typeface="Cambria Math" panose="02040503050406030204" pitchFamily="18" charset="0"/>
-                                        <a:ea typeface="Cambria Math" panose="02040503050406030204" pitchFamily="18" charset="0"/>
-                                      </a:rPr>
-                                      <m:t>c</m:t>
-                                    </m:r>
-                                    <m:r>
-                                      <m:rPr>
-                                        <m:sty m:val="p"/>
-                                      </m:rPr>
-                                      <a:rPr lang="en-US" altLang="ko-KR" sz="2000" i="0" dirty="0" smtClean="0">
-                                        <a:latin typeface="Cambria Math" panose="02040503050406030204" pitchFamily="18" charset="0"/>
-                                        <a:ea typeface="Cambria Math" panose="02040503050406030204" pitchFamily="18" charset="0"/>
-                                      </a:rPr>
-                                      <m:t>os</m:t>
-                                    </m:r>
-                                  </m:fName>
-                                  <m:e>
-                                    <m:r>
-                                      <a:rPr lang="en-US" altLang="ko-KR" sz="2000" b="0" i="1" dirty="0" smtClean="0">
-                                        <a:latin typeface="Cambria Math" panose="02040503050406030204" pitchFamily="18" charset="0"/>
-                                        <a:ea typeface="Cambria Math" panose="02040503050406030204" pitchFamily="18" charset="0"/>
-                                      </a:rPr>
-                                      <m:t>2</m:t>
-                                    </m:r>
-                                    <m:r>
-                                      <m:rPr>
-                                        <m:brk m:alnAt="7"/>
-                                      </m:rPr>
-                                      <a:rPr lang="ko-KR" altLang="en-US" sz="2000" i="1" dirty="0" smtClean="0">
-                                        <a:latin typeface="Cambria Math" panose="02040503050406030204" pitchFamily="18" charset="0"/>
-                                        <a:ea typeface="Cambria Math" panose="02040503050406030204" pitchFamily="18" charset="0"/>
-                                      </a:rPr>
-                                      <m:t>𝜃</m:t>
-                                    </m:r>
-                                  </m:e>
-                                </m:func>
-                              </m:e>
-                              <m:e>
-                                <m:func>
-                                  <m:funcPr>
-                                    <m:ctrlPr>
-                                      <a:rPr lang="en-US" altLang="ko-KR" sz="2000" i="1" dirty="0" smtClean="0">
-                                        <a:latin typeface="Cambria Math" panose="02040503050406030204" pitchFamily="18" charset="0"/>
-                                        <a:ea typeface="Cambria Math" panose="02040503050406030204" pitchFamily="18" charset="0"/>
-                                      </a:rPr>
-                                    </m:ctrlPr>
-                                  </m:funcPr>
-                                  <m:fName>
-                                    <m:r>
-                                      <m:rPr>
-                                        <m:sty m:val="p"/>
-                                      </m:rPr>
-                                      <a:rPr lang="en-US" altLang="ko-KR" sz="2000" i="0" dirty="0" smtClean="0">
-                                        <a:latin typeface="Cambria Math" panose="02040503050406030204" pitchFamily="18" charset="0"/>
-                                        <a:ea typeface="Cambria Math" panose="02040503050406030204" pitchFamily="18" charset="0"/>
-                                      </a:rPr>
-                                      <m:t>sin</m:t>
-                                    </m:r>
-                                  </m:fName>
-                                  <m:e>
-                                    <m:r>
-                                      <a:rPr lang="en-US" altLang="ko-KR" sz="2000" b="0" i="1" dirty="0" smtClean="0">
-                                        <a:latin typeface="Cambria Math" panose="02040503050406030204" pitchFamily="18" charset="0"/>
-                                        <a:ea typeface="Cambria Math" panose="02040503050406030204" pitchFamily="18" charset="0"/>
-                                      </a:rPr>
-                                      <m:t>2</m:t>
-                                    </m:r>
-                                    <m:r>
-                                      <m:rPr>
-                                        <m:brk m:alnAt="7"/>
-                                      </m:rPr>
-                                      <a:rPr lang="ko-KR" altLang="en-US" sz="2000" i="1" dirty="0" smtClean="0">
-                                        <a:latin typeface="Cambria Math" panose="02040503050406030204" pitchFamily="18" charset="0"/>
-                                        <a:ea typeface="Cambria Math" panose="02040503050406030204" pitchFamily="18" charset="0"/>
-                                      </a:rPr>
-                                      <m:t>𝜃</m:t>
-                                    </m:r>
-                                  </m:e>
-                                </m:func>
-                              </m:e>
-                            </m:mr>
-                            <m:mr>
-                              <m:e>
-                                <m:func>
-                                  <m:funcPr>
-                                    <m:ctrlPr>
-                                      <a:rPr lang="en-US" altLang="ko-KR" sz="2000" i="1" dirty="0" smtClean="0">
-                                        <a:latin typeface="Cambria Math" panose="02040503050406030204" pitchFamily="18" charset="0"/>
-                                        <a:ea typeface="Cambria Math" panose="02040503050406030204" pitchFamily="18" charset="0"/>
-                                      </a:rPr>
-                                    </m:ctrlPr>
-                                  </m:funcPr>
-                                  <m:fName>
-                                    <m:r>
-                                      <m:rPr>
-                                        <m:sty m:val="p"/>
-                                      </m:rPr>
-                                      <a:rPr lang="en-US" altLang="ko-KR" sz="2000" i="0" dirty="0" smtClean="0">
-                                        <a:latin typeface="Cambria Math" panose="02040503050406030204" pitchFamily="18" charset="0"/>
-                                        <a:ea typeface="Cambria Math" panose="02040503050406030204" pitchFamily="18" charset="0"/>
-                                      </a:rPr>
-                                      <m:t>sin</m:t>
-                                    </m:r>
-                                  </m:fName>
-                                  <m:e>
-                                    <m:r>
-                                      <a:rPr lang="en-US" altLang="ko-KR" sz="2000" b="0" i="1" dirty="0" smtClean="0">
-                                        <a:latin typeface="Cambria Math" panose="02040503050406030204" pitchFamily="18" charset="0"/>
-                                        <a:ea typeface="Cambria Math" panose="02040503050406030204" pitchFamily="18" charset="0"/>
-                                      </a:rPr>
-                                      <m:t>2</m:t>
-                                    </m:r>
-                                    <m:r>
-                                      <m:rPr>
-                                        <m:brk m:alnAt="7"/>
-                                      </m:rPr>
-                                      <a:rPr lang="ko-KR" altLang="en-US" sz="2000" i="1" dirty="0" smtClean="0">
-                                        <a:latin typeface="Cambria Math" panose="02040503050406030204" pitchFamily="18" charset="0"/>
-                                        <a:ea typeface="Cambria Math" panose="02040503050406030204" pitchFamily="18" charset="0"/>
-                                      </a:rPr>
-                                      <m:t>𝜃</m:t>
-                                    </m:r>
-                                  </m:e>
-                                </m:func>
-                              </m:e>
-                              <m:e>
-                                <m:r>
-                                  <a:rPr lang="en-US" altLang="ko-KR" sz="2000" i="1" dirty="0" smtClean="0">
-                                    <a:latin typeface="Cambria Math" panose="02040503050406030204" pitchFamily="18" charset="0"/>
-                                    <a:ea typeface="Cambria Math" panose="02040503050406030204" pitchFamily="18" charset="0"/>
-                                  </a:rPr>
-                                  <m:t>−</m:t>
-                                </m:r>
-                                <m:func>
-                                  <m:funcPr>
-                                    <m:ctrlPr>
-                                      <a:rPr lang="en-US" altLang="ko-KR" sz="2000" i="1" dirty="0" smtClean="0">
-                                        <a:latin typeface="Cambria Math" panose="02040503050406030204" pitchFamily="18" charset="0"/>
-                                        <a:ea typeface="Cambria Math" panose="02040503050406030204" pitchFamily="18" charset="0"/>
-                                      </a:rPr>
-                                    </m:ctrlPr>
-                                  </m:funcPr>
-                                  <m:fName>
-                                    <m:r>
-                                      <m:rPr>
-                                        <m:sty m:val="p"/>
-                                        <m:brk m:alnAt="7"/>
-                                      </m:rPr>
-                                      <a:rPr lang="en-US" altLang="ko-KR" sz="2000" i="0" dirty="0" smtClean="0">
-                                        <a:latin typeface="Cambria Math" panose="02040503050406030204" pitchFamily="18" charset="0"/>
-                                        <a:ea typeface="Cambria Math" panose="02040503050406030204" pitchFamily="18" charset="0"/>
-                                      </a:rPr>
-                                      <m:t>c</m:t>
-                                    </m:r>
-                                    <m:r>
-                                      <m:rPr>
-                                        <m:sty m:val="p"/>
-                                      </m:rPr>
-                                      <a:rPr lang="en-US" altLang="ko-KR" sz="2000" i="0" dirty="0" smtClean="0">
-                                        <a:latin typeface="Cambria Math" panose="02040503050406030204" pitchFamily="18" charset="0"/>
-                                        <a:ea typeface="Cambria Math" panose="02040503050406030204" pitchFamily="18" charset="0"/>
-                                      </a:rPr>
-                                      <m:t>os</m:t>
-                                    </m:r>
-                                  </m:fName>
-                                  <m:e>
-                                    <m:r>
-                                      <a:rPr lang="en-US" altLang="ko-KR" sz="2000" b="0" i="1" dirty="0" smtClean="0">
-                                        <a:latin typeface="Cambria Math" panose="02040503050406030204" pitchFamily="18" charset="0"/>
-                                        <a:ea typeface="Cambria Math" panose="02040503050406030204" pitchFamily="18" charset="0"/>
-                                      </a:rPr>
-                                      <m:t>2</m:t>
-                                    </m:r>
-                                    <m:r>
-                                      <m:rPr>
-                                        <m:brk m:alnAt="7"/>
-                                      </m:rPr>
-                                      <a:rPr lang="ko-KR" altLang="en-US" sz="2000" i="1" dirty="0" smtClean="0">
-                                        <a:latin typeface="Cambria Math" panose="02040503050406030204" pitchFamily="18" charset="0"/>
-                                        <a:ea typeface="Cambria Math" panose="02040503050406030204" pitchFamily="18" charset="0"/>
-                                      </a:rPr>
-                                      <m:t>𝜃</m:t>
-                                    </m:r>
-                                  </m:e>
-                                </m:func>
-                              </m:e>
-                            </m:mr>
-                          </m:m>
-                        </m:e>
-                      </m:d>
-                      <m:groupChr>
-                        <m:groupChrPr>
-                          <m:chr m:val="→"/>
-                          <m:vertJc m:val="bot"/>
-                          <m:ctrlPr>
-                            <a:rPr lang="en-US" altLang="ko-KR" sz="1900" b="0" i="1" dirty="0" smtClean="0">
-                              <a:latin typeface="Cambria Math" panose="02040503050406030204" pitchFamily="18" charset="0"/>
-                              <a:ea typeface="Cambria Math" panose="02040503050406030204" pitchFamily="18" charset="0"/>
-                            </a:rPr>
-                          </m:ctrlPr>
-                        </m:groupChrPr>
-                        <m:e>
-                          <m:r>
-                            <m:rPr>
-                              <m:brk m:alnAt="2"/>
-                            </m:rPr>
-                            <a:rPr lang="ko-KR" altLang="en-US" sz="1900" b="0" i="1" dirty="0" smtClean="0">
-                              <a:latin typeface="Cambria Math" panose="02040503050406030204" pitchFamily="18" charset="0"/>
-                              <a:ea typeface="Cambria Math" panose="02040503050406030204" pitchFamily="18" charset="0"/>
-                            </a:rPr>
-                            <m:t>𝜃</m:t>
-                          </m:r>
-                          <m:r>
-                            <a:rPr lang="en-US" altLang="ko-KR" sz="1900" b="0" i="1" dirty="0" smtClean="0">
-                              <a:latin typeface="Cambria Math" panose="02040503050406030204" pitchFamily="18" charset="0"/>
-                              <a:ea typeface="Cambria Math" panose="02040503050406030204" pitchFamily="18" charset="0"/>
-                            </a:rPr>
-                            <m:t>=</m:t>
-                          </m:r>
-                          <m:r>
-                            <a:rPr lang="ko-KR" altLang="en-US" i="1">
-                              <a:latin typeface="Cambria Math" panose="02040503050406030204" pitchFamily="18" charset="0"/>
-                            </a:rPr>
-                            <m:t>𝜋</m:t>
-                          </m:r>
-                          <m:r>
-                            <a:rPr lang="en-US" altLang="ko-KR" b="0" i="1" smtClean="0">
-                              <a:latin typeface="Cambria Math" panose="02040503050406030204" pitchFamily="18" charset="0"/>
-                            </a:rPr>
-                            <m:t>/4</m:t>
-                          </m:r>
-                        </m:e>
-                      </m:groupChr>
-                      <m:d>
-                        <m:dPr>
-                          <m:ctrlPr>
-                            <a:rPr lang="en-US" altLang="ko-KR" sz="1900" i="1" dirty="0" smtClean="0">
-                              <a:latin typeface="Cambria Math" panose="02040503050406030204" pitchFamily="18" charset="0"/>
-                              <a:ea typeface="Cambria Math" panose="02040503050406030204" pitchFamily="18" charset="0"/>
-                            </a:rPr>
-                          </m:ctrlPr>
-                        </m:dPr>
-                        <m:e>
-                          <m:m>
-                            <m:mPr>
-                              <m:mcs>
-                                <m:mc>
-                                  <m:mcPr>
-                                    <m:count m:val="2"/>
-                                    <m:mcJc m:val="center"/>
-                                  </m:mcPr>
-                                </m:mc>
-                              </m:mcs>
-                              <m:ctrlPr>
-                                <a:rPr lang="en-US" altLang="ko-KR" sz="1900" i="1" dirty="0">
-                                  <a:latin typeface="Cambria Math" panose="02040503050406030204" pitchFamily="18" charset="0"/>
-                                  <a:ea typeface="Cambria Math" panose="02040503050406030204" pitchFamily="18" charset="0"/>
-                                </a:rPr>
-                              </m:ctrlPr>
-                            </m:mPr>
-                            <m:mr>
-                              <m:e>
-                                <m:r>
-                                  <m:rPr>
-                                    <m:brk m:alnAt="7"/>
-                                  </m:rPr>
-                                  <a:rPr lang="en-US" altLang="ko-KR" sz="1900" b="0" i="1" dirty="0" smtClean="0">
-                                    <a:latin typeface="Cambria Math" panose="02040503050406030204" pitchFamily="18" charset="0"/>
-                                    <a:ea typeface="Cambria Math" panose="02040503050406030204" pitchFamily="18" charset="0"/>
-                                  </a:rPr>
-                                  <m:t>0</m:t>
-                                </m:r>
-                              </m:e>
-                              <m:e>
-                                <m:r>
-                                  <a:rPr lang="en-US" altLang="ko-KR" sz="1900" b="0" i="1" dirty="0" smtClean="0">
-                                    <a:latin typeface="Cambria Math" panose="02040503050406030204" pitchFamily="18" charset="0"/>
-                                    <a:ea typeface="Cambria Math" panose="02040503050406030204" pitchFamily="18" charset="0"/>
-                                  </a:rPr>
-                                  <m:t>1</m:t>
-                                </m:r>
-                              </m:e>
-                            </m:mr>
-                            <m:mr>
-                              <m:e>
-                                <m:r>
-                                  <a:rPr lang="en-US" altLang="ko-KR" sz="1900" b="0" i="1" dirty="0" smtClean="0">
-                                    <a:latin typeface="Cambria Math" panose="02040503050406030204" pitchFamily="18" charset="0"/>
-                                    <a:ea typeface="Cambria Math" panose="02040503050406030204" pitchFamily="18" charset="0"/>
-                                  </a:rPr>
-                                  <m:t>1</m:t>
-                                </m:r>
-                              </m:e>
-                              <m:e>
-                                <m:r>
-                                  <a:rPr lang="en-US" altLang="ko-KR" sz="1900" i="1" dirty="0" smtClean="0">
-                                    <a:latin typeface="Cambria Math" panose="02040503050406030204" pitchFamily="18" charset="0"/>
-                                    <a:ea typeface="Cambria Math" panose="02040503050406030204" pitchFamily="18" charset="0"/>
-                                  </a:rPr>
-                                  <m:t>0</m:t>
-                                </m:r>
-                              </m:e>
-                            </m:mr>
-                          </m:m>
-                        </m:e>
-                      </m:d>
-                    </m:oMath>
-                  </m:oMathPara>
-                </a14:m>
-                <a:endParaRPr lang="ko-KR" altLang="en-US" sz="1900" dirty="0"/>
-              </a:p>
-            </p:txBody>
-          </p:sp>
-        </mc:Choice>
-        <mc:Fallback xmlns="">
-          <p:sp>
-            <p:nvSpPr>
-              <p:cNvPr id="79" name="직사각형 78"/>
-              <p:cNvSpPr>
-                <a:spLocks noRot="1" noChangeAspect="1" noMove="1" noResize="1" noEditPoints="1" noAdjustHandles="1" noChangeArrowheads="1" noChangeShapeType="1" noTextEdit="1"/>
-              </p:cNvSpPr>
-              <p:nvPr/>
-            </p:nvSpPr>
-            <p:spPr>
-              <a:xfrm>
-                <a:off x="202249" y="5530715"/>
-                <a:ext cx="7541576" cy="606705"/>
-              </a:xfrm>
-              <a:prstGeom prst="rect">
-                <a:avLst/>
-              </a:prstGeom>
-              <a:blipFill>
-                <a:blip r:embed="rId6"/>
-                <a:stretch>
-                  <a:fillRect/>
-                </a:stretch>
-              </a:blipFill>
-            </p:spPr>
-            <p:txBody>
-              <a:bodyPr/>
-              <a:lstStyle/>
-              <a:p>
-                <a:r>
-                  <a:rPr lang="ko-KR" altLang="en-US">
-                    <a:noFill/>
-                  </a:rPr>
-                  <a:t> </a:t>
-                </a:r>
-              </a:p>
-            </p:txBody>
-          </p:sp>
-        </mc:Fallback>
-      </mc:AlternateContent>
-      <p:pic>
-        <p:nvPicPr>
-          <p:cNvPr id="24" name="그림 23"/>
-          <p:cNvPicPr>
-            <a:picLocks noChangeAspect="1"/>
-          </p:cNvPicPr>
-          <p:nvPr/>
-        </p:nvPicPr>
-        <p:blipFill>
-          <a:blip r:embed="rId7">
-            <a:extLst>
-              <a:ext uri="{28A0092B-C50C-407E-A947-70E740481C1C}">
-                <a14:useLocalDpi xmlns:a14="http://schemas.microsoft.com/office/drawing/2010/main" val="0"/>
-              </a:ext>
-            </a:extLst>
-          </a:blip>
-          <a:stretch>
-            <a:fillRect/>
-          </a:stretch>
-        </p:blipFill>
-        <p:spPr>
-          <a:xfrm>
-            <a:off x="798930" y="1633987"/>
-            <a:ext cx="1214867" cy="881112"/>
-          </a:xfrm>
-          <a:prstGeom prst="rect">
-            <a:avLst/>
-          </a:prstGeom>
-        </p:spPr>
-      </p:pic>
-      <mc:AlternateContent xmlns:mc="http://schemas.openxmlformats.org/markup-compatibility/2006" xmlns:a14="http://schemas.microsoft.com/office/drawing/2010/main">
-        <mc:Choice Requires="a14">
-          <p:sp>
-            <p:nvSpPr>
-              <p:cNvPr id="25" name="직사각형 24"/>
-              <p:cNvSpPr/>
-              <p:nvPr/>
-            </p:nvSpPr>
-            <p:spPr>
-              <a:xfrm>
-                <a:off x="2207910" y="1467223"/>
-                <a:ext cx="4976940" cy="1439946"/>
-              </a:xfrm>
-              <a:prstGeom prst="rect">
-                <a:avLst/>
-              </a:prstGeom>
-            </p:spPr>
-            <p:txBody>
-              <a:bodyPr wrap="none">
-                <a:spAutoFit/>
-              </a:bodyPr>
-              <a:lstStyle/>
-              <a:p>
-                <a14:m>
-                  <m:oMath xmlns:m="http://schemas.openxmlformats.org/officeDocument/2006/math">
-                    <m:r>
-                      <a:rPr lang="en-US" altLang="ko-KR" sz="2000" b="0" i="1" dirty="0" smtClean="0">
-                        <a:latin typeface="Cambria Math" panose="02040503050406030204" pitchFamily="18" charset="0"/>
-                        <a:ea typeface="Cambria Math" panose="02040503050406030204" pitchFamily="18" charset="0"/>
-                      </a:rPr>
-                      <m:t>𝐶𝑁𝑂𝑇</m:t>
-                    </m:r>
-                    <m:r>
-                      <a:rPr lang="en-US" altLang="ko-KR" sz="2000" b="0" i="1" dirty="0" smtClean="0">
-                        <a:latin typeface="Cambria Math" panose="02040503050406030204" pitchFamily="18" charset="0"/>
-                        <a:ea typeface="Cambria Math" panose="02040503050406030204" pitchFamily="18" charset="0"/>
-                      </a:rPr>
-                      <m:t>=</m:t>
-                    </m:r>
-                    <m:d>
-                      <m:dPr>
-                        <m:ctrlPr>
-                          <a:rPr lang="en-US" altLang="ko-KR" sz="2000" b="0" i="1" dirty="0" smtClean="0">
-                            <a:latin typeface="Cambria Math" panose="02040503050406030204" pitchFamily="18" charset="0"/>
-                            <a:ea typeface="Cambria Math" panose="02040503050406030204" pitchFamily="18" charset="0"/>
-                          </a:rPr>
-                        </m:ctrlPr>
-                      </m:dPr>
-                      <m:e>
-                        <m:m>
-                          <m:mPr>
-                            <m:mcs>
-                              <m:mc>
-                                <m:mcPr>
-                                  <m:count m:val="2"/>
-                                  <m:mcJc m:val="center"/>
-                                </m:mcPr>
-                              </m:mc>
-                            </m:mcs>
-                            <m:ctrlPr>
-                              <a:rPr lang="en-US" altLang="ko-KR" sz="2000" b="0" i="1" dirty="0" smtClean="0">
-                                <a:latin typeface="Cambria Math" panose="02040503050406030204" pitchFamily="18" charset="0"/>
-                                <a:ea typeface="Cambria Math" panose="02040503050406030204" pitchFamily="18" charset="0"/>
-                              </a:rPr>
-                            </m:ctrlPr>
-                          </m:mPr>
-                          <m:mr>
-                            <m:e>
-                              <m:m>
-                                <m:mPr>
-                                  <m:mcs>
-                                    <m:mc>
-                                      <m:mcPr>
-                                        <m:count m:val="2"/>
-                                        <m:mcJc m:val="center"/>
-                                      </m:mcPr>
-                                    </m:mc>
-                                  </m:mcs>
-                                  <m:ctrlPr>
-                                    <a:rPr lang="en-US" altLang="ko-KR" sz="2000" b="0" i="1" dirty="0" smtClean="0">
-                                      <a:latin typeface="Cambria Math" panose="02040503050406030204" pitchFamily="18" charset="0"/>
-                                      <a:ea typeface="Cambria Math" panose="02040503050406030204" pitchFamily="18" charset="0"/>
-                                    </a:rPr>
-                                  </m:ctrlPr>
-                                </m:mPr>
-                                <m:mr>
-                                  <m:e>
-                                    <m:r>
-                                      <m:rPr>
-                                        <m:brk m:alnAt="7"/>
-                                      </m:rPr>
-                                      <a:rPr lang="en-US" altLang="ko-KR" sz="2000" b="0" i="1" dirty="0" smtClean="0">
-                                        <a:latin typeface="Cambria Math" panose="02040503050406030204" pitchFamily="18" charset="0"/>
-                                        <a:ea typeface="Cambria Math" panose="02040503050406030204" pitchFamily="18" charset="0"/>
-                                      </a:rPr>
-                                      <m:t>1</m:t>
-                                    </m:r>
-                                  </m:e>
-                                  <m:e>
-                                    <m:r>
-                                      <a:rPr lang="en-US" altLang="ko-KR" sz="2000" b="0" i="1" dirty="0" smtClean="0">
-                                        <a:latin typeface="Cambria Math" panose="02040503050406030204" pitchFamily="18" charset="0"/>
-                                        <a:ea typeface="Cambria Math" panose="02040503050406030204" pitchFamily="18" charset="0"/>
-                                      </a:rPr>
-                                      <m:t>0</m:t>
-                                    </m:r>
-                                  </m:e>
-                                </m:mr>
-                                <m:mr>
-                                  <m:e>
-                                    <m:r>
-                                      <a:rPr lang="en-US" altLang="ko-KR" sz="2000" b="0" i="1" dirty="0" smtClean="0">
-                                        <a:latin typeface="Cambria Math" panose="02040503050406030204" pitchFamily="18" charset="0"/>
-                                        <a:ea typeface="Cambria Math" panose="02040503050406030204" pitchFamily="18" charset="0"/>
-                                      </a:rPr>
-                                      <m:t>0</m:t>
-                                    </m:r>
-                                  </m:e>
-                                  <m:e>
-                                    <m:r>
-                                      <a:rPr lang="en-US" altLang="ko-KR" sz="2000" b="0" i="1" dirty="0" smtClean="0">
-                                        <a:latin typeface="Cambria Math" panose="02040503050406030204" pitchFamily="18" charset="0"/>
-                                        <a:ea typeface="Cambria Math" panose="02040503050406030204" pitchFamily="18" charset="0"/>
-                                      </a:rPr>
-                                      <m:t>1</m:t>
-                                    </m:r>
-                                  </m:e>
-                                </m:mr>
-                              </m:m>
-                            </m:e>
-                            <m:e>
-                              <m:m>
-                                <m:mPr>
-                                  <m:mcs>
-                                    <m:mc>
-                                      <m:mcPr>
-                                        <m:count m:val="2"/>
-                                        <m:mcJc m:val="center"/>
-                                      </m:mcPr>
-                                    </m:mc>
-                                  </m:mcs>
-                                  <m:ctrlPr>
-                                    <a:rPr lang="en-US" altLang="ko-KR" sz="2000" b="0" i="1" dirty="0" smtClean="0">
-                                      <a:latin typeface="Cambria Math" panose="02040503050406030204" pitchFamily="18" charset="0"/>
-                                      <a:ea typeface="Cambria Math" panose="02040503050406030204" pitchFamily="18" charset="0"/>
-                                    </a:rPr>
-                                  </m:ctrlPr>
-                                </m:mPr>
-                                <m:mr>
-                                  <m:e>
-                                    <m:r>
-                                      <m:rPr>
-                                        <m:brk m:alnAt="7"/>
-                                      </m:rPr>
-                                      <a:rPr lang="en-US" altLang="ko-KR" sz="2000" b="0" i="1" dirty="0" smtClean="0">
-                                        <a:latin typeface="Cambria Math" panose="02040503050406030204" pitchFamily="18" charset="0"/>
-                                        <a:ea typeface="Cambria Math" panose="02040503050406030204" pitchFamily="18" charset="0"/>
-                                      </a:rPr>
-                                      <m:t>0</m:t>
-                                    </m:r>
-                                  </m:e>
-                                  <m:e>
-                                    <m:r>
-                                      <a:rPr lang="en-US" altLang="ko-KR" sz="2000" b="0" i="1" dirty="0" smtClean="0">
-                                        <a:latin typeface="Cambria Math" panose="02040503050406030204" pitchFamily="18" charset="0"/>
-                                        <a:ea typeface="Cambria Math" panose="02040503050406030204" pitchFamily="18" charset="0"/>
-                                      </a:rPr>
-                                      <m:t>0</m:t>
-                                    </m:r>
-                                  </m:e>
-                                </m:mr>
-                                <m:mr>
-                                  <m:e>
-                                    <m:r>
-                                      <a:rPr lang="en-US" altLang="ko-KR" sz="2000" b="0" i="1" dirty="0" smtClean="0">
-                                        <a:latin typeface="Cambria Math" panose="02040503050406030204" pitchFamily="18" charset="0"/>
-                                        <a:ea typeface="Cambria Math" panose="02040503050406030204" pitchFamily="18" charset="0"/>
-                                      </a:rPr>
-                                      <m:t>0</m:t>
-                                    </m:r>
-                                  </m:e>
-                                  <m:e>
-                                    <m:r>
-                                      <a:rPr lang="en-US" altLang="ko-KR" sz="2000" b="0" i="1" dirty="0" smtClean="0">
-                                        <a:latin typeface="Cambria Math" panose="02040503050406030204" pitchFamily="18" charset="0"/>
-                                        <a:ea typeface="Cambria Math" panose="02040503050406030204" pitchFamily="18" charset="0"/>
-                                      </a:rPr>
-                                      <m:t>0</m:t>
-                                    </m:r>
-                                  </m:e>
-                                </m:mr>
-                              </m:m>
-                            </m:e>
-                          </m:mr>
-                          <m:mr>
-                            <m:e>
-                              <m:m>
-                                <m:mPr>
-                                  <m:mcs>
-                                    <m:mc>
-                                      <m:mcPr>
-                                        <m:count m:val="2"/>
-                                        <m:mcJc m:val="center"/>
-                                      </m:mcPr>
-                                    </m:mc>
-                                  </m:mcs>
-                                  <m:ctrlPr>
-                                    <a:rPr lang="en-US" altLang="ko-KR" sz="2000" b="0" i="1" dirty="0" smtClean="0">
-                                      <a:latin typeface="Cambria Math" panose="02040503050406030204" pitchFamily="18" charset="0"/>
-                                      <a:ea typeface="Cambria Math" panose="02040503050406030204" pitchFamily="18" charset="0"/>
-                                    </a:rPr>
-                                  </m:ctrlPr>
-                                </m:mPr>
-                                <m:mr>
-                                  <m:e>
-                                    <m:r>
-                                      <m:rPr>
-                                        <m:brk m:alnAt="7"/>
-                                      </m:rPr>
-                                      <a:rPr lang="en-US" altLang="ko-KR" sz="2000" b="0" i="1" dirty="0" smtClean="0">
-                                        <a:latin typeface="Cambria Math" panose="02040503050406030204" pitchFamily="18" charset="0"/>
-                                        <a:ea typeface="Cambria Math" panose="02040503050406030204" pitchFamily="18" charset="0"/>
-                                      </a:rPr>
-                                      <m:t>0</m:t>
-                                    </m:r>
-                                  </m:e>
-                                  <m:e>
-                                    <m:r>
-                                      <a:rPr lang="en-US" altLang="ko-KR" sz="2000" b="0" i="1" dirty="0" smtClean="0">
-                                        <a:latin typeface="Cambria Math" panose="02040503050406030204" pitchFamily="18" charset="0"/>
-                                        <a:ea typeface="Cambria Math" panose="02040503050406030204" pitchFamily="18" charset="0"/>
-                                      </a:rPr>
-                                      <m:t>0</m:t>
-                                    </m:r>
-                                  </m:e>
-                                </m:mr>
-                                <m:mr>
-                                  <m:e>
-                                    <m:r>
-                                      <a:rPr lang="en-US" altLang="ko-KR" sz="2000" b="0" i="1" dirty="0" smtClean="0">
-                                        <a:latin typeface="Cambria Math" panose="02040503050406030204" pitchFamily="18" charset="0"/>
-                                        <a:ea typeface="Cambria Math" panose="02040503050406030204" pitchFamily="18" charset="0"/>
-                                      </a:rPr>
-                                      <m:t>0</m:t>
-                                    </m:r>
-                                  </m:e>
-                                  <m:e>
-                                    <m:r>
-                                      <a:rPr lang="en-US" altLang="ko-KR" sz="2000" b="0" i="1" dirty="0" smtClean="0">
-                                        <a:latin typeface="Cambria Math" panose="02040503050406030204" pitchFamily="18" charset="0"/>
-                                        <a:ea typeface="Cambria Math" panose="02040503050406030204" pitchFamily="18" charset="0"/>
-                                      </a:rPr>
-                                      <m:t>0</m:t>
-                                    </m:r>
-                                  </m:e>
-                                </m:mr>
-                              </m:m>
-                            </m:e>
-                            <m:e>
-                              <m:m>
-                                <m:mPr>
-                                  <m:mcs>
-                                    <m:mc>
-                                      <m:mcPr>
-                                        <m:count m:val="2"/>
-                                        <m:mcJc m:val="center"/>
-                                      </m:mcPr>
-                                    </m:mc>
-                                  </m:mcs>
-                                  <m:ctrlPr>
-                                    <a:rPr lang="en-US" altLang="ko-KR" sz="2000" b="0" i="1" dirty="0" smtClean="0">
-                                      <a:latin typeface="Cambria Math" panose="02040503050406030204" pitchFamily="18" charset="0"/>
-                                      <a:ea typeface="Cambria Math" panose="02040503050406030204" pitchFamily="18" charset="0"/>
-                                    </a:rPr>
-                                  </m:ctrlPr>
-                                </m:mPr>
-                                <m:mr>
-                                  <m:e>
-                                    <m:r>
-                                      <m:rPr>
-                                        <m:brk m:alnAt="7"/>
-                                      </m:rPr>
-                                      <a:rPr lang="en-US" altLang="ko-KR" sz="2000" b="0" i="1" dirty="0" smtClean="0">
-                                        <a:latin typeface="Cambria Math" panose="02040503050406030204" pitchFamily="18" charset="0"/>
-                                        <a:ea typeface="Cambria Math" panose="02040503050406030204" pitchFamily="18" charset="0"/>
-                                      </a:rPr>
-                                      <m:t>0</m:t>
-                                    </m:r>
-                                  </m:e>
-                                  <m:e>
-                                    <m:r>
-                                      <a:rPr lang="en-US" altLang="ko-KR" sz="2000" b="0" i="1" dirty="0" smtClean="0">
-                                        <a:latin typeface="Cambria Math" panose="02040503050406030204" pitchFamily="18" charset="0"/>
-                                        <a:ea typeface="Cambria Math" panose="02040503050406030204" pitchFamily="18" charset="0"/>
-                                      </a:rPr>
-                                      <m:t>1</m:t>
-                                    </m:r>
-                                  </m:e>
-                                </m:mr>
-                                <m:mr>
-                                  <m:e>
-                                    <m:r>
-                                      <a:rPr lang="en-US" altLang="ko-KR" sz="2000" b="0" i="1" dirty="0" smtClean="0">
-                                        <a:latin typeface="Cambria Math" panose="02040503050406030204" pitchFamily="18" charset="0"/>
-                                        <a:ea typeface="Cambria Math" panose="02040503050406030204" pitchFamily="18" charset="0"/>
-                                      </a:rPr>
-                                      <m:t>1</m:t>
-                                    </m:r>
-                                  </m:e>
-                                  <m:e>
-                                    <m:r>
-                                      <a:rPr lang="en-US" altLang="ko-KR" sz="2000" b="0" i="1" dirty="0" smtClean="0">
-                                        <a:latin typeface="Cambria Math" panose="02040503050406030204" pitchFamily="18" charset="0"/>
-                                        <a:ea typeface="Cambria Math" panose="02040503050406030204" pitchFamily="18" charset="0"/>
-                                      </a:rPr>
-                                      <m:t>0</m:t>
-                                    </m:r>
-                                  </m:e>
-                                </m:mr>
-                              </m:m>
-                            </m:e>
-                          </m:mr>
-                        </m:m>
-                      </m:e>
-                    </m:d>
-                  </m:oMath>
-                </a14:m>
-                <a:r>
-                  <a:rPr lang="en-US" altLang="ko-KR" dirty="0"/>
-                  <a:t>, </a:t>
-                </a:r>
-                <a14:m>
-                  <m:oMath xmlns:m="http://schemas.openxmlformats.org/officeDocument/2006/math">
-                    <m:r>
-                      <m:rPr>
-                        <m:nor/>
-                      </m:rPr>
-                      <a:rPr lang="ko-KR" altLang="en-US" dirty="0" smtClean="0">
-                        <a:latin typeface="Cambria Math" panose="02040503050406030204" pitchFamily="18" charset="0"/>
-                      </a:rPr>
-                      <m:t>∣</m:t>
-                    </m:r>
-                    <m:r>
-                      <m:rPr>
-                        <m:nor/>
-                      </m:rPr>
-                      <a:rPr lang="en-US" altLang="ko-KR" b="0" i="0" dirty="0" smtClean="0">
-                        <a:latin typeface="Cambria Math" panose="02040503050406030204" pitchFamily="18" charset="0"/>
-                        <a:ea typeface="Cambria Math" panose="02040503050406030204" pitchFamily="18" charset="0"/>
-                      </a:rPr>
-                      <m:t>c</m:t>
-                    </m:r>
-                    <m:r>
-                      <m:rPr>
-                        <m:nor/>
-                      </m:rPr>
-                      <a:rPr lang="en-US" altLang="ko-KR" dirty="0" smtClean="0">
-                        <a:latin typeface="Cambria Math" panose="02040503050406030204" pitchFamily="18" charset="0"/>
-                        <a:ea typeface="Cambria Math" panose="02040503050406030204" pitchFamily="18" charset="0"/>
-                      </a:rPr>
-                      <m:t>⟩</m:t>
-                    </m:r>
-                    <m:r>
-                      <a:rPr lang="en-US" altLang="ko-KR" i="1" dirty="0" smtClean="0">
-                        <a:latin typeface="Cambria Math" panose="02040503050406030204" pitchFamily="18" charset="0"/>
-                        <a:ea typeface="Cambria Math" panose="02040503050406030204" pitchFamily="18" charset="0"/>
-                      </a:rPr>
-                      <m:t>⨂</m:t>
-                    </m:r>
-                    <m:r>
-                      <m:rPr>
-                        <m:nor/>
-                      </m:rPr>
-                      <a:rPr lang="ko-KR" altLang="en-US" dirty="0" smtClean="0">
-                        <a:latin typeface="Cambria Math" panose="02040503050406030204" pitchFamily="18" charset="0"/>
-                      </a:rPr>
-                      <m:t>∣</m:t>
-                    </m:r>
-                    <m:r>
-                      <m:rPr>
-                        <m:nor/>
-                      </m:rPr>
-                      <a:rPr lang="en-US" altLang="ko-KR" b="0" i="0" dirty="0" smtClean="0">
-                        <a:latin typeface="Cambria Math" panose="02040503050406030204" pitchFamily="18" charset="0"/>
-                        <a:ea typeface="Cambria Math" panose="02040503050406030204" pitchFamily="18" charset="0"/>
-                      </a:rPr>
-                      <m:t>t</m:t>
-                    </m:r>
-                    <m:r>
-                      <m:rPr>
-                        <m:nor/>
-                      </m:rPr>
-                      <a:rPr lang="en-US" altLang="ko-KR" dirty="0" smtClean="0">
-                        <a:latin typeface="Cambria Math" panose="02040503050406030204" pitchFamily="18" charset="0"/>
-                        <a:ea typeface="Cambria Math" panose="02040503050406030204" pitchFamily="18" charset="0"/>
-                      </a:rPr>
-                      <m:t>⟩</m:t>
-                    </m:r>
-                    <m:r>
-                      <a:rPr lang="en-US" altLang="ko-KR" i="1" dirty="0" smtClean="0">
-                        <a:latin typeface="Cambria Math" panose="02040503050406030204" pitchFamily="18" charset="0"/>
-                        <a:ea typeface="Cambria Math" panose="02040503050406030204" pitchFamily="18" charset="0"/>
-                      </a:rPr>
-                      <m:t>→</m:t>
-                    </m:r>
-                    <m:r>
-                      <m:rPr>
-                        <m:nor/>
-                      </m:rPr>
-                      <a:rPr lang="ko-KR" altLang="en-US" dirty="0" smtClean="0">
-                        <a:latin typeface="Cambria Math" panose="02040503050406030204" pitchFamily="18" charset="0"/>
-                      </a:rPr>
-                      <m:t>∣</m:t>
-                    </m:r>
-                    <m:r>
-                      <m:rPr>
-                        <m:nor/>
-                      </m:rPr>
-                      <a:rPr lang="en-US" altLang="ko-KR" b="0" i="0" dirty="0" smtClean="0">
-                        <a:latin typeface="Cambria Math" panose="02040503050406030204" pitchFamily="18" charset="0"/>
-                        <a:ea typeface="Cambria Math" panose="02040503050406030204" pitchFamily="18" charset="0"/>
-                      </a:rPr>
-                      <m:t>c</m:t>
-                    </m:r>
-                    <m:r>
-                      <m:rPr>
-                        <m:nor/>
-                      </m:rPr>
-                      <a:rPr lang="en-US" altLang="ko-KR" dirty="0" smtClean="0">
-                        <a:latin typeface="Cambria Math" panose="02040503050406030204" pitchFamily="18" charset="0"/>
-                        <a:ea typeface="Cambria Math" panose="02040503050406030204" pitchFamily="18" charset="0"/>
-                      </a:rPr>
-                      <m:t>⟩</m:t>
-                    </m:r>
-                    <m:r>
-                      <a:rPr lang="en-US" altLang="ko-KR" i="1" dirty="0" smtClean="0">
-                        <a:latin typeface="Cambria Math" panose="02040503050406030204" pitchFamily="18" charset="0"/>
-                        <a:ea typeface="Cambria Math" panose="02040503050406030204" pitchFamily="18" charset="0"/>
-                      </a:rPr>
-                      <m:t>⨂</m:t>
-                    </m:r>
-                    <m:r>
-                      <m:rPr>
-                        <m:nor/>
-                      </m:rPr>
-                      <a:rPr lang="ko-KR" altLang="en-US" dirty="0" smtClean="0">
-                        <a:latin typeface="Cambria Math" panose="02040503050406030204" pitchFamily="18" charset="0"/>
-                      </a:rPr>
-                      <m:t>∣</m:t>
-                    </m:r>
-                    <m:r>
-                      <m:rPr>
-                        <m:nor/>
-                      </m:rPr>
-                      <a:rPr lang="en-US" altLang="ko-KR" b="0" i="0" dirty="0" smtClean="0">
-                        <a:latin typeface="Cambria Math" panose="02040503050406030204" pitchFamily="18" charset="0"/>
-                        <a:ea typeface="Cambria Math" panose="02040503050406030204" pitchFamily="18" charset="0"/>
-                      </a:rPr>
-                      <m:t>t</m:t>
-                    </m:r>
-                    <m:r>
-                      <a:rPr lang="en-US" altLang="ko-KR" b="0" i="1" dirty="0" smtClean="0">
-                        <a:latin typeface="Cambria Math" panose="02040503050406030204" pitchFamily="18" charset="0"/>
-                        <a:ea typeface="Cambria Math" panose="02040503050406030204" pitchFamily="18" charset="0"/>
-                      </a:rPr>
-                      <m:t>⨁</m:t>
-                    </m:r>
-                    <m:r>
-                      <m:rPr>
-                        <m:nor/>
-                      </m:rPr>
-                      <a:rPr lang="en-US" altLang="ko-KR" b="0" i="0" dirty="0" smtClean="0">
-                        <a:latin typeface="Cambria Math" panose="02040503050406030204" pitchFamily="18" charset="0"/>
-                        <a:ea typeface="Cambria Math" panose="02040503050406030204" pitchFamily="18" charset="0"/>
-                      </a:rPr>
-                      <m:t>c</m:t>
-                    </m:r>
-                    <m:r>
-                      <m:rPr>
-                        <m:nor/>
-                      </m:rPr>
-                      <a:rPr lang="en-US" altLang="ko-KR" dirty="0" smtClean="0">
-                        <a:latin typeface="Cambria Math" panose="02040503050406030204" pitchFamily="18" charset="0"/>
-                        <a:ea typeface="Cambria Math" panose="02040503050406030204" pitchFamily="18" charset="0"/>
-                      </a:rPr>
-                      <m:t>⟩</m:t>
-                    </m:r>
-                  </m:oMath>
-                </a14:m>
-                <a:endParaRPr lang="ko-KR" altLang="en-US" dirty="0">
-                  <a:latin typeface="Cambria Math" panose="02040503050406030204" pitchFamily="18" charset="0"/>
-                </a:endParaRPr>
-              </a:p>
-              <a:p>
-                <a:endParaRPr lang="ko-KR" altLang="en-US" dirty="0"/>
-              </a:p>
-            </p:txBody>
-          </p:sp>
-        </mc:Choice>
-        <mc:Fallback xmlns="">
-          <p:sp>
-            <p:nvSpPr>
-              <p:cNvPr id="25" name="직사각형 24"/>
-              <p:cNvSpPr>
-                <a:spLocks noRot="1" noChangeAspect="1" noMove="1" noResize="1" noEditPoints="1" noAdjustHandles="1" noChangeArrowheads="1" noChangeShapeType="1" noTextEdit="1"/>
-              </p:cNvSpPr>
-              <p:nvPr/>
-            </p:nvSpPr>
-            <p:spPr>
-              <a:xfrm>
-                <a:off x="2207910" y="1467223"/>
-                <a:ext cx="4976940" cy="1439946"/>
-              </a:xfrm>
-              <a:prstGeom prst="rect">
-                <a:avLst/>
-              </a:prstGeom>
-              <a:blipFill>
-                <a:blip r:embed="rId8"/>
-                <a:stretch>
-                  <a:fillRect/>
-                </a:stretch>
-              </a:blipFill>
-            </p:spPr>
-            <p:txBody>
-              <a:bodyPr/>
-              <a:lstStyle/>
-              <a:p>
-                <a:r>
-                  <a:rPr lang="ko-KR" altLang="en-US">
-                    <a:noFill/>
-                  </a:rPr>
-                  <a:t> </a:t>
-                </a:r>
-              </a:p>
-            </p:txBody>
-          </p:sp>
-        </mc:Fallback>
-      </mc:AlternateContent>
-      <mc:AlternateContent xmlns:mc="http://schemas.openxmlformats.org/markup-compatibility/2006" xmlns:a14="http://schemas.microsoft.com/office/drawing/2010/main">
-        <mc:Choice Requires="a14">
-          <p:sp>
-            <p:nvSpPr>
-              <p:cNvPr id="26" name="직사각형 25"/>
-              <p:cNvSpPr/>
-              <p:nvPr/>
-            </p:nvSpPr>
-            <p:spPr>
-              <a:xfrm>
-                <a:off x="444779" y="1617301"/>
-                <a:ext cx="518091" cy="369332"/>
-              </a:xfrm>
-              <a:prstGeom prst="rect">
-                <a:avLst/>
-              </a:prstGeom>
-            </p:spPr>
-            <p:txBody>
-              <a:bodyPr wrap="none">
-                <a:spAutoFit/>
-              </a:bodyPr>
-              <a:lstStyle/>
-              <a:p>
-                <a:pPr/>
-                <a14:m>
-                  <m:oMathPara xmlns:m="http://schemas.openxmlformats.org/officeDocument/2006/math">
-                    <m:oMathParaPr>
-                      <m:jc m:val="centerGroup"/>
-                    </m:oMathParaPr>
-                    <m:oMath xmlns:m="http://schemas.openxmlformats.org/officeDocument/2006/math">
-                      <m:r>
-                        <m:rPr>
-                          <m:nor/>
-                        </m:rPr>
-                        <a:rPr lang="ko-KR" altLang="en-US" dirty="0">
-                          <a:latin typeface="Cambria Math" panose="02040503050406030204" pitchFamily="18" charset="0"/>
-                        </a:rPr>
-                        <m:t>∣</m:t>
-                      </m:r>
-                      <m:r>
-                        <m:rPr>
-                          <m:nor/>
-                        </m:rPr>
-                        <a:rPr lang="en-US" altLang="ko-KR" b="0" i="0" dirty="0" smtClean="0">
-                          <a:latin typeface="Cambria Math" panose="02040503050406030204" pitchFamily="18" charset="0"/>
-                        </a:rPr>
-                        <m:t>c</m:t>
-                      </m:r>
-                      <m:r>
-                        <m:rPr>
-                          <m:nor/>
-                        </m:rPr>
-                        <a:rPr lang="en-US" altLang="ko-KR" dirty="0">
-                          <a:latin typeface="Cambria Math" panose="02040503050406030204" pitchFamily="18" charset="0"/>
-                          <a:ea typeface="Cambria Math" panose="02040503050406030204" pitchFamily="18" charset="0"/>
-                        </a:rPr>
-                        <m:t>⟩</m:t>
-                      </m:r>
-                    </m:oMath>
-                  </m:oMathPara>
-                </a14:m>
-                <a:endParaRPr lang="ko-KR" altLang="en-US" dirty="0"/>
-              </a:p>
-            </p:txBody>
-          </p:sp>
-        </mc:Choice>
-        <mc:Fallback xmlns="">
-          <p:sp>
-            <p:nvSpPr>
-              <p:cNvPr id="26" name="직사각형 25"/>
-              <p:cNvSpPr>
-                <a:spLocks noRot="1" noChangeAspect="1" noMove="1" noResize="1" noEditPoints="1" noAdjustHandles="1" noChangeArrowheads="1" noChangeShapeType="1" noTextEdit="1"/>
-              </p:cNvSpPr>
-              <p:nvPr/>
-            </p:nvSpPr>
-            <p:spPr>
-              <a:xfrm>
-                <a:off x="444779" y="1617301"/>
-                <a:ext cx="518091" cy="369332"/>
-              </a:xfrm>
-              <a:prstGeom prst="rect">
-                <a:avLst/>
-              </a:prstGeom>
-              <a:blipFill>
-                <a:blip r:embed="rId9"/>
-                <a:stretch>
-                  <a:fillRect b="-16393"/>
-                </a:stretch>
-              </a:blipFill>
-            </p:spPr>
-            <p:txBody>
-              <a:bodyPr/>
-              <a:lstStyle/>
-              <a:p>
-                <a:r>
-                  <a:rPr lang="ko-KR" altLang="en-US">
-                    <a:noFill/>
-                  </a:rPr>
-                  <a:t> </a:t>
-                </a:r>
-              </a:p>
-            </p:txBody>
-          </p:sp>
-        </mc:Fallback>
-      </mc:AlternateContent>
-      <mc:AlternateContent xmlns:mc="http://schemas.openxmlformats.org/markup-compatibility/2006" xmlns:a14="http://schemas.microsoft.com/office/drawing/2010/main">
-        <mc:Choice Requires="a14">
-          <p:sp>
-            <p:nvSpPr>
-              <p:cNvPr id="27" name="직사각형 26"/>
-              <p:cNvSpPr/>
-              <p:nvPr/>
-            </p:nvSpPr>
-            <p:spPr>
-              <a:xfrm>
-                <a:off x="444779" y="2126846"/>
-                <a:ext cx="495649" cy="369332"/>
-              </a:xfrm>
-              <a:prstGeom prst="rect">
-                <a:avLst/>
-              </a:prstGeom>
-            </p:spPr>
-            <p:txBody>
-              <a:bodyPr wrap="none">
-                <a:spAutoFit/>
-              </a:bodyPr>
-              <a:lstStyle/>
-              <a:p>
-                <a:pPr/>
-                <a14:m>
-                  <m:oMathPara xmlns:m="http://schemas.openxmlformats.org/officeDocument/2006/math">
-                    <m:oMathParaPr>
-                      <m:jc m:val="centerGroup"/>
-                    </m:oMathParaPr>
-                    <m:oMath xmlns:m="http://schemas.openxmlformats.org/officeDocument/2006/math">
-                      <m:r>
-                        <m:rPr>
-                          <m:nor/>
-                        </m:rPr>
-                        <a:rPr lang="ko-KR" altLang="en-US" dirty="0">
-                          <a:latin typeface="Cambria Math" panose="02040503050406030204" pitchFamily="18" charset="0"/>
-                        </a:rPr>
-                        <m:t>∣</m:t>
-                      </m:r>
-                      <m:r>
-                        <m:rPr>
-                          <m:nor/>
-                        </m:rPr>
-                        <a:rPr lang="en-US" altLang="ko-KR" b="0" i="0" dirty="0" smtClean="0">
-                          <a:latin typeface="Cambria Math" panose="02040503050406030204" pitchFamily="18" charset="0"/>
-                        </a:rPr>
-                        <m:t>t</m:t>
-                      </m:r>
-                      <m:r>
-                        <m:rPr>
-                          <m:nor/>
-                        </m:rPr>
-                        <a:rPr lang="en-US" altLang="ko-KR" dirty="0">
-                          <a:latin typeface="Cambria Math" panose="02040503050406030204" pitchFamily="18" charset="0"/>
-                          <a:ea typeface="Cambria Math" panose="02040503050406030204" pitchFamily="18" charset="0"/>
-                        </a:rPr>
-                        <m:t>⟩</m:t>
-                      </m:r>
-                    </m:oMath>
-                  </m:oMathPara>
-                </a14:m>
-                <a:endParaRPr lang="ko-KR" altLang="en-US" dirty="0"/>
-              </a:p>
-            </p:txBody>
-          </p:sp>
-        </mc:Choice>
-        <mc:Fallback xmlns="">
-          <p:sp>
-            <p:nvSpPr>
-              <p:cNvPr id="27" name="직사각형 26"/>
-              <p:cNvSpPr>
-                <a:spLocks noRot="1" noChangeAspect="1" noMove="1" noResize="1" noEditPoints="1" noAdjustHandles="1" noChangeArrowheads="1" noChangeShapeType="1" noTextEdit="1"/>
-              </p:cNvSpPr>
-              <p:nvPr/>
-            </p:nvSpPr>
-            <p:spPr>
-              <a:xfrm>
-                <a:off x="444779" y="2126846"/>
-                <a:ext cx="495649" cy="369332"/>
-              </a:xfrm>
-              <a:prstGeom prst="rect">
-                <a:avLst/>
-              </a:prstGeom>
-              <a:blipFill>
-                <a:blip r:embed="rId10"/>
-                <a:stretch>
-                  <a:fillRect b="-16667"/>
-                </a:stretch>
-              </a:blipFill>
-            </p:spPr>
-            <p:txBody>
-              <a:bodyPr/>
-              <a:lstStyle/>
-              <a:p>
-                <a:r>
-                  <a:rPr lang="ko-KR" altLang="en-US">
-                    <a:noFill/>
-                  </a:rPr>
-                  <a:t> </a:t>
-                </a:r>
-              </a:p>
-            </p:txBody>
-          </p:sp>
-        </mc:Fallback>
-      </mc:AlternateContent>
-      <mc:AlternateContent xmlns:mc="http://schemas.openxmlformats.org/markup-compatibility/2006" xmlns:a14="http://schemas.microsoft.com/office/drawing/2010/main">
-        <mc:Choice Requires="a14">
-          <p:sp>
-            <p:nvSpPr>
-              <p:cNvPr id="5" name="직사각형 4"/>
-              <p:cNvSpPr/>
-              <p:nvPr/>
-            </p:nvSpPr>
-            <p:spPr>
-              <a:xfrm>
-                <a:off x="7276206" y="1604132"/>
-                <a:ext cx="2248730" cy="923330"/>
-              </a:xfrm>
-              <a:prstGeom prst="rect">
-                <a:avLst/>
-              </a:prstGeom>
-            </p:spPr>
-            <p:txBody>
-              <a:bodyPr wrap="square">
-                <a:spAutoFit/>
-              </a:bodyPr>
-              <a:lstStyle/>
-              <a:p>
-                <a:pPr>
-                  <a:lnSpc>
-                    <a:spcPct val="150000"/>
-                  </a:lnSpc>
-                </a:pPr>
-                <a14:m>
-                  <m:oMathPara xmlns:m="http://schemas.openxmlformats.org/officeDocument/2006/math">
-                    <m:oMathParaPr>
-                      <m:jc m:val="centerGroup"/>
-                    </m:oMathParaPr>
-                    <m:oMath xmlns:m="http://schemas.openxmlformats.org/officeDocument/2006/math">
-                      <m:r>
-                        <m:rPr>
-                          <m:nor/>
-                        </m:rPr>
-                        <a:rPr lang="ko-KR" altLang="en-US" dirty="0" smtClean="0">
-                          <a:latin typeface="Cambria Math" panose="02040503050406030204" pitchFamily="18" charset="0"/>
-                        </a:rPr>
-                        <m:t>∣</m:t>
-                      </m:r>
-                      <m:r>
-                        <m:rPr>
-                          <m:nor/>
-                        </m:rPr>
-                        <a:rPr lang="en-US" altLang="ko-KR" b="0" i="0" dirty="0" smtClean="0">
-                          <a:latin typeface="Cambria Math" panose="02040503050406030204" pitchFamily="18" charset="0"/>
-                        </a:rPr>
-                        <m:t>t</m:t>
-                      </m:r>
-                      <m:r>
-                        <m:rPr>
-                          <m:nor/>
-                        </m:rPr>
-                        <a:rPr lang="en-US" altLang="ko-KR" dirty="0" smtClean="0">
-                          <a:latin typeface="Cambria Math" panose="02040503050406030204" pitchFamily="18" charset="0"/>
-                          <a:ea typeface="Cambria Math" panose="02040503050406030204" pitchFamily="18" charset="0"/>
-                        </a:rPr>
-                        <m:t>⟩</m:t>
-                      </m:r>
-                      <m:r>
-                        <m:rPr>
-                          <m:nor/>
-                        </m:rPr>
-                        <a:rPr lang="en-US" altLang="ko-KR" b="0" i="0" dirty="0" smtClean="0">
-                          <a:latin typeface="Cambria Math" panose="02040503050406030204" pitchFamily="18" charset="0"/>
-                          <a:ea typeface="Cambria Math" panose="02040503050406030204" pitchFamily="18" charset="0"/>
-                        </a:rPr>
-                        <m:t>=</m:t>
-                      </m:r>
-                      <m:r>
-                        <m:rPr>
-                          <m:nor/>
-                        </m:rPr>
-                        <a:rPr lang="ko-KR" altLang="en-US" dirty="0" smtClean="0">
-                          <a:latin typeface="Cambria Math" panose="02040503050406030204" pitchFamily="18" charset="0"/>
-                        </a:rPr>
-                        <m:t>∣</m:t>
-                      </m:r>
-                      <m:r>
-                        <m:rPr>
-                          <m:nor/>
-                        </m:rPr>
-                        <a:rPr lang="en-US" altLang="ko-KR" b="0" i="0" dirty="0" smtClean="0">
-                          <a:latin typeface="Cambria Math" panose="02040503050406030204" pitchFamily="18" charset="0"/>
-                        </a:rPr>
-                        <m:t>0</m:t>
-                      </m:r>
-                      <m:r>
-                        <m:rPr>
-                          <m:nor/>
-                        </m:rPr>
-                        <a:rPr lang="en-US" altLang="ko-KR" dirty="0" smtClean="0">
-                          <a:latin typeface="Cambria Math" panose="02040503050406030204" pitchFamily="18" charset="0"/>
-                          <a:ea typeface="Cambria Math" panose="02040503050406030204" pitchFamily="18" charset="0"/>
-                        </a:rPr>
-                        <m:t>⟩</m:t>
-                      </m:r>
-                      <m:r>
-                        <m:rPr>
-                          <m:nor/>
-                        </m:rPr>
-                        <a:rPr lang="en-US" altLang="ko-KR" b="0" i="0" dirty="0" smtClean="0">
-                          <a:latin typeface="Cambria Math" panose="02040503050406030204" pitchFamily="18" charset="0"/>
-                          <a:ea typeface="Cambria Math" panose="02040503050406030204" pitchFamily="18" charset="0"/>
-                        </a:rPr>
-                        <m:t> </m:t>
-                      </m:r>
-                      <m:r>
-                        <m:rPr>
-                          <m:nor/>
-                        </m:rPr>
-                        <a:rPr lang="en-US" altLang="ko-KR" dirty="0">
-                          <a:latin typeface="Cambria Math" panose="02040503050406030204" pitchFamily="18" charset="0"/>
-                          <a:ea typeface="Cambria Math" panose="02040503050406030204" pitchFamily="18" charset="0"/>
-                        </a:rPr>
-                        <m:t>→</m:t>
-                      </m:r>
-                      <m:r>
-                        <m:rPr>
-                          <m:nor/>
-                        </m:rPr>
-                        <a:rPr lang="en-US" altLang="ko-KR" b="0" i="0" dirty="0" smtClean="0">
-                          <a:latin typeface="Cambria Math" panose="02040503050406030204" pitchFamily="18" charset="0"/>
-                          <a:ea typeface="Cambria Math" panose="02040503050406030204" pitchFamily="18" charset="0"/>
-                        </a:rPr>
-                        <m:t> </m:t>
-                      </m:r>
-                      <m:r>
-                        <m:rPr>
-                          <m:nor/>
-                        </m:rPr>
-                        <a:rPr lang="ko-KR" altLang="en-US" dirty="0" smtClean="0">
-                          <a:latin typeface="Cambria Math" panose="02040503050406030204" pitchFamily="18" charset="0"/>
-                        </a:rPr>
-                        <m:t>∣</m:t>
-                      </m:r>
-                      <m:r>
-                        <m:rPr>
-                          <m:nor/>
-                        </m:rPr>
-                        <a:rPr lang="en-US" altLang="ko-KR" b="0" i="0" dirty="0" smtClean="0">
-                          <a:latin typeface="Cambria Math" panose="02040503050406030204" pitchFamily="18" charset="0"/>
-                        </a:rPr>
-                        <m:t>c</m:t>
-                      </m:r>
-                      <m:r>
-                        <m:rPr>
-                          <m:nor/>
-                        </m:rPr>
-                        <a:rPr lang="en-US" altLang="ko-KR" dirty="0" smtClean="0">
-                          <a:latin typeface="Cambria Math" panose="02040503050406030204" pitchFamily="18" charset="0"/>
-                          <a:ea typeface="Cambria Math" panose="02040503050406030204" pitchFamily="18" charset="0"/>
-                        </a:rPr>
-                        <m:t>⟩</m:t>
-                      </m:r>
-                      <m:r>
-                        <m:rPr>
-                          <m:nor/>
-                        </m:rPr>
-                        <a:rPr lang="en-US" altLang="ko-KR" b="0" i="0" dirty="0" smtClean="0">
-                          <a:latin typeface="Cambria Math" panose="02040503050406030204" pitchFamily="18" charset="0"/>
-                          <a:ea typeface="Cambria Math" panose="02040503050406030204" pitchFamily="18" charset="0"/>
-                        </a:rPr>
-                        <m:t>=</m:t>
-                      </m:r>
-                      <m:r>
-                        <m:rPr>
-                          <m:nor/>
-                        </m:rPr>
-                        <a:rPr lang="ko-KR" altLang="en-US" dirty="0" smtClean="0">
-                          <a:latin typeface="Cambria Math" panose="02040503050406030204" pitchFamily="18" charset="0"/>
-                        </a:rPr>
-                        <m:t>∣</m:t>
-                      </m:r>
-                      <m:r>
-                        <m:rPr>
-                          <m:nor/>
-                        </m:rPr>
-                        <a:rPr lang="en-US" altLang="ko-KR" b="0" i="0" dirty="0" smtClean="0">
-                          <a:latin typeface="Cambria Math" panose="02040503050406030204" pitchFamily="18" charset="0"/>
-                        </a:rPr>
-                        <m:t>t</m:t>
-                      </m:r>
-                      <m:r>
-                        <m:rPr>
-                          <m:nor/>
-                        </m:rPr>
-                        <a:rPr lang="en-US" altLang="ko-KR" dirty="0" smtClean="0">
-                          <a:latin typeface="Cambria Math" panose="02040503050406030204" pitchFamily="18" charset="0"/>
-                          <a:ea typeface="Cambria Math" panose="02040503050406030204" pitchFamily="18" charset="0"/>
-                        </a:rPr>
-                        <m:t>⟩</m:t>
-                      </m:r>
-                      <m:r>
-                        <m:rPr>
-                          <m:nor/>
-                        </m:rPr>
-                        <a:rPr lang="en-US" altLang="ko-KR" b="0" i="0" dirty="0" smtClean="0">
-                          <a:latin typeface="Cambria Math" panose="02040503050406030204" pitchFamily="18" charset="0"/>
-                          <a:ea typeface="Cambria Math" panose="02040503050406030204" pitchFamily="18" charset="0"/>
-                        </a:rPr>
-                        <m:t>,</m:t>
-                      </m:r>
-                    </m:oMath>
-                  </m:oMathPara>
-                </a14:m>
-                <a:endParaRPr lang="en-US" altLang="ko-KR" dirty="0"/>
-              </a:p>
-              <a:p>
-                <a:pPr>
-                  <a:lnSpc>
-                    <a:spcPct val="150000"/>
-                  </a:lnSpc>
-                </a:pPr>
-                <a14:m>
-                  <m:oMath xmlns:m="http://schemas.openxmlformats.org/officeDocument/2006/math">
-                    <m:r>
-                      <m:rPr>
-                        <m:nor/>
-                      </m:rPr>
-                      <a:rPr lang="en-US" altLang="ko-KR" b="0" i="0" dirty="0" smtClean="0">
-                        <a:latin typeface="Cambria Math" panose="02040503050406030204" pitchFamily="18" charset="0"/>
-                      </a:rPr>
-                      <m:t>    </m:t>
-                    </m:r>
-                    <m:r>
-                      <m:rPr>
-                        <m:nor/>
-                      </m:rPr>
-                      <a:rPr lang="ko-KR" altLang="en-US" dirty="0" smtClean="0">
-                        <a:latin typeface="Cambria Math" panose="02040503050406030204" pitchFamily="18" charset="0"/>
-                      </a:rPr>
-                      <m:t>∣</m:t>
-                    </m:r>
-                    <m:r>
-                      <m:rPr>
-                        <m:nor/>
-                      </m:rPr>
-                      <a:rPr lang="en-US" altLang="ko-KR" b="0" i="0" dirty="0" smtClean="0">
-                        <a:latin typeface="Cambria Math" panose="02040503050406030204" pitchFamily="18" charset="0"/>
-                      </a:rPr>
-                      <m:t>t</m:t>
-                    </m:r>
-                    <m:r>
-                      <m:rPr>
-                        <m:nor/>
-                      </m:rPr>
-                      <a:rPr lang="en-US" altLang="ko-KR" dirty="0" smtClean="0">
-                        <a:latin typeface="Cambria Math" panose="02040503050406030204" pitchFamily="18" charset="0"/>
-                        <a:ea typeface="Cambria Math" panose="02040503050406030204" pitchFamily="18" charset="0"/>
-                      </a:rPr>
-                      <m:t>⟩</m:t>
-                    </m:r>
-                    <m:r>
-                      <m:rPr>
-                        <m:nor/>
-                      </m:rPr>
-                      <a:rPr lang="en-US" altLang="ko-KR" b="0" i="0" dirty="0" smtClean="0">
-                        <a:latin typeface="Cambria Math" panose="02040503050406030204" pitchFamily="18" charset="0"/>
-                        <a:ea typeface="Cambria Math" panose="02040503050406030204" pitchFamily="18" charset="0"/>
-                      </a:rPr>
-                      <m:t>=</m:t>
-                    </m:r>
-                    <m:r>
-                      <m:rPr>
-                        <m:nor/>
-                      </m:rPr>
-                      <a:rPr lang="ko-KR" altLang="en-US" dirty="0" smtClean="0">
-                        <a:latin typeface="Cambria Math" panose="02040503050406030204" pitchFamily="18" charset="0"/>
-                      </a:rPr>
-                      <m:t>∣</m:t>
-                    </m:r>
-                    <m:r>
-                      <m:rPr>
-                        <m:nor/>
-                      </m:rPr>
-                      <a:rPr lang="en-US" altLang="ko-KR" b="0" i="0" dirty="0" smtClean="0">
-                        <a:latin typeface="Cambria Math" panose="02040503050406030204" pitchFamily="18" charset="0"/>
-                      </a:rPr>
-                      <m:t>1</m:t>
-                    </m:r>
-                    <m:r>
-                      <m:rPr>
-                        <m:nor/>
-                      </m:rPr>
-                      <a:rPr lang="en-US" altLang="ko-KR" dirty="0" smtClean="0">
-                        <a:latin typeface="Cambria Math" panose="02040503050406030204" pitchFamily="18" charset="0"/>
-                        <a:ea typeface="Cambria Math" panose="02040503050406030204" pitchFamily="18" charset="0"/>
-                      </a:rPr>
-                      <m:t>⟩</m:t>
-                    </m:r>
-                    <m:r>
-                      <m:rPr>
-                        <m:nor/>
-                      </m:rPr>
-                      <a:rPr lang="en-US" altLang="ko-KR" b="0" i="0" dirty="0" smtClean="0">
-                        <a:latin typeface="Cambria Math" panose="02040503050406030204" pitchFamily="18" charset="0"/>
-                        <a:ea typeface="Cambria Math" panose="02040503050406030204" pitchFamily="18" charset="0"/>
-                      </a:rPr>
-                      <m:t> ,    </m:t>
-                    </m:r>
-                  </m:oMath>
-                </a14:m>
-                <a:r>
-                  <a:rPr lang="en-US" altLang="ko-KR" dirty="0"/>
-                  <a:t>           </a:t>
-                </a:r>
-                <a:endParaRPr lang="ko-KR" altLang="en-US" dirty="0"/>
-              </a:p>
-            </p:txBody>
-          </p:sp>
-        </mc:Choice>
-        <mc:Fallback xmlns="">
-          <p:sp>
-            <p:nvSpPr>
-              <p:cNvPr id="5" name="직사각형 4"/>
-              <p:cNvSpPr>
-                <a:spLocks noRot="1" noChangeAspect="1" noMove="1" noResize="1" noEditPoints="1" noAdjustHandles="1" noChangeArrowheads="1" noChangeShapeType="1" noTextEdit="1"/>
-              </p:cNvSpPr>
-              <p:nvPr/>
-            </p:nvSpPr>
-            <p:spPr>
-              <a:xfrm>
-                <a:off x="7276206" y="1604132"/>
-                <a:ext cx="2248730" cy="923330"/>
-              </a:xfrm>
-              <a:prstGeom prst="rect">
-                <a:avLst/>
-              </a:prstGeom>
-              <a:blipFill>
-                <a:blip r:embed="rId11"/>
-                <a:stretch>
-                  <a:fillRect/>
-                </a:stretch>
-              </a:blipFill>
-            </p:spPr>
-            <p:txBody>
-              <a:bodyPr/>
-              <a:lstStyle/>
-              <a:p>
-                <a:r>
-                  <a:rPr lang="ko-KR" altLang="en-US">
-                    <a:noFill/>
-                  </a:rPr>
-                  <a:t> </a:t>
-                </a:r>
-              </a:p>
-            </p:txBody>
-          </p:sp>
-        </mc:Fallback>
-      </mc:AlternateContent>
-      <p:sp>
-        <p:nvSpPr>
-          <p:cNvPr id="7" name="직사각형 6"/>
-          <p:cNvSpPr/>
-          <p:nvPr/>
-        </p:nvSpPr>
-        <p:spPr>
-          <a:xfrm>
-            <a:off x="9317628" y="1586584"/>
-            <a:ext cx="1752083" cy="507831"/>
-          </a:xfrm>
-          <a:prstGeom prst="rect">
-            <a:avLst/>
-          </a:prstGeom>
-        </p:spPr>
-        <p:txBody>
-          <a:bodyPr wrap="none">
-            <a:spAutoFit/>
-          </a:bodyPr>
-          <a:lstStyle/>
-          <a:p>
-            <a:pPr>
-              <a:lnSpc>
-                <a:spcPct val="150000"/>
-              </a:lnSpc>
-            </a:pPr>
-            <a:r>
-              <a:rPr lang="en-US" altLang="ko-KR" dirty="0"/>
-              <a:t>copy the state!</a:t>
-            </a:r>
-          </a:p>
-        </p:txBody>
-      </p:sp>
-      <p:sp>
-        <p:nvSpPr>
-          <p:cNvPr id="31" name="직사각형 30"/>
-          <p:cNvSpPr/>
-          <p:nvPr/>
-        </p:nvSpPr>
-        <p:spPr>
-          <a:xfrm>
-            <a:off x="9404991" y="2006276"/>
-            <a:ext cx="1577355" cy="507831"/>
-          </a:xfrm>
-          <a:prstGeom prst="rect">
-            <a:avLst/>
-          </a:prstGeom>
-        </p:spPr>
-        <p:txBody>
-          <a:bodyPr wrap="none">
-            <a:spAutoFit/>
-          </a:bodyPr>
-          <a:lstStyle/>
-          <a:p>
-            <a:pPr>
-              <a:lnSpc>
-                <a:spcPct val="150000"/>
-              </a:lnSpc>
-            </a:pPr>
-            <a:r>
-              <a:rPr lang="en-US" altLang="ko-KR" dirty="0"/>
-              <a:t>flip the state!</a:t>
-            </a:r>
-          </a:p>
-        </p:txBody>
-      </p:sp>
-      <p:pic>
-        <p:nvPicPr>
-          <p:cNvPr id="9" name="그림 8"/>
-          <p:cNvPicPr>
-            <a:picLocks noChangeAspect="1"/>
-          </p:cNvPicPr>
-          <p:nvPr/>
-        </p:nvPicPr>
-        <p:blipFill>
-          <a:blip r:embed="rId12"/>
-          <a:stretch>
-            <a:fillRect/>
-          </a:stretch>
-        </p:blipFill>
-        <p:spPr>
-          <a:xfrm>
-            <a:off x="3573230" y="3124964"/>
-            <a:ext cx="2579817" cy="1896206"/>
-          </a:xfrm>
-          <a:prstGeom prst="rect">
-            <a:avLst/>
-          </a:prstGeom>
-        </p:spPr>
-      </p:pic>
-      <p:pic>
-        <p:nvPicPr>
-          <p:cNvPr id="33" name="Picture 4" descr="https://upload.wikimedia.org/wikipedia/commons/thumb/6/6b/Bloch_sphere.svg/220px-Bloch_sphere.svg.png"/>
-          <p:cNvPicPr>
-            <a:picLocks noChangeAspect="1" noChangeArrowheads="1"/>
-          </p:cNvPicPr>
-          <p:nvPr/>
-        </p:nvPicPr>
-        <p:blipFill>
-          <a:blip r:embed="rId13">
-            <a:extLst>
-              <a:ext uri="{28A0092B-C50C-407E-A947-70E740481C1C}">
-                <a14:useLocalDpi xmlns:a14="http://schemas.microsoft.com/office/drawing/2010/main" val="0"/>
-              </a:ext>
-            </a:extLst>
-          </a:blip>
-          <a:srcRect/>
-          <a:stretch>
-            <a:fillRect/>
-          </a:stretch>
-        </p:blipFill>
-        <p:spPr bwMode="auto">
-          <a:xfrm>
-            <a:off x="10012927" y="4883275"/>
-            <a:ext cx="1821944" cy="1929606"/>
-          </a:xfrm>
-          <a:prstGeom prst="rect">
-            <a:avLst/>
-          </a:prstGeom>
-          <a:noFill/>
-          <a:extLst>
-            <a:ext uri="{909E8E84-426E-40DD-AFC4-6F175D3DCCD1}">
-              <a14:hiddenFill xmlns:a14="http://schemas.microsoft.com/office/drawing/2010/main">
-                <a:solidFill>
-                  <a:srgbClr val="FFFFFF"/>
-                </a:solidFill>
-              </a14:hiddenFill>
-            </a:ext>
-          </a:extLst>
-        </p:spPr>
-      </p:pic>
-      <mc:AlternateContent xmlns:mc="http://schemas.openxmlformats.org/markup-compatibility/2006" xmlns:a14="http://schemas.microsoft.com/office/drawing/2010/main">
-        <mc:Choice Requires="a14">
-          <p:sp>
-            <p:nvSpPr>
-              <p:cNvPr id="10" name="직사각형 9"/>
-              <p:cNvSpPr/>
-              <p:nvPr/>
-            </p:nvSpPr>
-            <p:spPr>
-              <a:xfrm>
-                <a:off x="1938363" y="3735105"/>
-                <a:ext cx="649665" cy="369332"/>
-              </a:xfrm>
-              <a:prstGeom prst="rect">
-                <a:avLst/>
-              </a:prstGeom>
-            </p:spPr>
-            <p:txBody>
-              <a:bodyPr wrap="none">
-                <a:spAutoFit/>
-              </a:bodyPr>
-              <a:lstStyle/>
-              <a:p>
-                <a:pPr/>
-                <a14:m>
-                  <m:oMathPara xmlns:m="http://schemas.openxmlformats.org/officeDocument/2006/math">
-                    <m:oMathParaPr>
-                      <m:jc m:val="centerGroup"/>
-                    </m:oMathParaPr>
-                    <m:oMath xmlns:m="http://schemas.openxmlformats.org/officeDocument/2006/math">
-                      <m:r>
-                        <a:rPr lang="ko-KR" altLang="en-US" b="0" i="1" smtClean="0">
-                          <a:latin typeface="Cambria Math" panose="02040503050406030204" pitchFamily="18" charset="0"/>
-                        </a:rPr>
-                        <m:t>𝜋</m:t>
-                      </m:r>
-                      <m:r>
-                        <a:rPr lang="en-US" altLang="ko-KR" b="0" i="1" smtClean="0">
-                          <a:latin typeface="Cambria Math" panose="02040503050406030204" pitchFamily="18" charset="0"/>
-                        </a:rPr>
-                        <m:t>/4</m:t>
-                      </m:r>
-                    </m:oMath>
-                  </m:oMathPara>
-                </a14:m>
-                <a:endParaRPr lang="ko-KR" altLang="en-US" dirty="0"/>
-              </a:p>
-            </p:txBody>
-          </p:sp>
-        </mc:Choice>
-        <mc:Fallback xmlns="">
-          <p:sp>
-            <p:nvSpPr>
-              <p:cNvPr id="10" name="직사각형 9"/>
-              <p:cNvSpPr>
-                <a:spLocks noRot="1" noChangeAspect="1" noMove="1" noResize="1" noEditPoints="1" noAdjustHandles="1" noChangeArrowheads="1" noChangeShapeType="1" noTextEdit="1"/>
-              </p:cNvSpPr>
-              <p:nvPr/>
-            </p:nvSpPr>
-            <p:spPr>
-              <a:xfrm>
-                <a:off x="1938363" y="3735105"/>
-                <a:ext cx="649665" cy="369332"/>
-              </a:xfrm>
-              <a:prstGeom prst="rect">
-                <a:avLst/>
-              </a:prstGeom>
-              <a:blipFill>
-                <a:blip r:embed="rId14"/>
-                <a:stretch>
-                  <a:fillRect b="-16667"/>
-                </a:stretch>
-              </a:blipFill>
-            </p:spPr>
-            <p:txBody>
-              <a:bodyPr/>
-              <a:lstStyle/>
-              <a:p>
-                <a:r>
-                  <a:rPr lang="ko-KR" altLang="en-US">
-                    <a:noFill/>
-                  </a:rPr>
-                  <a:t> </a:t>
-                </a:r>
-              </a:p>
-            </p:txBody>
-          </p:sp>
-        </mc:Fallback>
-      </mc:AlternateContent>
-      <p:pic>
-        <p:nvPicPr>
-          <p:cNvPr id="11" name="그림 10"/>
-          <p:cNvPicPr>
-            <a:picLocks noChangeAspect="1"/>
-          </p:cNvPicPr>
-          <p:nvPr/>
-        </p:nvPicPr>
-        <p:blipFill>
-          <a:blip r:embed="rId15"/>
-          <a:stretch>
-            <a:fillRect/>
-          </a:stretch>
-        </p:blipFill>
-        <p:spPr>
-          <a:xfrm>
-            <a:off x="6701138" y="2662708"/>
-            <a:ext cx="4675338" cy="2151966"/>
-          </a:xfrm>
-          <a:prstGeom prst="rect">
-            <a:avLst/>
-          </a:prstGeom>
-        </p:spPr>
-      </p:pic>
-      <p:sp>
-        <p:nvSpPr>
-          <p:cNvPr id="16" name="직사각형 15"/>
-          <p:cNvSpPr/>
-          <p:nvPr/>
-        </p:nvSpPr>
-        <p:spPr>
-          <a:xfrm>
-            <a:off x="6712346" y="4117118"/>
-            <a:ext cx="768159" cy="307777"/>
-          </a:xfrm>
-          <a:prstGeom prst="rect">
-            <a:avLst/>
-          </a:prstGeom>
-        </p:spPr>
-        <p:txBody>
-          <a:bodyPr wrap="none">
-            <a:spAutoFit/>
-          </a:bodyPr>
-          <a:lstStyle/>
-          <a:p>
-            <a:r>
-              <a:rPr lang="en-US" altLang="ko-KR" sz="1400" dirty="0" err="1"/>
-              <a:t>thorlab</a:t>
-            </a:r>
-            <a:endParaRPr lang="ko-KR" altLang="en-US" sz="1400" dirty="0"/>
-          </a:p>
-        </p:txBody>
-      </p:sp>
-      <mc:AlternateContent xmlns:mc="http://schemas.openxmlformats.org/markup-compatibility/2006" xmlns:a14="http://schemas.microsoft.com/office/drawing/2010/main">
-        <mc:Choice Requires="a14">
-          <p:sp>
-            <p:nvSpPr>
-              <p:cNvPr id="18" name="직사각형 17"/>
-              <p:cNvSpPr/>
-              <p:nvPr/>
-            </p:nvSpPr>
-            <p:spPr>
-              <a:xfrm>
-                <a:off x="7632623" y="5508034"/>
-                <a:ext cx="1892313" cy="1004249"/>
-              </a:xfrm>
-              <a:prstGeom prst="rect">
-                <a:avLst/>
-              </a:prstGeom>
-            </p:spPr>
-            <p:txBody>
-              <a:bodyPr wrap="none">
-                <a:spAutoFit/>
-              </a:bodyPr>
-              <a:lstStyle/>
-              <a:p>
-                <a:pPr/>
-                <a14:m>
-                  <m:oMathPara xmlns:m="http://schemas.openxmlformats.org/officeDocument/2006/math">
-                    <m:oMathParaPr>
-                      <m:jc m:val="centerGroup"/>
-                    </m:oMathParaPr>
-                    <m:oMath xmlns:m="http://schemas.openxmlformats.org/officeDocument/2006/math">
-                      <m:sSub>
-                        <m:sSubPr>
-                          <m:ctrlPr>
-                            <a:rPr lang="en-US" altLang="ko-KR" i="1" dirty="0" smtClean="0">
-                              <a:latin typeface="Cambria Math" panose="02040503050406030204" pitchFamily="18" charset="0"/>
-                            </a:rPr>
-                          </m:ctrlPr>
-                        </m:sSubPr>
-                        <m:e>
-                          <m:acc>
-                            <m:accPr>
-                              <m:chr m:val="̂"/>
-                              <m:ctrlPr>
-                                <a:rPr lang="en-US" altLang="ko-KR" i="1" dirty="0">
-                                  <a:latin typeface="Cambria Math" panose="02040503050406030204" pitchFamily="18" charset="0"/>
-                                </a:rPr>
-                              </m:ctrlPr>
-                            </m:accPr>
-                            <m:e>
-                              <m:r>
-                                <a:rPr lang="en-US" altLang="ko-KR" i="1" dirty="0">
-                                  <a:latin typeface="Cambria Math" panose="02040503050406030204" pitchFamily="18" charset="0"/>
-                                </a:rPr>
-                                <m:t>𝑈</m:t>
-                              </m:r>
-                            </m:e>
-                          </m:acc>
-                        </m:e>
-                        <m:sub>
-                          <m:r>
-                            <a:rPr lang="en-US" altLang="ko-KR" i="1" dirty="0">
-                              <a:latin typeface="Cambria Math" panose="02040503050406030204" pitchFamily="18" charset="0"/>
-                            </a:rPr>
-                            <m:t>𝑃𝑅</m:t>
-                          </m:r>
-                          <m:r>
-                            <a:rPr lang="en-US" altLang="ko-KR" i="1" dirty="0">
-                              <a:latin typeface="Cambria Math" panose="02040503050406030204" pitchFamily="18" charset="0"/>
-                            </a:rPr>
-                            <m:t>(</m:t>
-                          </m:r>
-                          <m:r>
-                            <a:rPr lang="ko-KR" altLang="en-US" i="1">
-                              <a:latin typeface="Cambria Math" panose="02040503050406030204" pitchFamily="18" charset="0"/>
-                            </a:rPr>
-                            <m:t>𝜋</m:t>
-                          </m:r>
-                          <m:r>
-                            <a:rPr lang="en-US" altLang="ko-KR" b="0" i="1" smtClean="0">
-                              <a:latin typeface="Cambria Math" panose="02040503050406030204" pitchFamily="18" charset="0"/>
-                            </a:rPr>
-                            <m:t>/4</m:t>
-                          </m:r>
-                          <m:r>
-                            <a:rPr lang="en-US" altLang="ko-KR" i="1" dirty="0">
-                              <a:latin typeface="Cambria Math" panose="02040503050406030204" pitchFamily="18" charset="0"/>
-                              <a:ea typeface="Cambria Math" panose="02040503050406030204" pitchFamily="18" charset="0"/>
-                            </a:rPr>
-                            <m:t>)</m:t>
-                          </m:r>
-                        </m:sub>
-                      </m:sSub>
-                      <m:r>
-                        <m:rPr>
-                          <m:nor/>
-                        </m:rPr>
-                        <a:rPr lang="ko-KR" altLang="en-US" dirty="0" smtClean="0">
-                          <a:latin typeface="Cambria Math" panose="02040503050406030204" pitchFamily="18" charset="0"/>
-                        </a:rPr>
-                        <m:t>∣</m:t>
-                      </m:r>
-                      <m:r>
-                        <m:rPr>
-                          <m:nor/>
-                        </m:rPr>
-                        <a:rPr lang="en-US" altLang="ko-KR" b="0" i="0" dirty="0" smtClean="0">
-                          <a:latin typeface="Cambria Math" panose="02040503050406030204" pitchFamily="18" charset="0"/>
-                        </a:rPr>
-                        <m:t>0</m:t>
-                      </m:r>
-                      <m:r>
-                        <m:rPr>
-                          <m:nor/>
-                        </m:rPr>
-                        <a:rPr lang="en-US" altLang="ko-KR" dirty="0" smtClean="0">
-                          <a:latin typeface="Cambria Math" panose="02040503050406030204" pitchFamily="18" charset="0"/>
-                          <a:ea typeface="Cambria Math" panose="02040503050406030204" pitchFamily="18" charset="0"/>
-                        </a:rPr>
-                        <m:t>⟩</m:t>
-                      </m:r>
-                      <m:r>
-                        <m:rPr>
-                          <m:nor/>
-                        </m:rPr>
-                        <a:rPr lang="en-US" altLang="ko-KR" b="0" i="0" dirty="0" smtClean="0">
-                          <a:latin typeface="Cambria Math" panose="02040503050406030204" pitchFamily="18" charset="0"/>
-                          <a:ea typeface="Cambria Math" panose="02040503050406030204" pitchFamily="18" charset="0"/>
-                        </a:rPr>
-                        <m:t>=</m:t>
-                      </m:r>
-                      <m:r>
-                        <m:rPr>
-                          <m:nor/>
-                        </m:rPr>
-                        <a:rPr lang="ko-KR" altLang="en-US" dirty="0" smtClean="0">
-                          <a:latin typeface="Cambria Math" panose="02040503050406030204" pitchFamily="18" charset="0"/>
-                        </a:rPr>
-                        <m:t>∣</m:t>
-                      </m:r>
-                      <m:r>
-                        <m:rPr>
-                          <m:nor/>
-                        </m:rPr>
-                        <a:rPr lang="en-US" altLang="ko-KR" b="0" i="0" dirty="0" smtClean="0">
-                          <a:latin typeface="Cambria Math" panose="02040503050406030204" pitchFamily="18" charset="0"/>
-                        </a:rPr>
-                        <m:t>1</m:t>
-                      </m:r>
-                      <m:r>
-                        <m:rPr>
-                          <m:nor/>
-                        </m:rPr>
-                        <a:rPr lang="en-US" altLang="ko-KR" dirty="0" smtClean="0">
-                          <a:latin typeface="Cambria Math" panose="02040503050406030204" pitchFamily="18" charset="0"/>
-                          <a:ea typeface="Cambria Math" panose="02040503050406030204" pitchFamily="18" charset="0"/>
-                        </a:rPr>
-                        <m:t>⟩</m:t>
-                      </m:r>
-                    </m:oMath>
-                  </m:oMathPara>
-                </a14:m>
-                <a:endParaRPr lang="en-US" altLang="ko-KR" dirty="0">
-                  <a:ea typeface="Cambria Math" panose="02040503050406030204" pitchFamily="18" charset="0"/>
-                </a:endParaRPr>
-              </a:p>
-              <a:p>
-                <a:pPr/>
-                <a14:m>
-                  <m:oMathPara xmlns:m="http://schemas.openxmlformats.org/officeDocument/2006/math">
-                    <m:oMathParaPr>
-                      <m:jc m:val="centerGroup"/>
-                    </m:oMathParaPr>
-                    <m:oMath xmlns:m="http://schemas.openxmlformats.org/officeDocument/2006/math">
-                      <m:sSub>
-                        <m:sSubPr>
-                          <m:ctrlPr>
-                            <a:rPr lang="en-US" altLang="ko-KR" i="1" dirty="0" smtClean="0">
-                              <a:latin typeface="Cambria Math" panose="02040503050406030204" pitchFamily="18" charset="0"/>
-                            </a:rPr>
-                          </m:ctrlPr>
-                        </m:sSubPr>
-                        <m:e>
-                          <m:acc>
-                            <m:accPr>
-                              <m:chr m:val="̂"/>
-                              <m:ctrlPr>
-                                <a:rPr lang="en-US" altLang="ko-KR" i="1" dirty="0">
-                                  <a:latin typeface="Cambria Math" panose="02040503050406030204" pitchFamily="18" charset="0"/>
-                                </a:rPr>
-                              </m:ctrlPr>
-                            </m:accPr>
-                            <m:e>
-                              <m:r>
-                                <a:rPr lang="en-US" altLang="ko-KR" i="1" dirty="0">
-                                  <a:latin typeface="Cambria Math" panose="02040503050406030204" pitchFamily="18" charset="0"/>
-                                </a:rPr>
-                                <m:t>𝑈</m:t>
-                              </m:r>
-                            </m:e>
-                          </m:acc>
-                        </m:e>
-                        <m:sub>
-                          <m:r>
-                            <a:rPr lang="en-US" altLang="ko-KR" i="1" dirty="0">
-                              <a:latin typeface="Cambria Math" panose="02040503050406030204" pitchFamily="18" charset="0"/>
-                            </a:rPr>
-                            <m:t>𝑃𝑅</m:t>
-                          </m:r>
-                          <m:r>
-                            <a:rPr lang="en-US" altLang="ko-KR" i="1" dirty="0">
-                              <a:latin typeface="Cambria Math" panose="02040503050406030204" pitchFamily="18" charset="0"/>
-                            </a:rPr>
-                            <m:t>(</m:t>
-                          </m:r>
-                          <m:r>
-                            <a:rPr lang="ko-KR" altLang="en-US" i="1">
-                              <a:latin typeface="Cambria Math" panose="02040503050406030204" pitchFamily="18" charset="0"/>
-                            </a:rPr>
-                            <m:t>𝜋</m:t>
-                          </m:r>
-                          <m:r>
-                            <a:rPr lang="en-US" altLang="ko-KR" b="0" i="1" smtClean="0">
-                              <a:latin typeface="Cambria Math" panose="02040503050406030204" pitchFamily="18" charset="0"/>
-                            </a:rPr>
-                            <m:t>/4</m:t>
-                          </m:r>
-                          <m:r>
-                            <a:rPr lang="en-US" altLang="ko-KR" i="1" dirty="0">
-                              <a:latin typeface="Cambria Math" panose="02040503050406030204" pitchFamily="18" charset="0"/>
-                              <a:ea typeface="Cambria Math" panose="02040503050406030204" pitchFamily="18" charset="0"/>
-                            </a:rPr>
-                            <m:t>)</m:t>
-                          </m:r>
-                        </m:sub>
-                      </m:sSub>
-                      <m:r>
-                        <m:rPr>
-                          <m:nor/>
-                        </m:rPr>
-                        <a:rPr lang="ko-KR" altLang="en-US" dirty="0" smtClean="0">
-                          <a:latin typeface="Cambria Math" panose="02040503050406030204" pitchFamily="18" charset="0"/>
-                        </a:rPr>
-                        <m:t>∣</m:t>
-                      </m:r>
-                      <m:r>
-                        <m:rPr>
-                          <m:nor/>
-                        </m:rPr>
-                        <a:rPr lang="en-US" altLang="ko-KR" b="0" i="0" dirty="0" smtClean="0">
-                          <a:latin typeface="Cambria Math" panose="02040503050406030204" pitchFamily="18" charset="0"/>
-                        </a:rPr>
-                        <m:t>1</m:t>
-                      </m:r>
-                      <m:r>
-                        <m:rPr>
-                          <m:nor/>
-                        </m:rPr>
-                        <a:rPr lang="en-US" altLang="ko-KR" dirty="0" smtClean="0">
-                          <a:latin typeface="Cambria Math" panose="02040503050406030204" pitchFamily="18" charset="0"/>
-                          <a:ea typeface="Cambria Math" panose="02040503050406030204" pitchFamily="18" charset="0"/>
-                        </a:rPr>
-                        <m:t>⟩</m:t>
-                      </m:r>
-                      <m:r>
-                        <m:rPr>
-                          <m:nor/>
-                        </m:rPr>
-                        <a:rPr lang="en-US" altLang="ko-KR" b="0" i="0" dirty="0" smtClean="0">
-                          <a:latin typeface="Cambria Math" panose="02040503050406030204" pitchFamily="18" charset="0"/>
-                          <a:ea typeface="Cambria Math" panose="02040503050406030204" pitchFamily="18" charset="0"/>
-                        </a:rPr>
-                        <m:t>=</m:t>
-                      </m:r>
-                      <m:r>
-                        <m:rPr>
-                          <m:nor/>
-                        </m:rPr>
-                        <a:rPr lang="ko-KR" altLang="en-US" dirty="0" smtClean="0">
-                          <a:latin typeface="Cambria Math" panose="02040503050406030204" pitchFamily="18" charset="0"/>
-                        </a:rPr>
-                        <m:t>∣</m:t>
-                      </m:r>
-                      <m:r>
-                        <m:rPr>
-                          <m:nor/>
-                        </m:rPr>
-                        <a:rPr lang="en-US" altLang="ko-KR" b="0" i="0" dirty="0" smtClean="0">
-                          <a:latin typeface="Cambria Math" panose="02040503050406030204" pitchFamily="18" charset="0"/>
-                        </a:rPr>
-                        <m:t>0</m:t>
-                      </m:r>
-                      <m:r>
-                        <m:rPr>
-                          <m:nor/>
-                        </m:rPr>
-                        <a:rPr lang="en-US" altLang="ko-KR" dirty="0" smtClean="0">
-                          <a:latin typeface="Cambria Math" panose="02040503050406030204" pitchFamily="18" charset="0"/>
-                          <a:ea typeface="Cambria Math" panose="02040503050406030204" pitchFamily="18" charset="0"/>
-                        </a:rPr>
-                        <m:t>⟩</m:t>
-                      </m:r>
-                    </m:oMath>
-                  </m:oMathPara>
-                </a14:m>
-                <a:endParaRPr lang="ko-KR" altLang="en-US" dirty="0"/>
-              </a:p>
-              <a:p>
-                <a:endParaRPr lang="ko-KR" altLang="en-US" dirty="0"/>
-              </a:p>
-            </p:txBody>
-          </p:sp>
-        </mc:Choice>
-        <mc:Fallback xmlns="">
-          <p:sp>
-            <p:nvSpPr>
-              <p:cNvPr id="18" name="직사각형 17"/>
-              <p:cNvSpPr>
-                <a:spLocks noRot="1" noChangeAspect="1" noMove="1" noResize="1" noEditPoints="1" noAdjustHandles="1" noChangeArrowheads="1" noChangeShapeType="1" noTextEdit="1"/>
-              </p:cNvSpPr>
-              <p:nvPr/>
-            </p:nvSpPr>
-            <p:spPr>
-              <a:xfrm>
-                <a:off x="7632623" y="5508034"/>
-                <a:ext cx="1892313" cy="1004249"/>
-              </a:xfrm>
-              <a:prstGeom prst="rect">
-                <a:avLst/>
-              </a:prstGeom>
-              <a:blipFill>
-                <a:blip r:embed="rId16"/>
-                <a:stretch>
-                  <a:fillRect/>
-                </a:stretch>
-              </a:blipFill>
-            </p:spPr>
-            <p:txBody>
-              <a:bodyPr/>
-              <a:lstStyle/>
-              <a:p>
-                <a:r>
-                  <a:rPr lang="ko-KR" altLang="en-US">
-                    <a:noFill/>
-                  </a:rPr>
-                  <a:t> </a:t>
-                </a:r>
-              </a:p>
-            </p:txBody>
-          </p:sp>
-        </mc:Fallback>
-      </mc:AlternateContent>
-      <p:sp>
-        <p:nvSpPr>
-          <p:cNvPr id="39" name="TextBox 38"/>
-          <p:cNvSpPr txBox="1"/>
-          <p:nvPr/>
-        </p:nvSpPr>
-        <p:spPr>
-          <a:xfrm>
-            <a:off x="202249" y="6334636"/>
-            <a:ext cx="10302976" cy="369332"/>
-          </a:xfrm>
-          <a:prstGeom prst="rect">
-            <a:avLst/>
-          </a:prstGeom>
-          <a:noFill/>
-        </p:spPr>
-        <p:txBody>
-          <a:bodyPr wrap="square" rtlCol="0">
-            <a:spAutoFit/>
-          </a:bodyPr>
-          <a:lstStyle/>
-          <a:p>
-            <a:r>
-              <a:rPr lang="en-US" altLang="ko-KR" dirty="0"/>
-              <a:t>The CNOT gate is similar to a conditional XOR operation in classical computing.</a:t>
-            </a:r>
-            <a:endParaRPr lang="ko-KR" altLang="en-US" dirty="0"/>
-          </a:p>
-        </p:txBody>
-      </p:sp>
-    </p:spTree>
-    <p:extLst>
-      <p:ext uri="{BB962C8B-B14F-4D97-AF65-F5344CB8AC3E}">
-        <p14:creationId xmlns:p14="http://schemas.microsoft.com/office/powerpoint/2010/main" val="4011158014"/>
-      </p:ext>
-    </p:extLst>
-  </p:cSld>
-  <p:clrMapOvr>
-    <a:masterClrMapping/>
-  </p:clrMapOvr>
-</p:sld>
-</file>
-
-<file path=ppt/slides/slide11.xml><?xml version="1.0" encoding="utf-8"?>
 <p:sld xmlns:a="http://schemas.openxmlformats.org/drawingml/2006/main" xmlns:r="http://schemas.openxmlformats.org/officeDocument/2006/relationships" xmlns:p="http://schemas.openxmlformats.org/presentationml/2006/main">
   <p:cSld>
     <p:spTree>
@@ -9585,7 +6472,7 @@
 </p:sld>
 </file>
 
-<file path=ppt/slides/slide12.xml><?xml version="1.0" encoding="utf-8"?>
+<file path=ppt/slides/slide11.xml><?xml version="1.0" encoding="utf-8"?>
 <p:sld xmlns:a="http://schemas.openxmlformats.org/drawingml/2006/main" xmlns:r="http://schemas.openxmlformats.org/officeDocument/2006/relationships" xmlns:p="http://schemas.openxmlformats.org/presentationml/2006/main">
   <p:cSld>
     <p:spTree>
@@ -12671,6 +9558,163 @@
 </p:sld>
 </file>
 
+<file path=ppt/slides/slide12.xml><?xml version="1.0" encoding="utf-8"?>
+<p:sld xmlns:a="http://schemas.openxmlformats.org/drawingml/2006/main" xmlns:r="http://schemas.openxmlformats.org/officeDocument/2006/relationships" xmlns:p="http://schemas.openxmlformats.org/presentationml/2006/main">
+  <p:cSld>
+    <p:spTree>
+      <p:nvGrpSpPr>
+        <p:cNvPr id="1" name=""/>
+        <p:cNvGrpSpPr/>
+        <p:nvPr/>
+      </p:nvGrpSpPr>
+      <p:grpSpPr>
+        <a:xfrm>
+          <a:off x="0" y="0"/>
+          <a:ext cx="0" cy="0"/>
+          <a:chOff x="0" y="0"/>
+          <a:chExt cx="0" cy="0"/>
+        </a:xfrm>
+      </p:grpSpPr>
+      <p:sp>
+        <p:nvSpPr>
+          <p:cNvPr id="2" name="직사각형 1"/>
+          <p:cNvSpPr/>
+          <p:nvPr/>
+        </p:nvSpPr>
+        <p:spPr>
+          <a:xfrm>
+            <a:off x="0" y="156519"/>
+            <a:ext cx="12192000" cy="667265"/>
+          </a:xfrm>
+          <a:prstGeom prst="rect">
+            <a:avLst/>
+          </a:prstGeom>
+          <a:solidFill>
+            <a:schemeClr val="accent1">
+              <a:lumMod val="40000"/>
+              <a:lumOff val="60000"/>
+            </a:schemeClr>
+          </a:solidFill>
+          <a:ln>
+            <a:noFill/>
+          </a:ln>
+        </p:spPr>
+        <p:style>
+          <a:lnRef idx="2">
+            <a:schemeClr val="accent1">
+              <a:shade val="50000"/>
+            </a:schemeClr>
+          </a:lnRef>
+          <a:fillRef idx="1">
+            <a:schemeClr val="accent1"/>
+          </a:fillRef>
+          <a:effectRef idx="0">
+            <a:schemeClr val="accent1"/>
+          </a:effectRef>
+          <a:fontRef idx="minor">
+            <a:schemeClr val="lt1"/>
+          </a:fontRef>
+        </p:style>
+        <p:txBody>
+          <a:bodyPr rtlCol="0" anchor="ctr"/>
+          <a:lstStyle/>
+          <a:p>
+            <a:pPr algn="ctr"/>
+            <a:endParaRPr lang="ko-KR" altLang="en-US"/>
+          </a:p>
+        </p:txBody>
+      </p:sp>
+      <p:sp>
+        <p:nvSpPr>
+          <p:cNvPr id="3" name="TextBox 2"/>
+          <p:cNvSpPr txBox="1"/>
+          <p:nvPr/>
+        </p:nvSpPr>
+        <p:spPr>
+          <a:xfrm>
+            <a:off x="257907" y="259318"/>
+            <a:ext cx="8505093" cy="461665"/>
+          </a:xfrm>
+          <a:prstGeom prst="rect">
+            <a:avLst/>
+          </a:prstGeom>
+          <a:noFill/>
+        </p:spPr>
+        <p:txBody>
+          <a:bodyPr wrap="square" rtlCol="0">
+            <a:spAutoFit/>
+          </a:bodyPr>
+          <a:lstStyle/>
+          <a:p>
+            <a:r>
+              <a:rPr lang="en-US" altLang="ko-KR" sz="2400" b="1" dirty="0"/>
+              <a:t>Example : Quantum Teleportation</a:t>
+            </a:r>
+            <a:endParaRPr lang="ko-KR" altLang="en-US" sz="2400" b="1" dirty="0"/>
+          </a:p>
+        </p:txBody>
+      </p:sp>
+      <p:pic>
+        <p:nvPicPr>
+          <p:cNvPr id="9" name="그림 8"/>
+          <p:cNvPicPr>
+            <a:picLocks noChangeAspect="1"/>
+          </p:cNvPicPr>
+          <p:nvPr/>
+        </p:nvPicPr>
+        <p:blipFill>
+          <a:blip r:embed="rId2"/>
+          <a:stretch>
+            <a:fillRect/>
+          </a:stretch>
+        </p:blipFill>
+        <p:spPr>
+          <a:xfrm>
+            <a:off x="6325197" y="1695450"/>
+            <a:ext cx="5180405" cy="4486275"/>
+          </a:xfrm>
+          <a:prstGeom prst="rect">
+            <a:avLst/>
+          </a:prstGeom>
+        </p:spPr>
+      </p:pic>
+      <p:pic>
+        <p:nvPicPr>
+          <p:cNvPr id="8" name="그림 7"/>
+          <p:cNvPicPr>
+            <a:picLocks noChangeAspect="1"/>
+          </p:cNvPicPr>
+          <p:nvPr/>
+        </p:nvPicPr>
+        <p:blipFill>
+          <a:blip r:embed="rId3"/>
+          <a:stretch>
+            <a:fillRect/>
+          </a:stretch>
+        </p:blipFill>
+        <p:spPr>
+          <a:xfrm>
+            <a:off x="623887" y="1887924"/>
+            <a:ext cx="6462713" cy="1902414"/>
+          </a:xfrm>
+          <a:prstGeom prst="rect">
+            <a:avLst/>
+          </a:prstGeom>
+        </p:spPr>
+      </p:pic>
+    </p:spTree>
+    <p:extLst>
+      <p:ext uri="{BB962C8B-B14F-4D97-AF65-F5344CB8AC3E}">
+        <p14:creationId xmlns:p14="http://schemas.microsoft.com/office/powerpoint/2010/main" val="2068657813"/>
+      </p:ext>
+    </p:extLst>
+  </p:cSld>
+  <p:clrMapOvr>
+    <a:masterClrMapping/>
+  </p:clrMapOvr>
+</p:sld>
+</file>
+
 <file path=ppt/slides/slide13.xml><?xml version="1.0" encoding="utf-8"?>
 <p:sld xmlns:a="http://schemas.openxmlformats.org/drawingml/2006/main" xmlns:r="http://schemas.openxmlformats.org/officeDocument/2006/relationships" xmlns:p="http://schemas.openxmlformats.org/presentationml/2006/main">
   <p:cSld>
@@ -12761,64 +9805,74 @@
           <a:p>
             <a:r>
               <a:rPr lang="en-US" altLang="ko-KR" sz="2400" b="1" dirty="0"/>
-              <a:t>Example : Quantum Teleportation</a:t>
+              <a:t>The advantage of Optical Computer</a:t>
             </a:r>
             <a:endParaRPr lang="ko-KR" altLang="en-US" sz="2400" b="1" dirty="0"/>
           </a:p>
         </p:txBody>
       </p:sp>
-      <p:pic>
-        <p:nvPicPr>
-          <p:cNvPr id="9" name="그림 8"/>
-          <p:cNvPicPr>
-            <a:picLocks noChangeAspect="1"/>
-          </p:cNvPicPr>
+      <p:sp>
+        <p:nvSpPr>
+          <p:cNvPr id="6" name="직사각형 5"/>
+          <p:cNvSpPr/>
           <p:nvPr/>
-        </p:nvPicPr>
-        <p:blipFill>
-          <a:blip r:embed="rId2"/>
-          <a:stretch>
-            <a:fillRect/>
-          </a:stretch>
-        </p:blipFill>
+        </p:nvSpPr>
         <p:spPr>
           <a:xfrm>
-            <a:off x="6325197" y="1695450"/>
-            <a:ext cx="5180405" cy="4486275"/>
+            <a:off x="172182" y="1525101"/>
+            <a:ext cx="11410218" cy="2400657"/>
           </a:xfrm>
           <a:prstGeom prst="rect">
             <a:avLst/>
           </a:prstGeom>
         </p:spPr>
-      </p:pic>
-      <p:pic>
-        <p:nvPicPr>
-          <p:cNvPr id="8" name="그림 7"/>
-          <p:cNvPicPr>
-            <a:picLocks noChangeAspect="1"/>
-          </p:cNvPicPr>
-          <p:nvPr/>
-        </p:nvPicPr>
-        <p:blipFill>
-          <a:blip r:embed="rId3"/>
-          <a:stretch>
-            <a:fillRect/>
-          </a:stretch>
-        </p:blipFill>
-        <p:spPr>
-          <a:xfrm>
-            <a:off x="623887" y="1887924"/>
-            <a:ext cx="6462713" cy="1902414"/>
-          </a:xfrm>
-          <a:prstGeom prst="rect">
-            <a:avLst/>
-          </a:prstGeom>
-        </p:spPr>
-      </p:pic>
+        <p:txBody>
+          <a:bodyPr wrap="square">
+            <a:spAutoFit/>
+          </a:bodyPr>
+          <a:lstStyle/>
+          <a:p>
+            <a:pPr>
+              <a:lnSpc>
+                <a:spcPct val="150000"/>
+              </a:lnSpc>
+            </a:pPr>
+            <a:r>
+              <a:rPr lang="en-US" altLang="ko-KR" sz="2000" dirty="0"/>
+              <a:t>• It can be implemented at room temperature and atmospheric pressure.</a:t>
+            </a:r>
+          </a:p>
+          <a:p>
+            <a:endParaRPr lang="en-US" altLang="ko-KR" sz="2000" dirty="0"/>
+          </a:p>
+          <a:p>
+            <a:endParaRPr lang="en-US" altLang="ko-KR" sz="2000" dirty="0"/>
+          </a:p>
+          <a:p>
+            <a:r>
+              <a:rPr lang="en-US" altLang="ko-KR" sz="2000" dirty="0"/>
+              <a:t>• The optical quantum system is highly compatible with telecommunication</a:t>
+            </a:r>
+          </a:p>
+          <a:p>
+            <a:endParaRPr lang="en-US" altLang="ko-KR" sz="2000" dirty="0"/>
+          </a:p>
+          <a:p>
+            <a:endParaRPr lang="en-US" altLang="ko-KR" sz="2000" dirty="0"/>
+          </a:p>
+          <a:p>
+            <a:r>
+              <a:rPr lang="en-US" altLang="ko-KR" sz="2000" dirty="0"/>
+              <a:t>• It is more suitable when considering scalability.</a:t>
+            </a:r>
+            <a:endParaRPr lang="ko-KR" altLang="en-US" sz="2000" dirty="0"/>
+          </a:p>
+        </p:txBody>
+      </p:sp>
     </p:spTree>
     <p:extLst>
       <p:ext uri="{BB962C8B-B14F-4D97-AF65-F5344CB8AC3E}">
-        <p14:creationId xmlns:p14="http://schemas.microsoft.com/office/powerpoint/2010/main" val="2068657813"/>
+        <p14:creationId xmlns:p14="http://schemas.microsoft.com/office/powerpoint/2010/main" val="377520422"/>
       </p:ext>
     </p:extLst>
   </p:cSld>
@@ -12918,173 +9972,6 @@
           <a:p>
             <a:r>
               <a:rPr lang="en-US" altLang="ko-KR" sz="2400" b="1" dirty="0"/>
-              <a:t>The advantage of Optical Computer</a:t>
-            </a:r>
-            <a:endParaRPr lang="ko-KR" altLang="en-US" sz="2400" b="1" dirty="0"/>
-          </a:p>
-        </p:txBody>
-      </p:sp>
-      <p:sp>
-        <p:nvSpPr>
-          <p:cNvPr id="6" name="직사각형 5"/>
-          <p:cNvSpPr/>
-          <p:nvPr/>
-        </p:nvSpPr>
-        <p:spPr>
-          <a:xfrm>
-            <a:off x="172182" y="1525101"/>
-            <a:ext cx="11410218" cy="2400657"/>
-          </a:xfrm>
-          <a:prstGeom prst="rect">
-            <a:avLst/>
-          </a:prstGeom>
-        </p:spPr>
-        <p:txBody>
-          <a:bodyPr wrap="square">
-            <a:spAutoFit/>
-          </a:bodyPr>
-          <a:lstStyle/>
-          <a:p>
-            <a:pPr>
-              <a:lnSpc>
-                <a:spcPct val="150000"/>
-              </a:lnSpc>
-            </a:pPr>
-            <a:r>
-              <a:rPr lang="en-US" altLang="ko-KR" sz="2000" dirty="0"/>
-              <a:t>• It can be implemented at room temperature and atmospheric pressure.</a:t>
-            </a:r>
-          </a:p>
-          <a:p>
-            <a:endParaRPr lang="en-US" altLang="ko-KR" sz="2000" dirty="0"/>
-          </a:p>
-          <a:p>
-            <a:endParaRPr lang="en-US" altLang="ko-KR" sz="2000" dirty="0"/>
-          </a:p>
-          <a:p>
-            <a:r>
-              <a:rPr lang="en-US" altLang="ko-KR" sz="2000" dirty="0"/>
-              <a:t>• The optical quantum system is highly compatible with telecommunication</a:t>
-            </a:r>
-          </a:p>
-          <a:p>
-            <a:endParaRPr lang="en-US" altLang="ko-KR" sz="2000" dirty="0"/>
-          </a:p>
-          <a:p>
-            <a:endParaRPr lang="en-US" altLang="ko-KR" sz="2000" dirty="0"/>
-          </a:p>
-          <a:p>
-            <a:r>
-              <a:rPr lang="en-US" altLang="ko-KR" sz="2000" dirty="0"/>
-              <a:t>• It is more suitable when considering scalability.</a:t>
-            </a:r>
-            <a:endParaRPr lang="ko-KR" altLang="en-US" sz="2000" dirty="0"/>
-          </a:p>
-        </p:txBody>
-      </p:sp>
-    </p:spTree>
-    <p:extLst>
-      <p:ext uri="{BB962C8B-B14F-4D97-AF65-F5344CB8AC3E}">
-        <p14:creationId xmlns:p14="http://schemas.microsoft.com/office/powerpoint/2010/main" val="377520422"/>
-      </p:ext>
-    </p:extLst>
-  </p:cSld>
-  <p:clrMapOvr>
-    <a:masterClrMapping/>
-  </p:clrMapOvr>
-</p:sld>
-</file>
-
-<file path=ppt/slides/slide15.xml><?xml version="1.0" encoding="utf-8"?>
-<p:sld xmlns:a="http://schemas.openxmlformats.org/drawingml/2006/main" xmlns:r="http://schemas.openxmlformats.org/officeDocument/2006/relationships" xmlns:p="http://schemas.openxmlformats.org/presentationml/2006/main">
-  <p:cSld>
-    <p:spTree>
-      <p:nvGrpSpPr>
-        <p:cNvPr id="1" name=""/>
-        <p:cNvGrpSpPr/>
-        <p:nvPr/>
-      </p:nvGrpSpPr>
-      <p:grpSpPr>
-        <a:xfrm>
-          <a:off x="0" y="0"/>
-          <a:ext cx="0" cy="0"/>
-          <a:chOff x="0" y="0"/>
-          <a:chExt cx="0" cy="0"/>
-        </a:xfrm>
-      </p:grpSpPr>
-      <p:sp>
-        <p:nvSpPr>
-          <p:cNvPr id="2" name="직사각형 1"/>
-          <p:cNvSpPr/>
-          <p:nvPr/>
-        </p:nvSpPr>
-        <p:spPr>
-          <a:xfrm>
-            <a:off x="0" y="156519"/>
-            <a:ext cx="12192000" cy="667265"/>
-          </a:xfrm>
-          <a:prstGeom prst="rect">
-            <a:avLst/>
-          </a:prstGeom>
-          <a:solidFill>
-            <a:schemeClr val="accent1">
-              <a:lumMod val="40000"/>
-              <a:lumOff val="60000"/>
-            </a:schemeClr>
-          </a:solidFill>
-          <a:ln>
-            <a:noFill/>
-          </a:ln>
-        </p:spPr>
-        <p:style>
-          <a:lnRef idx="2">
-            <a:schemeClr val="accent1">
-              <a:shade val="50000"/>
-            </a:schemeClr>
-          </a:lnRef>
-          <a:fillRef idx="1">
-            <a:schemeClr val="accent1"/>
-          </a:fillRef>
-          <a:effectRef idx="0">
-            <a:schemeClr val="accent1"/>
-          </a:effectRef>
-          <a:fontRef idx="minor">
-            <a:schemeClr val="lt1"/>
-          </a:fontRef>
-        </p:style>
-        <p:txBody>
-          <a:bodyPr rtlCol="0" anchor="ctr"/>
-          <a:lstStyle/>
-          <a:p>
-            <a:pPr algn="ctr"/>
-            <a:endParaRPr lang="ko-KR" altLang="en-US"/>
-          </a:p>
-        </p:txBody>
-      </p:sp>
-      <p:sp>
-        <p:nvSpPr>
-          <p:cNvPr id="3" name="TextBox 2"/>
-          <p:cNvSpPr txBox="1"/>
-          <p:nvPr/>
-        </p:nvSpPr>
-        <p:spPr>
-          <a:xfrm>
-            <a:off x="257907" y="259318"/>
-            <a:ext cx="8505093" cy="461665"/>
-          </a:xfrm>
-          <a:prstGeom prst="rect">
-            <a:avLst/>
-          </a:prstGeom>
-          <a:noFill/>
-        </p:spPr>
-        <p:txBody>
-          <a:bodyPr wrap="square" rtlCol="0">
-            <a:spAutoFit/>
-          </a:bodyPr>
-          <a:lstStyle/>
-          <a:p>
-            <a:r>
-              <a:rPr lang="en-US" altLang="ko-KR" sz="2400" b="1" dirty="0"/>
               <a:t>Reference</a:t>
             </a:r>
             <a:endParaRPr lang="ko-KR" altLang="en-US" sz="2400" b="1" dirty="0"/>
@@ -13284,7 +10171,7 @@
 </p:sld>
 </file>
 
-<file path=ppt/slides/slide16.xml><?xml version="1.0" encoding="utf-8"?>
+<file path=ppt/slides/slide15.xml><?xml version="1.0" encoding="utf-8"?>
 <p:sld xmlns:a="http://schemas.openxmlformats.org/drawingml/2006/main" xmlns:r="http://schemas.openxmlformats.org/officeDocument/2006/relationships" xmlns:p="http://schemas.openxmlformats.org/presentationml/2006/main">
   <p:cSld>
     <p:spTree>
@@ -13599,6 +10486,214 @@
 </file>
 
 <file path=ppt/slides/slide2.xml><?xml version="1.0" encoding="utf-8"?>
+<p:sld xmlns:a="http://schemas.openxmlformats.org/drawingml/2006/main" xmlns:r="http://schemas.openxmlformats.org/officeDocument/2006/relationships" xmlns:p="http://schemas.openxmlformats.org/presentationml/2006/main">
+  <p:cSld>
+    <p:spTree>
+      <p:nvGrpSpPr>
+        <p:cNvPr id="1" name=""/>
+        <p:cNvGrpSpPr/>
+        <p:nvPr/>
+      </p:nvGrpSpPr>
+      <p:grpSpPr>
+        <a:xfrm>
+          <a:off x="0" y="0"/>
+          <a:ext cx="0" cy="0"/>
+          <a:chOff x="0" y="0"/>
+          <a:chExt cx="0" cy="0"/>
+        </a:xfrm>
+      </p:grpSpPr>
+      <p:sp>
+        <p:nvSpPr>
+          <p:cNvPr id="2" name="직사각형 1"/>
+          <p:cNvSpPr/>
+          <p:nvPr/>
+        </p:nvSpPr>
+        <p:spPr>
+          <a:xfrm>
+            <a:off x="0" y="174103"/>
+            <a:ext cx="12192000" cy="667265"/>
+          </a:xfrm>
+          <a:prstGeom prst="rect">
+            <a:avLst/>
+          </a:prstGeom>
+          <a:solidFill>
+            <a:schemeClr val="accent1">
+              <a:lumMod val="40000"/>
+              <a:lumOff val="60000"/>
+            </a:schemeClr>
+          </a:solidFill>
+          <a:ln>
+            <a:noFill/>
+          </a:ln>
+        </p:spPr>
+        <p:style>
+          <a:lnRef idx="2">
+            <a:schemeClr val="accent1">
+              <a:shade val="50000"/>
+            </a:schemeClr>
+          </a:lnRef>
+          <a:fillRef idx="1">
+            <a:schemeClr val="accent1"/>
+          </a:fillRef>
+          <a:effectRef idx="0">
+            <a:schemeClr val="accent1"/>
+          </a:effectRef>
+          <a:fontRef idx="minor">
+            <a:schemeClr val="lt1"/>
+          </a:fontRef>
+        </p:style>
+        <p:txBody>
+          <a:bodyPr rtlCol="0" anchor="ctr"/>
+          <a:lstStyle/>
+          <a:p>
+            <a:pPr algn="ctr"/>
+            <a:endParaRPr lang="ko-KR" altLang="en-US"/>
+          </a:p>
+        </p:txBody>
+      </p:sp>
+      <p:sp>
+        <p:nvSpPr>
+          <p:cNvPr id="3" name="TextBox 2"/>
+          <p:cNvSpPr txBox="1"/>
+          <p:nvPr/>
+        </p:nvSpPr>
+        <p:spPr>
+          <a:xfrm>
+            <a:off x="257907" y="276902"/>
+            <a:ext cx="9202616" cy="461665"/>
+          </a:xfrm>
+          <a:prstGeom prst="rect">
+            <a:avLst/>
+          </a:prstGeom>
+          <a:noFill/>
+        </p:spPr>
+        <p:txBody>
+          <a:bodyPr wrap="square" rtlCol="0">
+            <a:spAutoFit/>
+          </a:bodyPr>
+          <a:lstStyle/>
+          <a:p>
+            <a:r>
+              <a:rPr lang="en-US" altLang="ko-KR" sz="2400" b="1" dirty="0"/>
+              <a:t>Before we begin,,,</a:t>
+            </a:r>
+            <a:endParaRPr lang="ko-KR" altLang="en-US" sz="2400" b="1" dirty="0"/>
+          </a:p>
+        </p:txBody>
+      </p:sp>
+      <p:sp>
+        <p:nvSpPr>
+          <p:cNvPr id="4" name="직사각형 3"/>
+          <p:cNvSpPr/>
+          <p:nvPr/>
+        </p:nvSpPr>
+        <p:spPr>
+          <a:xfrm>
+            <a:off x="162657" y="1096476"/>
+            <a:ext cx="11441724" cy="1631216"/>
+          </a:xfrm>
+          <a:prstGeom prst="rect">
+            <a:avLst/>
+          </a:prstGeom>
+        </p:spPr>
+        <p:txBody>
+          <a:bodyPr wrap="square">
+            <a:spAutoFit/>
+          </a:bodyPr>
+          <a:lstStyle/>
+          <a:p>
+            <a:r>
+              <a:rPr lang="en-US" altLang="ko-KR" sz="2000" dirty="0"/>
+              <a:t>• What is Quantum Computer and why is it important?</a:t>
+            </a:r>
+          </a:p>
+          <a:p>
+            <a:endParaRPr lang="en-US" altLang="ko-KR" sz="2000" dirty="0"/>
+          </a:p>
+          <a:p>
+            <a:r>
+              <a:rPr lang="en-US" altLang="ko-KR" sz="2000" dirty="0"/>
+              <a:t>• The difference of quantum computer and classical computer. (Bit, Logic gate)</a:t>
+            </a:r>
+          </a:p>
+          <a:p>
+            <a:endParaRPr lang="en-US" altLang="ko-KR" sz="2000" dirty="0"/>
+          </a:p>
+          <a:p>
+            <a:r>
+              <a:rPr lang="en-US" altLang="ko-KR" sz="2000" dirty="0"/>
+              <a:t>• How logic gates are represented optically and why build optical computer? </a:t>
+            </a:r>
+            <a:endParaRPr lang="ko-KR" altLang="en-US" sz="2000" dirty="0"/>
+          </a:p>
+        </p:txBody>
+      </p:sp>
+      <p:pic>
+        <p:nvPicPr>
+          <p:cNvPr id="23" name="그림 22"/>
+          <p:cNvPicPr>
+            <a:picLocks noChangeAspect="1"/>
+          </p:cNvPicPr>
+          <p:nvPr/>
+        </p:nvPicPr>
+        <p:blipFill>
+          <a:blip r:embed="rId3"/>
+          <a:stretch>
+            <a:fillRect/>
+          </a:stretch>
+        </p:blipFill>
+        <p:spPr>
+          <a:xfrm>
+            <a:off x="569913" y="2847352"/>
+            <a:ext cx="6249987" cy="4010648"/>
+          </a:xfrm>
+          <a:prstGeom prst="rect">
+            <a:avLst/>
+          </a:prstGeom>
+        </p:spPr>
+      </p:pic>
+      <p:sp>
+        <p:nvSpPr>
+          <p:cNvPr id="24" name="직사각형 23"/>
+          <p:cNvSpPr/>
+          <p:nvPr/>
+        </p:nvSpPr>
+        <p:spPr>
+          <a:xfrm>
+            <a:off x="6784731" y="6344335"/>
+            <a:ext cx="4819650" cy="246221"/>
+          </a:xfrm>
+          <a:prstGeom prst="rect">
+            <a:avLst/>
+          </a:prstGeom>
+        </p:spPr>
+        <p:txBody>
+          <a:bodyPr wrap="square">
+            <a:spAutoFit/>
+          </a:bodyPr>
+          <a:lstStyle/>
+          <a:p>
+            <a:r>
+              <a:rPr lang="ko-KR" altLang="en-US" sz="1000" dirty="0"/>
+              <a:t>https://itif.org/publications/2024/09/09/how-innovative-is-china-in-quantum/</a:t>
+            </a:r>
+          </a:p>
+        </p:txBody>
+      </p:sp>
+    </p:spTree>
+    <p:extLst>
+      <p:ext uri="{BB962C8B-B14F-4D97-AF65-F5344CB8AC3E}">
+        <p14:creationId xmlns:p14="http://schemas.microsoft.com/office/powerpoint/2010/main" val="90403874"/>
+      </p:ext>
+    </p:extLst>
+  </p:cSld>
+  <p:clrMapOvr>
+    <a:masterClrMapping/>
+  </p:clrMapOvr>
+</p:sld>
+</file>
+
+<file path=ppt/slides/slide3.xml><?xml version="1.0" encoding="utf-8"?>
 <p:sld xmlns:a="http://schemas.openxmlformats.org/drawingml/2006/main" xmlns:r="http://schemas.openxmlformats.org/officeDocument/2006/relationships" xmlns:p="http://schemas.openxmlformats.org/presentationml/2006/main">
   <p:cSld>
     <p:spTree>
@@ -14636,1253 +11731,7 @@
 </p:sld>
 </file>
 
-<file path=ppt/slides/slide3.xml><?xml version="1.0" encoding="utf-8"?>
-<p:sld xmlns:a="http://schemas.openxmlformats.org/drawingml/2006/main" xmlns:r="http://schemas.openxmlformats.org/officeDocument/2006/relationships" xmlns:p="http://schemas.openxmlformats.org/presentationml/2006/main">
-  <p:cSld>
-    <p:spTree>
-      <p:nvGrpSpPr>
-        <p:cNvPr id="1" name=""/>
-        <p:cNvGrpSpPr/>
-        <p:nvPr/>
-      </p:nvGrpSpPr>
-      <p:grpSpPr>
-        <a:xfrm>
-          <a:off x="0" y="0"/>
-          <a:ext cx="0" cy="0"/>
-          <a:chOff x="0" y="0"/>
-          <a:chExt cx="0" cy="0"/>
-        </a:xfrm>
-      </p:grpSpPr>
-      <p:sp>
-        <p:nvSpPr>
-          <p:cNvPr id="2" name="직사각형 1"/>
-          <p:cNvSpPr/>
-          <p:nvPr/>
-        </p:nvSpPr>
-        <p:spPr>
-          <a:xfrm>
-            <a:off x="0" y="174103"/>
-            <a:ext cx="12192000" cy="667265"/>
-          </a:xfrm>
-          <a:prstGeom prst="rect">
-            <a:avLst/>
-          </a:prstGeom>
-          <a:solidFill>
-            <a:schemeClr val="accent1">
-              <a:lumMod val="40000"/>
-              <a:lumOff val="60000"/>
-            </a:schemeClr>
-          </a:solidFill>
-          <a:ln>
-            <a:noFill/>
-          </a:ln>
-        </p:spPr>
-        <p:style>
-          <a:lnRef idx="2">
-            <a:schemeClr val="accent1">
-              <a:shade val="50000"/>
-            </a:schemeClr>
-          </a:lnRef>
-          <a:fillRef idx="1">
-            <a:schemeClr val="accent1"/>
-          </a:fillRef>
-          <a:effectRef idx="0">
-            <a:schemeClr val="accent1"/>
-          </a:effectRef>
-          <a:fontRef idx="minor">
-            <a:schemeClr val="lt1"/>
-          </a:fontRef>
-        </p:style>
-        <p:txBody>
-          <a:bodyPr rtlCol="0" anchor="ctr"/>
-          <a:lstStyle/>
-          <a:p>
-            <a:pPr algn="ctr"/>
-            <a:endParaRPr lang="ko-KR" altLang="en-US"/>
-          </a:p>
-        </p:txBody>
-      </p:sp>
-      <p:sp>
-        <p:nvSpPr>
-          <p:cNvPr id="3" name="TextBox 2"/>
-          <p:cNvSpPr txBox="1"/>
-          <p:nvPr/>
-        </p:nvSpPr>
-        <p:spPr>
-          <a:xfrm>
-            <a:off x="257907" y="276902"/>
-            <a:ext cx="9202616" cy="461665"/>
-          </a:xfrm>
-          <a:prstGeom prst="rect">
-            <a:avLst/>
-          </a:prstGeom>
-          <a:noFill/>
-        </p:spPr>
-        <p:txBody>
-          <a:bodyPr wrap="square" rtlCol="0">
-            <a:spAutoFit/>
-          </a:bodyPr>
-          <a:lstStyle/>
-          <a:p>
-            <a:r>
-              <a:rPr lang="en-US" altLang="ko-KR" sz="2400" b="1" dirty="0"/>
-              <a:t>Before we begin,,,</a:t>
-            </a:r>
-            <a:endParaRPr lang="ko-KR" altLang="en-US" sz="2400" b="1" dirty="0"/>
-          </a:p>
-        </p:txBody>
-      </p:sp>
-      <p:sp>
-        <p:nvSpPr>
-          <p:cNvPr id="4" name="직사각형 3"/>
-          <p:cNvSpPr/>
-          <p:nvPr/>
-        </p:nvSpPr>
-        <p:spPr>
-          <a:xfrm>
-            <a:off x="162657" y="1096476"/>
-            <a:ext cx="11441724" cy="1631216"/>
-          </a:xfrm>
-          <a:prstGeom prst="rect">
-            <a:avLst/>
-          </a:prstGeom>
-        </p:spPr>
-        <p:txBody>
-          <a:bodyPr wrap="square">
-            <a:spAutoFit/>
-          </a:bodyPr>
-          <a:lstStyle/>
-          <a:p>
-            <a:r>
-              <a:rPr lang="en-US" altLang="ko-KR" sz="2000" dirty="0"/>
-              <a:t>• What is Quantum Computer and why is it important?</a:t>
-            </a:r>
-          </a:p>
-          <a:p>
-            <a:endParaRPr lang="en-US" altLang="ko-KR" sz="2000" dirty="0"/>
-          </a:p>
-          <a:p>
-            <a:r>
-              <a:rPr lang="en-US" altLang="ko-KR" sz="2000" dirty="0"/>
-              <a:t>• The difference of quantum computer and classical computer. (Bit, Logic gate)</a:t>
-            </a:r>
-          </a:p>
-          <a:p>
-            <a:endParaRPr lang="en-US" altLang="ko-KR" sz="2000" dirty="0"/>
-          </a:p>
-          <a:p>
-            <a:r>
-              <a:rPr lang="en-US" altLang="ko-KR" sz="2000" dirty="0"/>
-              <a:t>• How logic gates are represented optically and why build optical computer? </a:t>
-            </a:r>
-            <a:endParaRPr lang="ko-KR" altLang="en-US" sz="2000" dirty="0"/>
-          </a:p>
-        </p:txBody>
-      </p:sp>
-      <p:pic>
-        <p:nvPicPr>
-          <p:cNvPr id="23" name="그림 22"/>
-          <p:cNvPicPr>
-            <a:picLocks noChangeAspect="1"/>
-          </p:cNvPicPr>
-          <p:nvPr/>
-        </p:nvPicPr>
-        <p:blipFill>
-          <a:blip r:embed="rId3"/>
-          <a:stretch>
-            <a:fillRect/>
-          </a:stretch>
-        </p:blipFill>
-        <p:spPr>
-          <a:xfrm>
-            <a:off x="569913" y="2847352"/>
-            <a:ext cx="6249987" cy="4010648"/>
-          </a:xfrm>
-          <a:prstGeom prst="rect">
-            <a:avLst/>
-          </a:prstGeom>
-        </p:spPr>
-      </p:pic>
-      <p:sp>
-        <p:nvSpPr>
-          <p:cNvPr id="24" name="직사각형 23"/>
-          <p:cNvSpPr/>
-          <p:nvPr/>
-        </p:nvSpPr>
-        <p:spPr>
-          <a:xfrm>
-            <a:off x="6784731" y="6344335"/>
-            <a:ext cx="4819650" cy="246221"/>
-          </a:xfrm>
-          <a:prstGeom prst="rect">
-            <a:avLst/>
-          </a:prstGeom>
-        </p:spPr>
-        <p:txBody>
-          <a:bodyPr wrap="square">
-            <a:spAutoFit/>
-          </a:bodyPr>
-          <a:lstStyle/>
-          <a:p>
-            <a:r>
-              <a:rPr lang="ko-KR" altLang="en-US" sz="1000" dirty="0"/>
-              <a:t>https://itif.org/publications/2024/09/09/how-innovative-is-china-in-quantum/</a:t>
-            </a:r>
-          </a:p>
-        </p:txBody>
-      </p:sp>
-    </p:spTree>
-    <p:extLst>
-      <p:ext uri="{BB962C8B-B14F-4D97-AF65-F5344CB8AC3E}">
-        <p14:creationId xmlns:p14="http://schemas.microsoft.com/office/powerpoint/2010/main" val="90403874"/>
-      </p:ext>
-    </p:extLst>
-  </p:cSld>
-  <p:clrMapOvr>
-    <a:masterClrMapping/>
-  </p:clrMapOvr>
-</p:sld>
-</file>
-
 <file path=ppt/slides/slide4.xml><?xml version="1.0" encoding="utf-8"?>
-<p:sld xmlns:a="http://schemas.openxmlformats.org/drawingml/2006/main" xmlns:r="http://schemas.openxmlformats.org/officeDocument/2006/relationships" xmlns:p="http://schemas.openxmlformats.org/presentationml/2006/main">
-  <p:cSld>
-    <p:spTree>
-      <p:nvGrpSpPr>
-        <p:cNvPr id="1" name=""/>
-        <p:cNvGrpSpPr/>
-        <p:nvPr/>
-      </p:nvGrpSpPr>
-      <p:grpSpPr>
-        <a:xfrm>
-          <a:off x="0" y="0"/>
-          <a:ext cx="0" cy="0"/>
-          <a:chOff x="0" y="0"/>
-          <a:chExt cx="0" cy="0"/>
-        </a:xfrm>
-      </p:grpSpPr>
-      <p:sp>
-        <p:nvSpPr>
-          <p:cNvPr id="22" name="직사각형 21"/>
-          <p:cNvSpPr/>
-          <p:nvPr/>
-        </p:nvSpPr>
-        <p:spPr>
-          <a:xfrm>
-            <a:off x="5370437" y="4199497"/>
-            <a:ext cx="5871546" cy="1787184"/>
-          </a:xfrm>
-          <a:prstGeom prst="rect">
-            <a:avLst/>
-          </a:prstGeom>
-          <a:solidFill>
-            <a:schemeClr val="accent1">
-              <a:lumMod val="20000"/>
-              <a:lumOff val="80000"/>
-            </a:schemeClr>
-          </a:solidFill>
-          <a:ln>
-            <a:noFill/>
-          </a:ln>
-        </p:spPr>
-        <p:style>
-          <a:lnRef idx="2">
-            <a:schemeClr val="accent1">
-              <a:shade val="50000"/>
-            </a:schemeClr>
-          </a:lnRef>
-          <a:fillRef idx="1">
-            <a:schemeClr val="accent1"/>
-          </a:fillRef>
-          <a:effectRef idx="0">
-            <a:schemeClr val="accent1"/>
-          </a:effectRef>
-          <a:fontRef idx="minor">
-            <a:schemeClr val="lt1"/>
-          </a:fontRef>
-        </p:style>
-        <p:txBody>
-          <a:bodyPr rtlCol="0" anchor="ctr"/>
-          <a:lstStyle/>
-          <a:p>
-            <a:pPr algn="ctr"/>
-            <a:endParaRPr lang="ko-KR" altLang="en-US"/>
-          </a:p>
-        </p:txBody>
-      </p:sp>
-      <p:sp>
-        <p:nvSpPr>
-          <p:cNvPr id="11" name="직사각형 10"/>
-          <p:cNvSpPr/>
-          <p:nvPr/>
-        </p:nvSpPr>
-        <p:spPr>
-          <a:xfrm>
-            <a:off x="5370437" y="2408195"/>
-            <a:ext cx="5124557" cy="1207284"/>
-          </a:xfrm>
-          <a:prstGeom prst="rect">
-            <a:avLst/>
-          </a:prstGeom>
-          <a:solidFill>
-            <a:schemeClr val="accent1">
-              <a:lumMod val="20000"/>
-              <a:lumOff val="80000"/>
-            </a:schemeClr>
-          </a:solidFill>
-          <a:ln>
-            <a:noFill/>
-          </a:ln>
-        </p:spPr>
-        <p:style>
-          <a:lnRef idx="2">
-            <a:schemeClr val="accent1">
-              <a:shade val="50000"/>
-            </a:schemeClr>
-          </a:lnRef>
-          <a:fillRef idx="1">
-            <a:schemeClr val="accent1"/>
-          </a:fillRef>
-          <a:effectRef idx="0">
-            <a:schemeClr val="accent1"/>
-          </a:effectRef>
-          <a:fontRef idx="minor">
-            <a:schemeClr val="lt1"/>
-          </a:fontRef>
-        </p:style>
-        <p:txBody>
-          <a:bodyPr rtlCol="0" anchor="ctr"/>
-          <a:lstStyle/>
-          <a:p>
-            <a:pPr algn="ctr"/>
-            <a:r>
-              <a:rPr lang="en-US" altLang="ko-KR" dirty="0"/>
-              <a:t> </a:t>
-            </a:r>
-            <a:endParaRPr lang="ko-KR" altLang="en-US" dirty="0"/>
-          </a:p>
-        </p:txBody>
-      </p:sp>
-      <p:sp>
-        <p:nvSpPr>
-          <p:cNvPr id="2" name="직사각형 1"/>
-          <p:cNvSpPr/>
-          <p:nvPr/>
-        </p:nvSpPr>
-        <p:spPr>
-          <a:xfrm>
-            <a:off x="0" y="174103"/>
-            <a:ext cx="12192000" cy="667265"/>
-          </a:xfrm>
-          <a:prstGeom prst="rect">
-            <a:avLst/>
-          </a:prstGeom>
-          <a:solidFill>
-            <a:schemeClr val="accent1">
-              <a:lumMod val="40000"/>
-              <a:lumOff val="60000"/>
-            </a:schemeClr>
-          </a:solidFill>
-          <a:ln>
-            <a:noFill/>
-          </a:ln>
-        </p:spPr>
-        <p:style>
-          <a:lnRef idx="2">
-            <a:schemeClr val="accent1">
-              <a:shade val="50000"/>
-            </a:schemeClr>
-          </a:lnRef>
-          <a:fillRef idx="1">
-            <a:schemeClr val="accent1"/>
-          </a:fillRef>
-          <a:effectRef idx="0">
-            <a:schemeClr val="accent1"/>
-          </a:effectRef>
-          <a:fontRef idx="minor">
-            <a:schemeClr val="lt1"/>
-          </a:fontRef>
-        </p:style>
-        <p:txBody>
-          <a:bodyPr rtlCol="0" anchor="ctr"/>
-          <a:lstStyle/>
-          <a:p>
-            <a:pPr algn="ctr"/>
-            <a:endParaRPr lang="ko-KR" altLang="en-US"/>
-          </a:p>
-        </p:txBody>
-      </p:sp>
-      <p:sp>
-        <p:nvSpPr>
-          <p:cNvPr id="3" name="TextBox 2"/>
-          <p:cNvSpPr txBox="1"/>
-          <p:nvPr/>
-        </p:nvSpPr>
-        <p:spPr>
-          <a:xfrm>
-            <a:off x="257907" y="276902"/>
-            <a:ext cx="9202616" cy="461665"/>
-          </a:xfrm>
-          <a:prstGeom prst="rect">
-            <a:avLst/>
-          </a:prstGeom>
-          <a:noFill/>
-        </p:spPr>
-        <p:txBody>
-          <a:bodyPr wrap="square" rtlCol="0">
-            <a:spAutoFit/>
-          </a:bodyPr>
-          <a:lstStyle/>
-          <a:p>
-            <a:r>
-              <a:rPr lang="en-US" altLang="ko-KR" sz="2400" b="1" dirty="0"/>
-              <a:t>What is Quantum Computer?</a:t>
-            </a:r>
-            <a:endParaRPr lang="ko-KR" altLang="en-US" sz="2400" b="1" dirty="0"/>
-          </a:p>
-        </p:txBody>
-      </p:sp>
-      <p:sp>
-        <p:nvSpPr>
-          <p:cNvPr id="4" name="직사각형 3"/>
-          <p:cNvSpPr/>
-          <p:nvPr/>
-        </p:nvSpPr>
-        <p:spPr>
-          <a:xfrm>
-            <a:off x="257907" y="1136804"/>
-            <a:ext cx="11441724" cy="646331"/>
-          </a:xfrm>
-          <a:prstGeom prst="rect">
-            <a:avLst/>
-          </a:prstGeom>
-        </p:spPr>
-        <p:txBody>
-          <a:bodyPr wrap="square">
-            <a:spAutoFit/>
-          </a:bodyPr>
-          <a:lstStyle/>
-          <a:p>
-            <a:r>
-              <a:rPr lang="en-US" altLang="ko-KR" b="1" dirty="0"/>
-              <a:t>Quantum computer </a:t>
-            </a:r>
-            <a:r>
-              <a:rPr lang="en-US" altLang="ko-KR" dirty="0"/>
-              <a:t>harnesses </a:t>
-            </a:r>
-            <a:r>
-              <a:rPr lang="en-US" altLang="ko-KR" b="1" dirty="0"/>
-              <a:t>the principles of Quantum Mechanics </a:t>
-            </a:r>
-            <a:r>
-              <a:rPr lang="en-US" altLang="ko-KR" dirty="0"/>
-              <a:t>to solve complex problems that classical computers are unable to resolve in a timely or efficient manner.</a:t>
-            </a:r>
-            <a:endParaRPr lang="ko-KR" altLang="en-US" sz="2000" dirty="0"/>
-          </a:p>
-        </p:txBody>
-      </p:sp>
-      <p:pic>
-        <p:nvPicPr>
-          <p:cNvPr id="1026" name="Picture 2" descr="A quantum computer showing a complex design with multiple layers of gold cylindrical plates and connectors."/>
-          <p:cNvPicPr>
-            <a:picLocks noChangeAspect="1" noChangeArrowheads="1"/>
-          </p:cNvPicPr>
-          <p:nvPr/>
-        </p:nvPicPr>
-        <p:blipFill>
-          <a:blip r:embed="rId3" cstate="print">
-            <a:extLst>
-              <a:ext uri="{28A0092B-C50C-407E-A947-70E740481C1C}">
-                <a14:useLocalDpi xmlns:a14="http://schemas.microsoft.com/office/drawing/2010/main" val="0"/>
-              </a:ext>
-            </a:extLst>
-          </a:blip>
-          <a:srcRect/>
-          <a:stretch>
-            <a:fillRect/>
-          </a:stretch>
-        </p:blipFill>
-        <p:spPr bwMode="auto">
-          <a:xfrm>
-            <a:off x="1328415" y="2042432"/>
-            <a:ext cx="2771474" cy="4154324"/>
-          </a:xfrm>
-          <a:prstGeom prst="rect">
-            <a:avLst/>
-          </a:prstGeom>
-          <a:noFill/>
-          <a:extLst>
-            <a:ext uri="{909E8E84-426E-40DD-AFC4-6F175D3DCCD1}">
-              <a14:hiddenFill xmlns:a14="http://schemas.microsoft.com/office/drawing/2010/main">
-                <a:solidFill>
-                  <a:srgbClr val="FFFFFF"/>
-                </a:solidFill>
-              </a14:hiddenFill>
-            </a:ext>
-          </a:extLst>
-        </p:spPr>
-      </p:pic>
-      <p:sp>
-        <p:nvSpPr>
-          <p:cNvPr id="5" name="직사각형 4"/>
-          <p:cNvSpPr/>
-          <p:nvPr/>
-        </p:nvSpPr>
-        <p:spPr>
-          <a:xfrm>
-            <a:off x="445476" y="6405935"/>
-            <a:ext cx="9015047" cy="246221"/>
-          </a:xfrm>
-          <a:prstGeom prst="rect">
-            <a:avLst/>
-          </a:prstGeom>
-        </p:spPr>
-        <p:txBody>
-          <a:bodyPr wrap="square">
-            <a:spAutoFit/>
-          </a:bodyPr>
-          <a:lstStyle/>
-          <a:p>
-            <a:r>
-              <a:rPr lang="ko-KR" altLang="en-US" sz="1000" dirty="0"/>
-              <a:t>https://www.japan.go.jp/kizuna/2024/03/100000_qubit_quantum_computer.html</a:t>
-            </a:r>
-          </a:p>
-        </p:txBody>
-      </p:sp>
-      <p:sp>
-        <p:nvSpPr>
-          <p:cNvPr id="8" name="직사각형 7"/>
-          <p:cNvSpPr/>
-          <p:nvPr/>
-        </p:nvSpPr>
-        <p:spPr>
-          <a:xfrm>
-            <a:off x="5370437" y="1929775"/>
-            <a:ext cx="6447948" cy="1508105"/>
-          </a:xfrm>
-          <a:prstGeom prst="rect">
-            <a:avLst/>
-          </a:prstGeom>
-        </p:spPr>
-        <p:txBody>
-          <a:bodyPr wrap="square">
-            <a:spAutoFit/>
-          </a:bodyPr>
-          <a:lstStyle/>
-          <a:p>
-            <a:r>
-              <a:rPr lang="en-US" altLang="ko-KR" sz="2000" b="1" dirty="0"/>
-              <a:t>The principles of Quantum Mechanics</a:t>
-            </a:r>
-          </a:p>
-          <a:p>
-            <a:endParaRPr lang="en-US" altLang="ko-KR" b="1" dirty="0"/>
-          </a:p>
-          <a:p>
-            <a:r>
-              <a:rPr lang="en-US" altLang="ko-KR" dirty="0"/>
-              <a:t>   1. </a:t>
-            </a:r>
-            <a:r>
-              <a:rPr lang="en-US" altLang="ko-KR" b="1" dirty="0"/>
-              <a:t>Superposition        </a:t>
-            </a:r>
-            <a:r>
-              <a:rPr lang="en-US" altLang="ko-KR" dirty="0"/>
-              <a:t>3. </a:t>
-            </a:r>
-            <a:r>
-              <a:rPr lang="en-US" altLang="ko-KR" dirty="0" err="1"/>
-              <a:t>Decoherence</a:t>
-            </a:r>
-            <a:endParaRPr lang="en-US" altLang="ko-KR" dirty="0"/>
-          </a:p>
-          <a:p>
-            <a:endParaRPr lang="en-US" altLang="ko-KR" b="1" dirty="0"/>
-          </a:p>
-          <a:p>
-            <a:r>
-              <a:rPr lang="en-US" altLang="ko-KR" dirty="0"/>
-              <a:t>   2. </a:t>
-            </a:r>
-            <a:r>
-              <a:rPr lang="en-US" altLang="ko-KR" b="1" dirty="0"/>
-              <a:t>Entanglement        </a:t>
-            </a:r>
-            <a:r>
-              <a:rPr lang="en-US" altLang="ko-KR" dirty="0"/>
-              <a:t>4. Interference</a:t>
-            </a:r>
-            <a:endParaRPr lang="ko-KR" altLang="en-US" dirty="0"/>
-          </a:p>
-        </p:txBody>
-      </p:sp>
-      <mc:AlternateContent xmlns:mc="http://schemas.openxmlformats.org/markup-compatibility/2006" xmlns:a14="http://schemas.microsoft.com/office/drawing/2010/main">
-        <mc:Choice Requires="a14">
-          <p:sp>
-            <p:nvSpPr>
-              <p:cNvPr id="7" name="직사각형 6"/>
-              <p:cNvSpPr/>
-              <p:nvPr/>
-            </p:nvSpPr>
-            <p:spPr>
-              <a:xfrm>
-                <a:off x="5559860" y="6041876"/>
-                <a:ext cx="4935134" cy="545662"/>
-              </a:xfrm>
-              <a:prstGeom prst="rect">
-                <a:avLst/>
-              </a:prstGeom>
-            </p:spPr>
-            <p:txBody>
-              <a:bodyPr wrap="none">
-                <a:spAutoFit/>
-              </a:bodyPr>
-              <a:lstStyle/>
-              <a:p>
-                <a14:m>
-                  <m:oMath xmlns:m="http://schemas.openxmlformats.org/officeDocument/2006/math">
-                    <m:r>
-                      <m:rPr>
-                        <m:nor/>
-                      </m:rPr>
-                      <a:rPr lang="ko-KR" altLang="en-US" sz="2000" dirty="0" smtClean="0">
-                        <a:latin typeface="Cambria Math" panose="02040503050406030204" pitchFamily="18" charset="0"/>
-                      </a:rPr>
-                      <m:t>∣</m:t>
-                    </m:r>
-                    <m:r>
-                      <m:rPr>
-                        <m:nor/>
-                      </m:rPr>
-                      <a:rPr lang="el-GR" altLang="ko-KR" sz="2000" smtClean="0">
-                        <a:latin typeface="Cambria Math" panose="02040503050406030204" pitchFamily="18" charset="0"/>
-                        <a:ea typeface="Cambria Math" panose="02040503050406030204" pitchFamily="18" charset="0"/>
-                      </a:rPr>
-                      <m:t>ψ</m:t>
-                    </m:r>
-                    <m:r>
-                      <m:rPr>
-                        <m:nor/>
-                      </m:rPr>
-                      <a:rPr lang="en-US" altLang="ko-KR" sz="2000" dirty="0" smtClean="0">
-                        <a:latin typeface="Cambria Math" panose="02040503050406030204" pitchFamily="18" charset="0"/>
-                        <a:ea typeface="Cambria Math" panose="02040503050406030204" pitchFamily="18" charset="0"/>
-                      </a:rPr>
-                      <m:t>⟩=</m:t>
-                    </m:r>
-                    <m:f>
-                      <m:fPr>
-                        <m:ctrlPr>
-                          <a:rPr lang="en-US" altLang="ko-KR" sz="2000" i="1" dirty="0" smtClean="0">
-                            <a:latin typeface="Cambria Math" panose="02040503050406030204" pitchFamily="18" charset="0"/>
-                            <a:ea typeface="Cambria Math" panose="02040503050406030204" pitchFamily="18" charset="0"/>
-                          </a:rPr>
-                        </m:ctrlPr>
-                      </m:fPr>
-                      <m:num>
-                        <m:r>
-                          <a:rPr lang="en-US" altLang="ko-KR" sz="2000" b="0" i="1" dirty="0" smtClean="0">
-                            <a:latin typeface="Cambria Math" panose="02040503050406030204" pitchFamily="18" charset="0"/>
-                            <a:ea typeface="Cambria Math" panose="02040503050406030204" pitchFamily="18" charset="0"/>
-                          </a:rPr>
-                          <m:t>1</m:t>
-                        </m:r>
-                      </m:num>
-                      <m:den>
-                        <m:rad>
-                          <m:radPr>
-                            <m:degHide m:val="on"/>
-                            <m:ctrlPr>
-                              <a:rPr lang="en-US" altLang="ko-KR" sz="2000" i="1" dirty="0" smtClean="0">
-                                <a:latin typeface="Cambria Math" panose="02040503050406030204" pitchFamily="18" charset="0"/>
-                                <a:ea typeface="Cambria Math" panose="02040503050406030204" pitchFamily="18" charset="0"/>
-                              </a:rPr>
-                            </m:ctrlPr>
-                          </m:radPr>
-                          <m:deg/>
-                          <m:e>
-                            <m:r>
-                              <a:rPr lang="en-US" altLang="ko-KR" sz="2000" b="0" i="1" dirty="0" smtClean="0">
-                                <a:latin typeface="Cambria Math" panose="02040503050406030204" pitchFamily="18" charset="0"/>
-                                <a:ea typeface="Cambria Math" panose="02040503050406030204" pitchFamily="18" charset="0"/>
-                              </a:rPr>
-                              <m:t>2</m:t>
-                            </m:r>
-                          </m:e>
-                        </m:rad>
-                      </m:den>
-                    </m:f>
-                    <m:r>
-                      <m:rPr>
-                        <m:nor/>
-                      </m:rPr>
-                      <a:rPr lang="ko-KR" altLang="en-US" sz="2000" dirty="0" smtClean="0">
-                        <a:latin typeface="Cambria Math" panose="02040503050406030204" pitchFamily="18" charset="0"/>
-                      </a:rPr>
-                      <m:t>∣</m:t>
-                    </m:r>
-                    <m:r>
-                      <m:rPr>
-                        <m:nor/>
-                      </m:rPr>
-                      <a:rPr lang="en-US" altLang="ko-KR" sz="2000" b="0" i="0" dirty="0" smtClean="0">
-                        <a:latin typeface="Cambria Math" panose="02040503050406030204" pitchFamily="18" charset="0"/>
-                      </a:rPr>
-                      <m:t>decay</m:t>
-                    </m:r>
-                    <m:r>
-                      <m:rPr>
-                        <m:nor/>
-                      </m:rPr>
-                      <a:rPr lang="en-US" altLang="ko-KR" sz="2000" dirty="0" smtClean="0">
-                        <a:latin typeface="Cambria Math" panose="02040503050406030204" pitchFamily="18" charset="0"/>
-                        <a:ea typeface="Cambria Math" panose="02040503050406030204" pitchFamily="18" charset="0"/>
-                      </a:rPr>
-                      <m:t>⟩</m:t>
-                    </m:r>
-                    <m:r>
-                      <m:rPr>
-                        <m:nor/>
-                      </m:rPr>
-                      <a:rPr lang="ko-KR" altLang="en-US" sz="2000" dirty="0">
-                        <a:latin typeface="Cambria Math" panose="02040503050406030204" pitchFamily="18" charset="0"/>
-                      </a:rPr>
-                      <m:t>∣</m:t>
-                    </m:r>
-                    <m:r>
-                      <m:rPr>
-                        <m:nor/>
-                      </m:rPr>
-                      <a:rPr lang="en-US" altLang="ko-KR" sz="2000" b="0" i="0" dirty="0" smtClean="0">
-                        <a:latin typeface="Cambria Math" panose="02040503050406030204" pitchFamily="18" charset="0"/>
-                      </a:rPr>
-                      <m:t>dead</m:t>
-                    </m:r>
-                    <m:r>
-                      <m:rPr>
-                        <m:nor/>
-                      </m:rPr>
-                      <a:rPr lang="en-US" altLang="ko-KR" sz="2000" dirty="0">
-                        <a:latin typeface="Cambria Math" panose="02040503050406030204" pitchFamily="18" charset="0"/>
-                        <a:ea typeface="Cambria Math" panose="02040503050406030204" pitchFamily="18" charset="0"/>
-                      </a:rPr>
-                      <m:t>⟩</m:t>
-                    </m:r>
-                  </m:oMath>
-                </a14:m>
-                <a:r>
-                  <a:rPr lang="en-US" altLang="ko-KR" sz="2000" dirty="0">
-                    <a:latin typeface="Cambria Math" panose="02040503050406030204" pitchFamily="18" charset="0"/>
-                    <a:ea typeface="Cambria Math" panose="02040503050406030204" pitchFamily="18" charset="0"/>
-                  </a:rPr>
-                  <a:t>+</a:t>
-                </a:r>
-                <a14:m>
-                  <m:oMath xmlns:m="http://schemas.openxmlformats.org/officeDocument/2006/math">
-                    <m:f>
-                      <m:fPr>
-                        <m:ctrlPr>
-                          <a:rPr lang="en-US" altLang="ko-KR" sz="2000" i="1" dirty="0" smtClean="0">
-                            <a:latin typeface="Cambria Math" panose="02040503050406030204" pitchFamily="18" charset="0"/>
-                            <a:ea typeface="Cambria Math" panose="02040503050406030204" pitchFamily="18" charset="0"/>
-                          </a:rPr>
-                        </m:ctrlPr>
-                      </m:fPr>
-                      <m:num>
-                        <m:r>
-                          <a:rPr lang="en-US" altLang="ko-KR" sz="2000" b="0" i="1" dirty="0" smtClean="0">
-                            <a:latin typeface="Cambria Math" panose="02040503050406030204" pitchFamily="18" charset="0"/>
-                            <a:ea typeface="Cambria Math" panose="02040503050406030204" pitchFamily="18" charset="0"/>
-                          </a:rPr>
-                          <m:t>1</m:t>
-                        </m:r>
-                      </m:num>
-                      <m:den>
-                        <m:rad>
-                          <m:radPr>
-                            <m:degHide m:val="on"/>
-                            <m:ctrlPr>
-                              <a:rPr lang="en-US" altLang="ko-KR" sz="2000" i="1" dirty="0" smtClean="0">
-                                <a:latin typeface="Cambria Math" panose="02040503050406030204" pitchFamily="18" charset="0"/>
-                                <a:ea typeface="Cambria Math" panose="02040503050406030204" pitchFamily="18" charset="0"/>
-                              </a:rPr>
-                            </m:ctrlPr>
-                          </m:radPr>
-                          <m:deg/>
-                          <m:e>
-                            <m:r>
-                              <a:rPr lang="en-US" altLang="ko-KR" sz="2000" b="0" i="1" dirty="0" smtClean="0">
-                                <a:latin typeface="Cambria Math" panose="02040503050406030204" pitchFamily="18" charset="0"/>
-                                <a:ea typeface="Cambria Math" panose="02040503050406030204" pitchFamily="18" charset="0"/>
-                              </a:rPr>
-                              <m:t>2</m:t>
-                            </m:r>
-                          </m:e>
-                        </m:rad>
-                      </m:den>
-                    </m:f>
-                    <m:r>
-                      <m:rPr>
-                        <m:nor/>
-                      </m:rPr>
-                      <a:rPr lang="ko-KR" altLang="en-US" sz="2000" dirty="0" smtClean="0">
-                        <a:latin typeface="Cambria Math" panose="02040503050406030204" pitchFamily="18" charset="0"/>
-                      </a:rPr>
-                      <m:t>∣</m:t>
-                    </m:r>
-                    <m:r>
-                      <m:rPr>
-                        <m:nor/>
-                      </m:rPr>
-                      <a:rPr lang="en-US" altLang="ko-KR" sz="2000" b="0" i="0" dirty="0" smtClean="0">
-                        <a:latin typeface="Cambria Math" panose="02040503050406030204" pitchFamily="18" charset="0"/>
-                      </a:rPr>
-                      <m:t>no</m:t>
-                    </m:r>
-                    <m:r>
-                      <m:rPr>
-                        <m:nor/>
-                      </m:rPr>
-                      <a:rPr lang="en-US" altLang="ko-KR" sz="2000" b="0" i="0" dirty="0" smtClean="0">
-                        <a:latin typeface="Cambria Math" panose="02040503050406030204" pitchFamily="18" charset="0"/>
-                      </a:rPr>
-                      <m:t>−</m:t>
-                    </m:r>
-                    <m:r>
-                      <m:rPr>
-                        <m:nor/>
-                      </m:rPr>
-                      <a:rPr lang="en-US" altLang="ko-KR" sz="2000" b="0" i="0" dirty="0" smtClean="0">
-                        <a:latin typeface="Cambria Math" panose="02040503050406030204" pitchFamily="18" charset="0"/>
-                      </a:rPr>
-                      <m:t>decay</m:t>
-                    </m:r>
-                    <m:r>
-                      <m:rPr>
-                        <m:nor/>
-                      </m:rPr>
-                      <a:rPr lang="en-US" altLang="ko-KR" sz="2000" dirty="0" smtClean="0">
-                        <a:latin typeface="Cambria Math" panose="02040503050406030204" pitchFamily="18" charset="0"/>
-                        <a:ea typeface="Cambria Math" panose="02040503050406030204" pitchFamily="18" charset="0"/>
-                      </a:rPr>
-                      <m:t>⟩</m:t>
-                    </m:r>
-                    <m:r>
-                      <m:rPr>
-                        <m:nor/>
-                      </m:rPr>
-                      <a:rPr lang="ko-KR" altLang="en-US" sz="2000" dirty="0">
-                        <a:latin typeface="Cambria Math" panose="02040503050406030204" pitchFamily="18" charset="0"/>
-                      </a:rPr>
-                      <m:t>∣</m:t>
-                    </m:r>
-                    <m:r>
-                      <m:rPr>
-                        <m:nor/>
-                      </m:rPr>
-                      <a:rPr lang="en-US" altLang="ko-KR" sz="2000" b="0" i="0" dirty="0" smtClean="0">
-                        <a:latin typeface="Cambria Math" panose="02040503050406030204" pitchFamily="18" charset="0"/>
-                      </a:rPr>
-                      <m:t>alive</m:t>
-                    </m:r>
-                    <m:r>
-                      <m:rPr>
-                        <m:nor/>
-                      </m:rPr>
-                      <a:rPr lang="en-US" altLang="ko-KR" sz="2000" dirty="0">
-                        <a:latin typeface="Cambria Math" panose="02040503050406030204" pitchFamily="18" charset="0"/>
-                        <a:ea typeface="Cambria Math" panose="02040503050406030204" pitchFamily="18" charset="0"/>
-                      </a:rPr>
-                      <m:t>⟩</m:t>
-                    </m:r>
-                  </m:oMath>
-                </a14:m>
-                <a:r>
-                  <a:rPr lang="ko-KR" altLang="en-US" sz="2000" dirty="0">
-                    <a:latin typeface="Cambria Math" panose="02040503050406030204" pitchFamily="18" charset="0"/>
-                  </a:rPr>
-                  <a:t> </a:t>
-                </a:r>
-              </a:p>
-            </p:txBody>
-          </p:sp>
-        </mc:Choice>
-        <mc:Fallback xmlns="">
-          <p:sp>
-            <p:nvSpPr>
-              <p:cNvPr id="7" name="직사각형 6"/>
-              <p:cNvSpPr>
-                <a:spLocks noRot="1" noChangeAspect="1" noMove="1" noResize="1" noEditPoints="1" noAdjustHandles="1" noChangeArrowheads="1" noChangeShapeType="1" noTextEdit="1"/>
-              </p:cNvSpPr>
-              <p:nvPr/>
-            </p:nvSpPr>
-            <p:spPr>
-              <a:xfrm>
-                <a:off x="5559860" y="6041876"/>
-                <a:ext cx="4935134" cy="545662"/>
-              </a:xfrm>
-              <a:prstGeom prst="rect">
-                <a:avLst/>
-              </a:prstGeom>
-              <a:blipFill>
-                <a:blip r:embed="rId4"/>
-                <a:stretch>
-                  <a:fillRect l="-123" b="-2222"/>
-                </a:stretch>
-              </a:blipFill>
-            </p:spPr>
-            <p:txBody>
-              <a:bodyPr/>
-              <a:lstStyle/>
-              <a:p>
-                <a:r>
-                  <a:rPr lang="ko-KR" altLang="en-US">
-                    <a:noFill/>
-                  </a:rPr>
-                  <a:t> </a:t>
-                </a:r>
-              </a:p>
-            </p:txBody>
-          </p:sp>
-        </mc:Fallback>
-      </mc:AlternateContent>
-      <p:sp>
-        <p:nvSpPr>
-          <p:cNvPr id="9" name="직사각형 8"/>
-          <p:cNvSpPr/>
-          <p:nvPr/>
-        </p:nvSpPr>
-        <p:spPr>
-          <a:xfrm>
-            <a:off x="5370437" y="3751694"/>
-            <a:ext cx="6045566" cy="369332"/>
-          </a:xfrm>
-          <a:prstGeom prst="rect">
-            <a:avLst/>
-          </a:prstGeom>
-        </p:spPr>
-        <p:txBody>
-          <a:bodyPr wrap="none">
-            <a:spAutoFit/>
-          </a:bodyPr>
-          <a:lstStyle/>
-          <a:p>
-            <a:r>
-              <a:rPr lang="en-US" altLang="ko-KR" b="1" dirty="0"/>
-              <a:t>Schrödinger's Cat (A simple way to understand Q.M.)</a:t>
-            </a:r>
-          </a:p>
-        </p:txBody>
-      </p:sp>
-      <p:pic>
-        <p:nvPicPr>
-          <p:cNvPr id="10" name="그림 9"/>
-          <p:cNvPicPr>
-            <a:picLocks noChangeAspect="1"/>
-          </p:cNvPicPr>
-          <p:nvPr/>
-        </p:nvPicPr>
-        <p:blipFill>
-          <a:blip r:embed="rId5" cstate="print">
-            <a:extLst>
-              <a:ext uri="{28A0092B-C50C-407E-A947-70E740481C1C}">
-                <a14:useLocalDpi xmlns:a14="http://schemas.microsoft.com/office/drawing/2010/main" val="0"/>
-              </a:ext>
-            </a:extLst>
-          </a:blip>
-          <a:stretch>
-            <a:fillRect/>
-          </a:stretch>
-        </p:blipFill>
-        <p:spPr>
-          <a:xfrm>
-            <a:off x="8303892" y="4416706"/>
-            <a:ext cx="1064699" cy="1064699"/>
-          </a:xfrm>
-          <a:prstGeom prst="rect">
-            <a:avLst/>
-          </a:prstGeom>
-        </p:spPr>
-      </p:pic>
-      <p:pic>
-        <p:nvPicPr>
-          <p:cNvPr id="13" name="그림 12"/>
-          <p:cNvPicPr>
-            <a:picLocks noChangeAspect="1"/>
-          </p:cNvPicPr>
-          <p:nvPr/>
-        </p:nvPicPr>
-        <p:blipFill>
-          <a:blip r:embed="rId6" cstate="print">
-            <a:extLst>
-              <a:ext uri="{28A0092B-C50C-407E-A947-70E740481C1C}">
-                <a14:useLocalDpi xmlns:a14="http://schemas.microsoft.com/office/drawing/2010/main" val="0"/>
-              </a:ext>
-            </a:extLst>
-          </a:blip>
-          <a:stretch>
-            <a:fillRect/>
-          </a:stretch>
-        </p:blipFill>
-        <p:spPr>
-          <a:xfrm>
-            <a:off x="5988757" y="4401559"/>
-            <a:ext cx="1144554" cy="1144554"/>
-          </a:xfrm>
-          <a:prstGeom prst="rect">
-            <a:avLst/>
-          </a:prstGeom>
-        </p:spPr>
-      </p:pic>
-      <p:sp>
-        <p:nvSpPr>
-          <p:cNvPr id="14" name="오른쪽 화살표 13"/>
-          <p:cNvSpPr/>
-          <p:nvPr/>
-        </p:nvSpPr>
-        <p:spPr>
-          <a:xfrm>
-            <a:off x="7366917" y="4866491"/>
-            <a:ext cx="768211" cy="317079"/>
-          </a:xfrm>
-          <a:prstGeom prst="rightArrow">
-            <a:avLst/>
-          </a:prstGeom>
-          <a:solidFill>
-            <a:schemeClr val="tx1"/>
-          </a:solidFill>
-          <a:ln>
-            <a:solidFill>
-              <a:schemeClr val="tx1"/>
-            </a:solidFill>
-          </a:ln>
-        </p:spPr>
-        <p:style>
-          <a:lnRef idx="2">
-            <a:schemeClr val="accent1">
-              <a:shade val="50000"/>
-            </a:schemeClr>
-          </a:lnRef>
-          <a:fillRef idx="1">
-            <a:schemeClr val="accent1"/>
-          </a:fillRef>
-          <a:effectRef idx="0">
-            <a:schemeClr val="accent1"/>
-          </a:effectRef>
-          <a:fontRef idx="minor">
-            <a:schemeClr val="lt1"/>
-          </a:fontRef>
-        </p:style>
-        <p:txBody>
-          <a:bodyPr rtlCol="0" anchor="ctr"/>
-          <a:lstStyle/>
-          <a:p>
-            <a:pPr algn="ctr"/>
-            <a:endParaRPr lang="ko-KR" altLang="en-US"/>
-          </a:p>
-        </p:txBody>
-      </p:sp>
-      <p:sp>
-        <p:nvSpPr>
-          <p:cNvPr id="17" name="오른쪽 화살표 16"/>
-          <p:cNvSpPr/>
-          <p:nvPr/>
-        </p:nvSpPr>
-        <p:spPr>
-          <a:xfrm rot="1899541">
-            <a:off x="9448437" y="5311234"/>
-            <a:ext cx="768211" cy="340341"/>
-          </a:xfrm>
-          <a:prstGeom prst="rightArrow">
-            <a:avLst/>
-          </a:prstGeom>
-          <a:solidFill>
-            <a:schemeClr val="tx1"/>
-          </a:solidFill>
-          <a:ln>
-            <a:solidFill>
-              <a:schemeClr val="tx1"/>
-            </a:solidFill>
-          </a:ln>
-        </p:spPr>
-        <p:style>
-          <a:lnRef idx="2">
-            <a:schemeClr val="accent1">
-              <a:shade val="50000"/>
-            </a:schemeClr>
-          </a:lnRef>
-          <a:fillRef idx="1">
-            <a:schemeClr val="accent1"/>
-          </a:fillRef>
-          <a:effectRef idx="0">
-            <a:schemeClr val="accent1"/>
-          </a:effectRef>
-          <a:fontRef idx="minor">
-            <a:schemeClr val="lt1"/>
-          </a:fontRef>
-        </p:style>
-        <p:txBody>
-          <a:bodyPr rtlCol="0" anchor="ctr"/>
-          <a:lstStyle/>
-          <a:p>
-            <a:pPr algn="ctr"/>
-            <a:endParaRPr lang="ko-KR" altLang="en-US"/>
-          </a:p>
-        </p:txBody>
-      </p:sp>
-      <p:sp>
-        <p:nvSpPr>
-          <p:cNvPr id="18" name="오른쪽 화살표 17"/>
-          <p:cNvSpPr/>
-          <p:nvPr/>
-        </p:nvSpPr>
-        <p:spPr>
-          <a:xfrm rot="20021873">
-            <a:off x="9455975" y="4513029"/>
-            <a:ext cx="768211" cy="340341"/>
-          </a:xfrm>
-          <a:prstGeom prst="rightArrow">
-            <a:avLst/>
-          </a:prstGeom>
-          <a:solidFill>
-            <a:schemeClr val="tx1"/>
-          </a:solidFill>
-          <a:ln>
-            <a:solidFill>
-              <a:schemeClr val="tx1"/>
-            </a:solidFill>
-          </a:ln>
-        </p:spPr>
-        <p:style>
-          <a:lnRef idx="2">
-            <a:schemeClr val="accent1">
-              <a:shade val="50000"/>
-            </a:schemeClr>
-          </a:lnRef>
-          <a:fillRef idx="1">
-            <a:schemeClr val="accent1"/>
-          </a:fillRef>
-          <a:effectRef idx="0">
-            <a:schemeClr val="accent1"/>
-          </a:effectRef>
-          <a:fontRef idx="minor">
-            <a:schemeClr val="lt1"/>
-          </a:fontRef>
-        </p:style>
-        <p:txBody>
-          <a:bodyPr rtlCol="0" anchor="ctr"/>
-          <a:lstStyle/>
-          <a:p>
-            <a:pPr algn="ctr"/>
-            <a:endParaRPr lang="ko-KR" altLang="en-US"/>
-          </a:p>
-        </p:txBody>
-      </p:sp>
-      <p:sp>
-        <p:nvSpPr>
-          <p:cNvPr id="15" name="직사각형 14"/>
-          <p:cNvSpPr/>
-          <p:nvPr/>
-        </p:nvSpPr>
-        <p:spPr>
-          <a:xfrm>
-            <a:off x="10311570" y="4359948"/>
-            <a:ext cx="817916" cy="369332"/>
-          </a:xfrm>
-          <a:prstGeom prst="rect">
-            <a:avLst/>
-          </a:prstGeom>
-        </p:spPr>
-        <p:txBody>
-          <a:bodyPr wrap="none">
-            <a:spAutoFit/>
-          </a:bodyPr>
-          <a:lstStyle/>
-          <a:p>
-            <a:r>
-              <a:rPr lang="en-US" altLang="ko-KR" b="1" dirty="0"/>
-              <a:t>DEAD</a:t>
-            </a:r>
-            <a:endParaRPr lang="ko-KR" altLang="en-US" dirty="0"/>
-          </a:p>
-        </p:txBody>
-      </p:sp>
-      <p:sp>
-        <p:nvSpPr>
-          <p:cNvPr id="20" name="직사각형 19"/>
-          <p:cNvSpPr/>
-          <p:nvPr/>
-        </p:nvSpPr>
-        <p:spPr>
-          <a:xfrm>
-            <a:off x="10311570" y="5479597"/>
-            <a:ext cx="817853" cy="369332"/>
-          </a:xfrm>
-          <a:prstGeom prst="rect">
-            <a:avLst/>
-          </a:prstGeom>
-        </p:spPr>
-        <p:txBody>
-          <a:bodyPr wrap="none">
-            <a:spAutoFit/>
-          </a:bodyPr>
-          <a:lstStyle/>
-          <a:p>
-            <a:r>
-              <a:rPr lang="en-US" altLang="ko-KR" b="1" dirty="0"/>
-              <a:t>ALIVE</a:t>
-            </a:r>
-            <a:endParaRPr lang="ko-KR" altLang="en-US" dirty="0"/>
-          </a:p>
-        </p:txBody>
-      </p:sp>
-      <p:sp>
-        <p:nvSpPr>
-          <p:cNvPr id="21" name="직사각형 20"/>
-          <p:cNvSpPr/>
-          <p:nvPr/>
-        </p:nvSpPr>
-        <p:spPr>
-          <a:xfrm>
-            <a:off x="5428127" y="5540841"/>
-            <a:ext cx="2265813" cy="369332"/>
-          </a:xfrm>
-          <a:prstGeom prst="rect">
-            <a:avLst/>
-          </a:prstGeom>
-        </p:spPr>
-        <p:txBody>
-          <a:bodyPr wrap="none">
-            <a:spAutoFit/>
-          </a:bodyPr>
-          <a:lstStyle/>
-          <a:p>
-            <a:r>
-              <a:rPr lang="en-US" altLang="ko-KR" b="1" dirty="0"/>
-              <a:t>Break down or not</a:t>
-            </a:r>
-            <a:endParaRPr lang="ko-KR" altLang="en-US" dirty="0"/>
-          </a:p>
-        </p:txBody>
-      </p:sp>
-    </p:spTree>
-    <p:extLst>
-      <p:ext uri="{BB962C8B-B14F-4D97-AF65-F5344CB8AC3E}">
-        <p14:creationId xmlns:p14="http://schemas.microsoft.com/office/powerpoint/2010/main" val="2637507153"/>
-      </p:ext>
-    </p:extLst>
-  </p:cSld>
-  <p:clrMapOvr>
-    <a:masterClrMapping/>
-  </p:clrMapOvr>
-</p:sld>
-</file>
-
-<file path=ppt/slides/slide5.xml><?xml version="1.0" encoding="utf-8"?>
 <p:sld xmlns:a="http://schemas.openxmlformats.org/drawingml/2006/main" xmlns:r="http://schemas.openxmlformats.org/officeDocument/2006/relationships" xmlns:p="http://schemas.openxmlformats.org/presentationml/2006/main">
   <p:cSld>
     <p:spTree>
@@ -16873,7 +12722,7 @@
 </p:sld>
 </file>
 
-<file path=ppt/slides/slide6.xml><?xml version="1.0" encoding="utf-8"?>
+<file path=ppt/slides/slide5.xml><?xml version="1.0" encoding="utf-8"?>
 <p:sld xmlns:a="http://schemas.openxmlformats.org/drawingml/2006/main" xmlns:r="http://schemas.openxmlformats.org/officeDocument/2006/relationships" xmlns:p="http://schemas.openxmlformats.org/presentationml/2006/main">
   <p:cSld>
     <p:spTree>
@@ -19067,7 +14916,7 @@
 </p:sld>
 </file>
 
-<file path=ppt/slides/slide7.xml><?xml version="1.0" encoding="utf-8"?>
+<file path=ppt/slides/slide6.xml><?xml version="1.0" encoding="utf-8"?>
 <p:sld xmlns:a="http://schemas.openxmlformats.org/drawingml/2006/main" xmlns:r="http://schemas.openxmlformats.org/officeDocument/2006/relationships" xmlns:p="http://schemas.openxmlformats.org/presentationml/2006/main">
   <p:cSld>
     <p:spTree>
@@ -21865,7 +17714,7 @@
 </p:sld>
 </file>
 
-<file path=ppt/slides/slide8.xml><?xml version="1.0" encoding="utf-8"?>
+<file path=ppt/slides/slide7.xml><?xml version="1.0" encoding="utf-8"?>
 <p:sld xmlns:a="http://schemas.openxmlformats.org/drawingml/2006/main" xmlns:r="http://schemas.openxmlformats.org/officeDocument/2006/relationships" xmlns:p="http://schemas.openxmlformats.org/presentationml/2006/main">
   <p:cSld>
     <p:spTree>
@@ -24603,7 +20452,7 @@
 </p:sld>
 </file>
 
-<file path=ppt/slides/slide9.xml><?xml version="1.0" encoding="utf-8"?>
+<file path=ppt/slides/slide8.xml><?xml version="1.0" encoding="utf-8"?>
 <p:sld xmlns:a="http://schemas.openxmlformats.org/drawingml/2006/main" xmlns:r="http://schemas.openxmlformats.org/officeDocument/2006/relationships" xmlns:p="http://schemas.openxmlformats.org/presentationml/2006/main">
   <p:cSld>
     <p:spTree>
@@ -28565,6 +24414,3047 @@
 </p:sld>
 </file>
 
+<file path=ppt/slides/slide9.xml><?xml version="1.0" encoding="utf-8"?>
+<p:sld xmlns:a="http://schemas.openxmlformats.org/drawingml/2006/main" xmlns:r="http://schemas.openxmlformats.org/officeDocument/2006/relationships" xmlns:p="http://schemas.openxmlformats.org/presentationml/2006/main">
+  <p:cSld>
+    <p:spTree>
+      <p:nvGrpSpPr>
+        <p:cNvPr id="1" name=""/>
+        <p:cNvGrpSpPr/>
+        <p:nvPr/>
+      </p:nvGrpSpPr>
+      <p:grpSpPr>
+        <a:xfrm>
+          <a:off x="0" y="0"/>
+          <a:ext cx="0" cy="0"/>
+          <a:chOff x="0" y="0"/>
+          <a:chExt cx="0" cy="0"/>
+        </a:xfrm>
+      </p:grpSpPr>
+      <p:sp>
+        <p:nvSpPr>
+          <p:cNvPr id="75" name="직사각형 74"/>
+          <p:cNvSpPr/>
+          <p:nvPr/>
+        </p:nvSpPr>
+        <p:spPr>
+          <a:xfrm>
+            <a:off x="440093" y="3023705"/>
+            <a:ext cx="2566837" cy="2406583"/>
+          </a:xfrm>
+          <a:prstGeom prst="rect">
+            <a:avLst/>
+          </a:prstGeom>
+          <a:solidFill>
+            <a:schemeClr val="accent1">
+              <a:lumMod val="20000"/>
+              <a:lumOff val="80000"/>
+            </a:schemeClr>
+          </a:solidFill>
+          <a:ln>
+            <a:noFill/>
+          </a:ln>
+        </p:spPr>
+        <p:style>
+          <a:lnRef idx="2">
+            <a:schemeClr val="accent1">
+              <a:shade val="50000"/>
+            </a:schemeClr>
+          </a:lnRef>
+          <a:fillRef idx="1">
+            <a:schemeClr val="accent1"/>
+          </a:fillRef>
+          <a:effectRef idx="0">
+            <a:schemeClr val="accent1"/>
+          </a:effectRef>
+          <a:fontRef idx="minor">
+            <a:schemeClr val="lt1"/>
+          </a:fontRef>
+        </p:style>
+        <p:txBody>
+          <a:bodyPr rtlCol="0" anchor="ctr"/>
+          <a:lstStyle/>
+          <a:p>
+            <a:pPr algn="ctr"/>
+            <a:endParaRPr lang="ko-KR" altLang="en-US"/>
+          </a:p>
+        </p:txBody>
+      </p:sp>
+      <p:sp>
+        <p:nvSpPr>
+          <p:cNvPr id="2" name="직사각형 1"/>
+          <p:cNvSpPr/>
+          <p:nvPr/>
+        </p:nvSpPr>
+        <p:spPr>
+          <a:xfrm>
+            <a:off x="0" y="156519"/>
+            <a:ext cx="12192000" cy="667265"/>
+          </a:xfrm>
+          <a:prstGeom prst="rect">
+            <a:avLst/>
+          </a:prstGeom>
+          <a:solidFill>
+            <a:schemeClr val="accent1">
+              <a:lumMod val="40000"/>
+              <a:lumOff val="60000"/>
+            </a:schemeClr>
+          </a:solidFill>
+          <a:ln>
+            <a:noFill/>
+          </a:ln>
+        </p:spPr>
+        <p:style>
+          <a:lnRef idx="2">
+            <a:schemeClr val="accent1">
+              <a:shade val="50000"/>
+            </a:schemeClr>
+          </a:lnRef>
+          <a:fillRef idx="1">
+            <a:schemeClr val="accent1"/>
+          </a:fillRef>
+          <a:effectRef idx="0">
+            <a:schemeClr val="accent1"/>
+          </a:effectRef>
+          <a:fontRef idx="minor">
+            <a:schemeClr val="lt1"/>
+          </a:fontRef>
+        </p:style>
+        <p:txBody>
+          <a:bodyPr rtlCol="0" anchor="ctr"/>
+          <a:lstStyle/>
+          <a:p>
+            <a:pPr algn="ctr"/>
+            <a:endParaRPr lang="ko-KR" altLang="en-US"/>
+          </a:p>
+        </p:txBody>
+      </p:sp>
+      <p:sp>
+        <p:nvSpPr>
+          <p:cNvPr id="3" name="TextBox 2"/>
+          <p:cNvSpPr txBox="1"/>
+          <p:nvPr/>
+        </p:nvSpPr>
+        <p:spPr>
+          <a:xfrm>
+            <a:off x="257907" y="259318"/>
+            <a:ext cx="8505093" cy="461665"/>
+          </a:xfrm>
+          <a:prstGeom prst="rect">
+            <a:avLst/>
+          </a:prstGeom>
+          <a:noFill/>
+        </p:spPr>
+        <p:txBody>
+          <a:bodyPr wrap="square" rtlCol="0">
+            <a:spAutoFit/>
+          </a:bodyPr>
+          <a:lstStyle/>
+          <a:p>
+            <a:r>
+              <a:rPr lang="en-US" altLang="ko-KR" sz="2400" b="1" dirty="0"/>
+              <a:t>Universal Quantum Logic Gate : implemented optically</a:t>
+            </a:r>
+            <a:endParaRPr lang="ko-KR" altLang="en-US" sz="2400" b="1" dirty="0"/>
+          </a:p>
+        </p:txBody>
+      </p:sp>
+      <p:sp>
+        <p:nvSpPr>
+          <p:cNvPr id="35" name="TextBox 34"/>
+          <p:cNvSpPr txBox="1"/>
+          <p:nvPr/>
+        </p:nvSpPr>
+        <p:spPr>
+          <a:xfrm>
+            <a:off x="372382" y="963997"/>
+            <a:ext cx="5130264" cy="369332"/>
+          </a:xfrm>
+          <a:prstGeom prst="rect">
+            <a:avLst/>
+          </a:prstGeom>
+          <a:noFill/>
+        </p:spPr>
+        <p:txBody>
+          <a:bodyPr wrap="square" rtlCol="0">
+            <a:spAutoFit/>
+          </a:bodyPr>
+          <a:lstStyle/>
+          <a:p>
+            <a:r>
+              <a:rPr lang="en-US" altLang="ko-KR" b="1" dirty="0"/>
+              <a:t>2. Controlled NOT(CNOT) gate</a:t>
+            </a:r>
+            <a:endParaRPr lang="ko-KR" altLang="en-US" b="1" dirty="0"/>
+          </a:p>
+        </p:txBody>
+      </p:sp>
+      <p:cxnSp>
+        <p:nvCxnSpPr>
+          <p:cNvPr id="47" name="직선 연결선 46"/>
+          <p:cNvCxnSpPr/>
+          <p:nvPr/>
+        </p:nvCxnSpPr>
+        <p:spPr>
+          <a:xfrm>
+            <a:off x="868793" y="4257035"/>
+            <a:ext cx="1620000" cy="0"/>
+          </a:xfrm>
+          <a:prstGeom prst="line">
+            <a:avLst/>
+          </a:prstGeom>
+          <a:ln w="28575">
+            <a:solidFill>
+              <a:schemeClr val="tx1"/>
+            </a:solidFill>
+          </a:ln>
+        </p:spPr>
+        <p:style>
+          <a:lnRef idx="1">
+            <a:schemeClr val="accent1"/>
+          </a:lnRef>
+          <a:fillRef idx="0">
+            <a:schemeClr val="accent1"/>
+          </a:fillRef>
+          <a:effectRef idx="0">
+            <a:schemeClr val="accent1"/>
+          </a:effectRef>
+          <a:fontRef idx="minor">
+            <a:schemeClr val="tx1"/>
+          </a:fontRef>
+        </p:style>
+      </p:cxnSp>
+      <p:cxnSp>
+        <p:nvCxnSpPr>
+          <p:cNvPr id="64" name="직선 연결선 63"/>
+          <p:cNvCxnSpPr/>
+          <p:nvPr/>
+        </p:nvCxnSpPr>
+        <p:spPr>
+          <a:xfrm flipV="1">
+            <a:off x="1668815" y="3447035"/>
+            <a:ext cx="0" cy="1620000"/>
+          </a:xfrm>
+          <a:prstGeom prst="line">
+            <a:avLst/>
+          </a:prstGeom>
+          <a:ln w="28575">
+            <a:solidFill>
+              <a:schemeClr val="tx1"/>
+            </a:solidFill>
+          </a:ln>
+        </p:spPr>
+        <p:style>
+          <a:lnRef idx="1">
+            <a:schemeClr val="accent1"/>
+          </a:lnRef>
+          <a:fillRef idx="0">
+            <a:schemeClr val="accent1"/>
+          </a:fillRef>
+          <a:effectRef idx="0">
+            <a:schemeClr val="accent1"/>
+          </a:effectRef>
+          <a:fontRef idx="minor">
+            <a:schemeClr val="tx1"/>
+          </a:fontRef>
+        </p:style>
+      </p:cxnSp>
+      <mc:AlternateContent xmlns:mc="http://schemas.openxmlformats.org/markup-compatibility/2006" xmlns:a14="http://schemas.microsoft.com/office/drawing/2010/main">
+        <mc:Choice Requires="a14">
+          <p:sp>
+            <p:nvSpPr>
+              <p:cNvPr id="12" name="직사각형 11"/>
+              <p:cNvSpPr/>
+              <p:nvPr/>
+            </p:nvSpPr>
+            <p:spPr>
+              <a:xfrm>
+                <a:off x="371076" y="4072369"/>
+                <a:ext cx="545342" cy="369332"/>
+              </a:xfrm>
+              <a:prstGeom prst="rect">
+                <a:avLst/>
+              </a:prstGeom>
+            </p:spPr>
+            <p:txBody>
+              <a:bodyPr wrap="none">
+                <a:spAutoFit/>
+              </a:bodyPr>
+              <a:lstStyle/>
+              <a:p>
+                <a:pPr/>
+                <a14:m>
+                  <m:oMathPara xmlns:m="http://schemas.openxmlformats.org/officeDocument/2006/math">
+                    <m:oMathParaPr>
+                      <m:jc m:val="centerGroup"/>
+                    </m:oMathParaPr>
+                    <m:oMath xmlns:m="http://schemas.openxmlformats.org/officeDocument/2006/math">
+                      <m:r>
+                        <m:rPr>
+                          <m:nor/>
+                        </m:rPr>
+                        <a:rPr lang="ko-KR" altLang="en-US" dirty="0" smtClean="0">
+                          <a:latin typeface="Cambria Math" panose="02040503050406030204" pitchFamily="18" charset="0"/>
+                        </a:rPr>
+                        <m:t>∣</m:t>
+                      </m:r>
+                      <m:r>
+                        <m:rPr>
+                          <m:nor/>
+                        </m:rPr>
+                        <a:rPr lang="en-US" altLang="ko-KR" b="0" i="0" dirty="0" smtClean="0">
+                          <a:latin typeface="Cambria Math" panose="02040503050406030204" pitchFamily="18" charset="0"/>
+                        </a:rPr>
+                        <m:t>0</m:t>
+                      </m:r>
+                      <m:r>
+                        <m:rPr>
+                          <m:nor/>
+                        </m:rPr>
+                        <a:rPr lang="en-US" altLang="ko-KR" dirty="0" smtClean="0">
+                          <a:latin typeface="Cambria Math" panose="02040503050406030204" pitchFamily="18" charset="0"/>
+                          <a:ea typeface="Cambria Math" panose="02040503050406030204" pitchFamily="18" charset="0"/>
+                        </a:rPr>
+                        <m:t>⟩</m:t>
+                      </m:r>
+                    </m:oMath>
+                  </m:oMathPara>
+                </a14:m>
+                <a:endParaRPr lang="ko-KR" altLang="en-US" dirty="0"/>
+              </a:p>
+            </p:txBody>
+          </p:sp>
+        </mc:Choice>
+        <mc:Fallback xmlns="">
+          <p:sp>
+            <p:nvSpPr>
+              <p:cNvPr id="12" name="직사각형 11"/>
+              <p:cNvSpPr>
+                <a:spLocks noRot="1" noChangeAspect="1" noMove="1" noResize="1" noEditPoints="1" noAdjustHandles="1" noChangeArrowheads="1" noChangeShapeType="1" noTextEdit="1"/>
+              </p:cNvSpPr>
+              <p:nvPr/>
+            </p:nvSpPr>
+            <p:spPr>
+              <a:xfrm>
+                <a:off x="371076" y="4072369"/>
+                <a:ext cx="545342" cy="369332"/>
+              </a:xfrm>
+              <a:prstGeom prst="rect">
+                <a:avLst/>
+              </a:prstGeom>
+              <a:blipFill>
+                <a:blip r:embed="rId2"/>
+                <a:stretch>
+                  <a:fillRect b="-16393"/>
+                </a:stretch>
+              </a:blipFill>
+            </p:spPr>
+            <p:txBody>
+              <a:bodyPr/>
+              <a:lstStyle/>
+              <a:p>
+                <a:r>
+                  <a:rPr lang="ko-KR" altLang="en-US">
+                    <a:noFill/>
+                  </a:rPr>
+                  <a:t> </a:t>
+                </a:r>
+              </a:p>
+            </p:txBody>
+          </p:sp>
+        </mc:Fallback>
+      </mc:AlternateContent>
+      <mc:AlternateContent xmlns:mc="http://schemas.openxmlformats.org/markup-compatibility/2006" xmlns:a14="http://schemas.microsoft.com/office/drawing/2010/main">
+        <mc:Choice Requires="a14">
+          <p:sp>
+            <p:nvSpPr>
+              <p:cNvPr id="70" name="직사각형 69"/>
+              <p:cNvSpPr/>
+              <p:nvPr/>
+            </p:nvSpPr>
+            <p:spPr>
+              <a:xfrm>
+                <a:off x="1423590" y="5060956"/>
+                <a:ext cx="545342" cy="369332"/>
+              </a:xfrm>
+              <a:prstGeom prst="rect">
+                <a:avLst/>
+              </a:prstGeom>
+            </p:spPr>
+            <p:txBody>
+              <a:bodyPr wrap="none">
+                <a:spAutoFit/>
+              </a:bodyPr>
+              <a:lstStyle/>
+              <a:p>
+                <a:pPr/>
+                <a14:m>
+                  <m:oMathPara xmlns:m="http://schemas.openxmlformats.org/officeDocument/2006/math">
+                    <m:oMathParaPr>
+                      <m:jc m:val="centerGroup"/>
+                    </m:oMathParaPr>
+                    <m:oMath xmlns:m="http://schemas.openxmlformats.org/officeDocument/2006/math">
+                      <m:r>
+                        <m:rPr>
+                          <m:nor/>
+                        </m:rPr>
+                        <a:rPr lang="ko-KR" altLang="en-US" dirty="0" smtClean="0">
+                          <a:latin typeface="Cambria Math" panose="02040503050406030204" pitchFamily="18" charset="0"/>
+                        </a:rPr>
+                        <m:t>∣</m:t>
+                      </m:r>
+                      <m:r>
+                        <m:rPr>
+                          <m:nor/>
+                        </m:rPr>
+                        <a:rPr lang="en-US" altLang="ko-KR" b="0" i="0" dirty="0" smtClean="0">
+                          <a:latin typeface="Cambria Math" panose="02040503050406030204" pitchFamily="18" charset="0"/>
+                        </a:rPr>
+                        <m:t>1</m:t>
+                      </m:r>
+                      <m:r>
+                        <m:rPr>
+                          <m:nor/>
+                        </m:rPr>
+                        <a:rPr lang="en-US" altLang="ko-KR" dirty="0" smtClean="0">
+                          <a:latin typeface="Cambria Math" panose="02040503050406030204" pitchFamily="18" charset="0"/>
+                          <a:ea typeface="Cambria Math" panose="02040503050406030204" pitchFamily="18" charset="0"/>
+                        </a:rPr>
+                        <m:t>⟩</m:t>
+                      </m:r>
+                    </m:oMath>
+                  </m:oMathPara>
+                </a14:m>
+                <a:endParaRPr lang="ko-KR" altLang="en-US" dirty="0"/>
+              </a:p>
+            </p:txBody>
+          </p:sp>
+        </mc:Choice>
+        <mc:Fallback xmlns="">
+          <p:sp>
+            <p:nvSpPr>
+              <p:cNvPr id="70" name="직사각형 69"/>
+              <p:cNvSpPr>
+                <a:spLocks noRot="1" noChangeAspect="1" noMove="1" noResize="1" noEditPoints="1" noAdjustHandles="1" noChangeArrowheads="1" noChangeShapeType="1" noTextEdit="1"/>
+              </p:cNvSpPr>
+              <p:nvPr/>
+            </p:nvSpPr>
+            <p:spPr>
+              <a:xfrm>
+                <a:off x="1423590" y="5060956"/>
+                <a:ext cx="545342" cy="369332"/>
+              </a:xfrm>
+              <a:prstGeom prst="rect">
+                <a:avLst/>
+              </a:prstGeom>
+              <a:blipFill>
+                <a:blip r:embed="rId3"/>
+                <a:stretch>
+                  <a:fillRect b="-16393"/>
+                </a:stretch>
+              </a:blipFill>
+            </p:spPr>
+            <p:txBody>
+              <a:bodyPr/>
+              <a:lstStyle/>
+              <a:p>
+                <a:r>
+                  <a:rPr lang="ko-KR" altLang="en-US">
+                    <a:noFill/>
+                  </a:rPr>
+                  <a:t> </a:t>
+                </a:r>
+              </a:p>
+            </p:txBody>
+          </p:sp>
+        </mc:Fallback>
+      </mc:AlternateContent>
+      <mc:AlternateContent xmlns:mc="http://schemas.openxmlformats.org/markup-compatibility/2006" xmlns:a14="http://schemas.microsoft.com/office/drawing/2010/main">
+        <mc:Choice Requires="a14">
+          <p:sp>
+            <p:nvSpPr>
+              <p:cNvPr id="73" name="직사각형 72"/>
+              <p:cNvSpPr/>
+              <p:nvPr/>
+            </p:nvSpPr>
+            <p:spPr>
+              <a:xfrm>
+                <a:off x="1368892" y="3119795"/>
+                <a:ext cx="599844" cy="369332"/>
+              </a:xfrm>
+              <a:prstGeom prst="rect">
+                <a:avLst/>
+              </a:prstGeom>
+            </p:spPr>
+            <p:txBody>
+              <a:bodyPr wrap="none">
+                <a:spAutoFit/>
+              </a:bodyPr>
+              <a:lstStyle/>
+              <a:p>
+                <a:pPr/>
+                <a14:m>
+                  <m:oMathPara xmlns:m="http://schemas.openxmlformats.org/officeDocument/2006/math">
+                    <m:oMathParaPr>
+                      <m:jc m:val="centerGroup"/>
+                    </m:oMathParaPr>
+                    <m:oMath xmlns:m="http://schemas.openxmlformats.org/officeDocument/2006/math">
+                      <m:r>
+                        <m:rPr>
+                          <m:nor/>
+                        </m:rPr>
+                        <a:rPr lang="ko-KR" altLang="en-US" dirty="0" smtClean="0">
+                          <a:latin typeface="Cambria Math" panose="02040503050406030204" pitchFamily="18" charset="0"/>
+                        </a:rPr>
+                        <m:t>∣</m:t>
+                      </m:r>
+                      <m:r>
+                        <m:rPr>
+                          <m:nor/>
+                        </m:rPr>
+                        <a:rPr lang="en-US" altLang="ko-KR" b="0" i="0" dirty="0" smtClean="0">
+                          <a:latin typeface="Cambria Math" panose="02040503050406030204" pitchFamily="18" charset="0"/>
+                        </a:rPr>
+                        <m:t>1′</m:t>
+                      </m:r>
+                      <m:r>
+                        <m:rPr>
+                          <m:nor/>
+                        </m:rPr>
+                        <a:rPr lang="en-US" altLang="ko-KR" dirty="0" smtClean="0">
+                          <a:latin typeface="Cambria Math" panose="02040503050406030204" pitchFamily="18" charset="0"/>
+                          <a:ea typeface="Cambria Math" panose="02040503050406030204" pitchFamily="18" charset="0"/>
+                        </a:rPr>
+                        <m:t>⟩</m:t>
+                      </m:r>
+                    </m:oMath>
+                  </m:oMathPara>
+                </a14:m>
+                <a:endParaRPr lang="ko-KR" altLang="en-US" dirty="0"/>
+              </a:p>
+            </p:txBody>
+          </p:sp>
+        </mc:Choice>
+        <mc:Fallback xmlns="">
+          <p:sp>
+            <p:nvSpPr>
+              <p:cNvPr id="73" name="직사각형 72"/>
+              <p:cNvSpPr>
+                <a:spLocks noRot="1" noChangeAspect="1" noMove="1" noResize="1" noEditPoints="1" noAdjustHandles="1" noChangeArrowheads="1" noChangeShapeType="1" noTextEdit="1"/>
+              </p:cNvSpPr>
+              <p:nvPr/>
+            </p:nvSpPr>
+            <p:spPr>
+              <a:xfrm>
+                <a:off x="1368892" y="3119795"/>
+                <a:ext cx="599844" cy="369332"/>
+              </a:xfrm>
+              <a:prstGeom prst="rect">
+                <a:avLst/>
+              </a:prstGeom>
+              <a:blipFill>
+                <a:blip r:embed="rId4"/>
+                <a:stretch>
+                  <a:fillRect b="-16667"/>
+                </a:stretch>
+              </a:blipFill>
+            </p:spPr>
+            <p:txBody>
+              <a:bodyPr/>
+              <a:lstStyle/>
+              <a:p>
+                <a:r>
+                  <a:rPr lang="ko-KR" altLang="en-US">
+                    <a:noFill/>
+                  </a:rPr>
+                  <a:t> </a:t>
+                </a:r>
+              </a:p>
+            </p:txBody>
+          </p:sp>
+        </mc:Fallback>
+      </mc:AlternateContent>
+      <mc:AlternateContent xmlns:mc="http://schemas.openxmlformats.org/markup-compatibility/2006" xmlns:a14="http://schemas.microsoft.com/office/drawing/2010/main">
+        <mc:Choice Requires="a14">
+          <p:sp>
+            <p:nvSpPr>
+              <p:cNvPr id="74" name="직사각형 73"/>
+              <p:cNvSpPr/>
+              <p:nvPr/>
+            </p:nvSpPr>
+            <p:spPr>
+              <a:xfrm>
+                <a:off x="2426128" y="4072369"/>
+                <a:ext cx="599844" cy="369332"/>
+              </a:xfrm>
+              <a:prstGeom prst="rect">
+                <a:avLst/>
+              </a:prstGeom>
+            </p:spPr>
+            <p:txBody>
+              <a:bodyPr wrap="none">
+                <a:spAutoFit/>
+              </a:bodyPr>
+              <a:lstStyle/>
+              <a:p>
+                <a:pPr/>
+                <a14:m>
+                  <m:oMathPara xmlns:m="http://schemas.openxmlformats.org/officeDocument/2006/math">
+                    <m:oMathParaPr>
+                      <m:jc m:val="centerGroup"/>
+                    </m:oMathParaPr>
+                    <m:oMath xmlns:m="http://schemas.openxmlformats.org/officeDocument/2006/math">
+                      <m:r>
+                        <m:rPr>
+                          <m:nor/>
+                        </m:rPr>
+                        <a:rPr lang="ko-KR" altLang="en-US" dirty="0" smtClean="0">
+                          <a:latin typeface="Cambria Math" panose="02040503050406030204" pitchFamily="18" charset="0"/>
+                        </a:rPr>
+                        <m:t>∣</m:t>
+                      </m:r>
+                      <m:r>
+                        <m:rPr>
+                          <m:nor/>
+                        </m:rPr>
+                        <a:rPr lang="en-US" altLang="ko-KR" b="0" i="0" dirty="0" smtClean="0">
+                          <a:latin typeface="Cambria Math" panose="02040503050406030204" pitchFamily="18" charset="0"/>
+                        </a:rPr>
+                        <m:t>0′</m:t>
+                      </m:r>
+                      <m:r>
+                        <m:rPr>
+                          <m:nor/>
+                        </m:rPr>
+                        <a:rPr lang="en-US" altLang="ko-KR" dirty="0" smtClean="0">
+                          <a:latin typeface="Cambria Math" panose="02040503050406030204" pitchFamily="18" charset="0"/>
+                          <a:ea typeface="Cambria Math" panose="02040503050406030204" pitchFamily="18" charset="0"/>
+                        </a:rPr>
+                        <m:t>⟩</m:t>
+                      </m:r>
+                    </m:oMath>
+                  </m:oMathPara>
+                </a14:m>
+                <a:endParaRPr lang="ko-KR" altLang="en-US" dirty="0"/>
+              </a:p>
+            </p:txBody>
+          </p:sp>
+        </mc:Choice>
+        <mc:Fallback xmlns="">
+          <p:sp>
+            <p:nvSpPr>
+              <p:cNvPr id="74" name="직사각형 73"/>
+              <p:cNvSpPr>
+                <a:spLocks noRot="1" noChangeAspect="1" noMove="1" noResize="1" noEditPoints="1" noAdjustHandles="1" noChangeArrowheads="1" noChangeShapeType="1" noTextEdit="1"/>
+              </p:cNvSpPr>
+              <p:nvPr/>
+            </p:nvSpPr>
+            <p:spPr>
+              <a:xfrm>
+                <a:off x="2426128" y="4072369"/>
+                <a:ext cx="599844" cy="369332"/>
+              </a:xfrm>
+              <a:prstGeom prst="rect">
+                <a:avLst/>
+              </a:prstGeom>
+              <a:blipFill>
+                <a:blip r:embed="rId5"/>
+                <a:stretch>
+                  <a:fillRect b="-16393"/>
+                </a:stretch>
+              </a:blipFill>
+            </p:spPr>
+            <p:txBody>
+              <a:bodyPr/>
+              <a:lstStyle/>
+              <a:p>
+                <a:r>
+                  <a:rPr lang="ko-KR" altLang="en-US">
+                    <a:noFill/>
+                  </a:rPr>
+                  <a:t> </a:t>
+                </a:r>
+              </a:p>
+            </p:txBody>
+          </p:sp>
+        </mc:Fallback>
+      </mc:AlternateContent>
+      <p:sp>
+        <p:nvSpPr>
+          <p:cNvPr id="48" name="직사각형 47"/>
+          <p:cNvSpPr/>
+          <p:nvPr/>
+        </p:nvSpPr>
+        <p:spPr>
+          <a:xfrm>
+            <a:off x="1399268" y="3888244"/>
+            <a:ext cx="540000" cy="108000"/>
+          </a:xfrm>
+          <a:prstGeom prst="rect">
+            <a:avLst/>
+          </a:prstGeom>
+          <a:solidFill>
+            <a:schemeClr val="tx1">
+              <a:lumMod val="50000"/>
+              <a:lumOff val="50000"/>
+              <a:alpha val="68000"/>
+            </a:schemeClr>
+          </a:solidFill>
+          <a:ln w="28575">
+            <a:solidFill>
+              <a:schemeClr val="tx1"/>
+            </a:solidFill>
+          </a:ln>
+        </p:spPr>
+        <p:style>
+          <a:lnRef idx="2">
+            <a:schemeClr val="accent1">
+              <a:shade val="50000"/>
+            </a:schemeClr>
+          </a:lnRef>
+          <a:fillRef idx="1">
+            <a:schemeClr val="accent1"/>
+          </a:fillRef>
+          <a:effectRef idx="0">
+            <a:schemeClr val="accent1"/>
+          </a:effectRef>
+          <a:fontRef idx="minor">
+            <a:schemeClr val="lt1"/>
+          </a:fontRef>
+        </p:style>
+        <p:txBody>
+          <a:bodyPr rtlCol="0" anchor="ctr"/>
+          <a:lstStyle/>
+          <a:p>
+            <a:pPr algn="ctr"/>
+            <a:endParaRPr lang="ko-KR" altLang="en-US"/>
+          </a:p>
+        </p:txBody>
+      </p:sp>
+      <p:sp>
+        <p:nvSpPr>
+          <p:cNvPr id="14" name="직사각형 13"/>
+          <p:cNvSpPr/>
+          <p:nvPr/>
+        </p:nvSpPr>
+        <p:spPr>
+          <a:xfrm>
+            <a:off x="601249" y="2658130"/>
+            <a:ext cx="2190023" cy="369332"/>
+          </a:xfrm>
+          <a:prstGeom prst="rect">
+            <a:avLst/>
+          </a:prstGeom>
+        </p:spPr>
+        <p:txBody>
+          <a:bodyPr wrap="none">
+            <a:spAutoFit/>
+          </a:bodyPr>
+          <a:lstStyle/>
+          <a:p>
+            <a:r>
+              <a:rPr lang="en-US" altLang="ko-KR" dirty="0"/>
+              <a:t>Polarization rotator</a:t>
+            </a:r>
+            <a:endParaRPr lang="ko-KR" altLang="en-US" dirty="0"/>
+          </a:p>
+        </p:txBody>
+      </p:sp>
+      <mc:AlternateContent xmlns:mc="http://schemas.openxmlformats.org/markup-compatibility/2006" xmlns:a14="http://schemas.microsoft.com/office/drawing/2010/main">
+        <mc:Choice Requires="a14">
+          <p:sp>
+            <p:nvSpPr>
+              <p:cNvPr id="79" name="직사각형 78"/>
+              <p:cNvSpPr/>
+              <p:nvPr/>
+            </p:nvSpPr>
+            <p:spPr>
+              <a:xfrm>
+                <a:off x="202249" y="5530715"/>
+                <a:ext cx="7541576" cy="606705"/>
+              </a:xfrm>
+              <a:prstGeom prst="rect">
+                <a:avLst/>
+              </a:prstGeom>
+            </p:spPr>
+            <p:txBody>
+              <a:bodyPr wrap="square">
+                <a:spAutoFit/>
+              </a:bodyPr>
+              <a:lstStyle/>
+              <a:p>
+                <a:pPr/>
+                <a14:m>
+                  <m:oMathPara xmlns:m="http://schemas.openxmlformats.org/officeDocument/2006/math">
+                    <m:oMathParaPr>
+                      <m:jc m:val="centerGroup"/>
+                    </m:oMathParaPr>
+                    <m:oMath xmlns:m="http://schemas.openxmlformats.org/officeDocument/2006/math">
+                      <m:sSub>
+                        <m:sSubPr>
+                          <m:ctrlPr>
+                            <a:rPr lang="en-US" altLang="ko-KR" sz="1900" i="1" dirty="0" smtClean="0">
+                              <a:latin typeface="Cambria Math" panose="02040503050406030204" pitchFamily="18" charset="0"/>
+                            </a:rPr>
+                          </m:ctrlPr>
+                        </m:sSubPr>
+                        <m:e>
+                          <m:acc>
+                            <m:accPr>
+                              <m:chr m:val="̂"/>
+                              <m:ctrlPr>
+                                <a:rPr lang="en-US" altLang="ko-KR" sz="1900" i="1" dirty="0" smtClean="0">
+                                  <a:latin typeface="Cambria Math" panose="02040503050406030204" pitchFamily="18" charset="0"/>
+                                </a:rPr>
+                              </m:ctrlPr>
+                            </m:accPr>
+                            <m:e>
+                              <m:r>
+                                <a:rPr lang="en-US" altLang="ko-KR" sz="1900" b="0" i="1" dirty="0" smtClean="0">
+                                  <a:latin typeface="Cambria Math" panose="02040503050406030204" pitchFamily="18" charset="0"/>
+                                </a:rPr>
+                                <m:t>𝑈</m:t>
+                              </m:r>
+                            </m:e>
+                          </m:acc>
+                        </m:e>
+                        <m:sub>
+                          <m:r>
+                            <a:rPr lang="en-US" altLang="ko-KR" sz="1900" b="0" i="1" dirty="0" smtClean="0">
+                              <a:latin typeface="Cambria Math" panose="02040503050406030204" pitchFamily="18" charset="0"/>
+                            </a:rPr>
+                            <m:t>𝑃𝑅</m:t>
+                          </m:r>
+                          <m:r>
+                            <a:rPr lang="en-US" altLang="ko-KR" sz="1900" b="0" i="1" dirty="0" smtClean="0">
+                              <a:latin typeface="Cambria Math" panose="02040503050406030204" pitchFamily="18" charset="0"/>
+                            </a:rPr>
+                            <m:t>(</m:t>
+                          </m:r>
+                          <m:r>
+                            <a:rPr lang="ko-KR" altLang="en-US" sz="2000" b="0" i="1" smtClean="0">
+                              <a:latin typeface="Cambria Math" panose="02040503050406030204" pitchFamily="18" charset="0"/>
+                            </a:rPr>
+                            <m:t>𝜋</m:t>
+                          </m:r>
+                          <m:r>
+                            <a:rPr lang="en-US" altLang="ko-KR" sz="2000" b="0" i="1" smtClean="0">
+                              <a:latin typeface="Cambria Math" panose="02040503050406030204" pitchFamily="18" charset="0"/>
+                            </a:rPr>
+                            <m:t>/4</m:t>
+                          </m:r>
+                          <m:r>
+                            <a:rPr lang="en-US" altLang="ko-KR" sz="1900" b="0" i="1" dirty="0" smtClean="0">
+                              <a:latin typeface="Cambria Math" panose="02040503050406030204" pitchFamily="18" charset="0"/>
+                              <a:ea typeface="Cambria Math" panose="02040503050406030204" pitchFamily="18" charset="0"/>
+                            </a:rPr>
+                            <m:t>)</m:t>
+                          </m:r>
+                        </m:sub>
+                      </m:sSub>
+                      <m:r>
+                        <a:rPr lang="en-US" altLang="ko-KR" sz="1900" b="0" i="1" dirty="0" smtClean="0">
+                          <a:latin typeface="Cambria Math" panose="02040503050406030204" pitchFamily="18" charset="0"/>
+                        </a:rPr>
+                        <m:t>=</m:t>
+                      </m:r>
+                      <m:d>
+                        <m:dPr>
+                          <m:ctrlPr>
+                            <a:rPr lang="en-US" altLang="ko-KR" sz="2000" i="1" dirty="0">
+                              <a:latin typeface="Cambria Math" panose="02040503050406030204" pitchFamily="18" charset="0"/>
+                              <a:ea typeface="Cambria Math" panose="02040503050406030204" pitchFamily="18" charset="0"/>
+                            </a:rPr>
+                          </m:ctrlPr>
+                        </m:dPr>
+                        <m:e>
+                          <m:m>
+                            <m:mPr>
+                              <m:mcs>
+                                <m:mc>
+                                  <m:mcPr>
+                                    <m:count m:val="2"/>
+                                    <m:mcJc m:val="center"/>
+                                  </m:mcPr>
+                                </m:mc>
+                              </m:mcs>
+                              <m:ctrlPr>
+                                <a:rPr lang="en-US" altLang="ko-KR" sz="2000" i="1" dirty="0" smtClean="0">
+                                  <a:latin typeface="Cambria Math" panose="02040503050406030204" pitchFamily="18" charset="0"/>
+                                  <a:ea typeface="Cambria Math" panose="02040503050406030204" pitchFamily="18" charset="0"/>
+                                </a:rPr>
+                              </m:ctrlPr>
+                            </m:mPr>
+                            <m:mr>
+                              <m:e>
+                                <m:func>
+                                  <m:funcPr>
+                                    <m:ctrlPr>
+                                      <a:rPr lang="en-US" altLang="ko-KR" sz="2000" i="1" dirty="0" smtClean="0">
+                                        <a:latin typeface="Cambria Math" panose="02040503050406030204" pitchFamily="18" charset="0"/>
+                                        <a:ea typeface="Cambria Math" panose="02040503050406030204" pitchFamily="18" charset="0"/>
+                                      </a:rPr>
+                                    </m:ctrlPr>
+                                  </m:funcPr>
+                                  <m:fName>
+                                    <m:r>
+                                      <m:rPr>
+                                        <m:sty m:val="p"/>
+                                        <m:brk m:alnAt="7"/>
+                                      </m:rPr>
+                                      <a:rPr lang="en-US" altLang="ko-KR" sz="2000" i="0" dirty="0" smtClean="0">
+                                        <a:latin typeface="Cambria Math" panose="02040503050406030204" pitchFamily="18" charset="0"/>
+                                        <a:ea typeface="Cambria Math" panose="02040503050406030204" pitchFamily="18" charset="0"/>
+                                      </a:rPr>
+                                      <m:t>c</m:t>
+                                    </m:r>
+                                    <m:r>
+                                      <m:rPr>
+                                        <m:sty m:val="p"/>
+                                      </m:rPr>
+                                      <a:rPr lang="en-US" altLang="ko-KR" sz="2000" i="0" dirty="0" smtClean="0">
+                                        <a:latin typeface="Cambria Math" panose="02040503050406030204" pitchFamily="18" charset="0"/>
+                                        <a:ea typeface="Cambria Math" panose="02040503050406030204" pitchFamily="18" charset="0"/>
+                                      </a:rPr>
+                                      <m:t>os</m:t>
+                                    </m:r>
+                                  </m:fName>
+                                  <m:e>
+                                    <m:r>
+                                      <a:rPr lang="en-US" altLang="ko-KR" sz="2000" b="0" i="1" dirty="0" smtClean="0">
+                                        <a:latin typeface="Cambria Math" panose="02040503050406030204" pitchFamily="18" charset="0"/>
+                                        <a:ea typeface="Cambria Math" panose="02040503050406030204" pitchFamily="18" charset="0"/>
+                                      </a:rPr>
+                                      <m:t>2</m:t>
+                                    </m:r>
+                                    <m:r>
+                                      <m:rPr>
+                                        <m:brk m:alnAt="7"/>
+                                      </m:rPr>
+                                      <a:rPr lang="ko-KR" altLang="en-US" sz="2000" i="1" dirty="0" smtClean="0">
+                                        <a:latin typeface="Cambria Math" panose="02040503050406030204" pitchFamily="18" charset="0"/>
+                                        <a:ea typeface="Cambria Math" panose="02040503050406030204" pitchFamily="18" charset="0"/>
+                                      </a:rPr>
+                                      <m:t>𝜃</m:t>
+                                    </m:r>
+                                  </m:e>
+                                </m:func>
+                              </m:e>
+                              <m:e>
+                                <m:func>
+                                  <m:funcPr>
+                                    <m:ctrlPr>
+                                      <a:rPr lang="en-US" altLang="ko-KR" sz="2000" i="1" dirty="0" smtClean="0">
+                                        <a:latin typeface="Cambria Math" panose="02040503050406030204" pitchFamily="18" charset="0"/>
+                                        <a:ea typeface="Cambria Math" panose="02040503050406030204" pitchFamily="18" charset="0"/>
+                                      </a:rPr>
+                                    </m:ctrlPr>
+                                  </m:funcPr>
+                                  <m:fName>
+                                    <m:r>
+                                      <m:rPr>
+                                        <m:sty m:val="p"/>
+                                      </m:rPr>
+                                      <a:rPr lang="en-US" altLang="ko-KR" sz="2000" i="0" dirty="0" smtClean="0">
+                                        <a:latin typeface="Cambria Math" panose="02040503050406030204" pitchFamily="18" charset="0"/>
+                                        <a:ea typeface="Cambria Math" panose="02040503050406030204" pitchFamily="18" charset="0"/>
+                                      </a:rPr>
+                                      <m:t>sin</m:t>
+                                    </m:r>
+                                  </m:fName>
+                                  <m:e>
+                                    <m:r>
+                                      <a:rPr lang="en-US" altLang="ko-KR" sz="2000" b="0" i="1" dirty="0" smtClean="0">
+                                        <a:latin typeface="Cambria Math" panose="02040503050406030204" pitchFamily="18" charset="0"/>
+                                        <a:ea typeface="Cambria Math" panose="02040503050406030204" pitchFamily="18" charset="0"/>
+                                      </a:rPr>
+                                      <m:t>2</m:t>
+                                    </m:r>
+                                    <m:r>
+                                      <m:rPr>
+                                        <m:brk m:alnAt="7"/>
+                                      </m:rPr>
+                                      <a:rPr lang="ko-KR" altLang="en-US" sz="2000" i="1" dirty="0" smtClean="0">
+                                        <a:latin typeface="Cambria Math" panose="02040503050406030204" pitchFamily="18" charset="0"/>
+                                        <a:ea typeface="Cambria Math" panose="02040503050406030204" pitchFamily="18" charset="0"/>
+                                      </a:rPr>
+                                      <m:t>𝜃</m:t>
+                                    </m:r>
+                                  </m:e>
+                                </m:func>
+                              </m:e>
+                            </m:mr>
+                            <m:mr>
+                              <m:e>
+                                <m:func>
+                                  <m:funcPr>
+                                    <m:ctrlPr>
+                                      <a:rPr lang="en-US" altLang="ko-KR" sz="2000" i="1" dirty="0" smtClean="0">
+                                        <a:latin typeface="Cambria Math" panose="02040503050406030204" pitchFamily="18" charset="0"/>
+                                        <a:ea typeface="Cambria Math" panose="02040503050406030204" pitchFamily="18" charset="0"/>
+                                      </a:rPr>
+                                    </m:ctrlPr>
+                                  </m:funcPr>
+                                  <m:fName>
+                                    <m:r>
+                                      <m:rPr>
+                                        <m:sty m:val="p"/>
+                                      </m:rPr>
+                                      <a:rPr lang="en-US" altLang="ko-KR" sz="2000" i="0" dirty="0" smtClean="0">
+                                        <a:latin typeface="Cambria Math" panose="02040503050406030204" pitchFamily="18" charset="0"/>
+                                        <a:ea typeface="Cambria Math" panose="02040503050406030204" pitchFamily="18" charset="0"/>
+                                      </a:rPr>
+                                      <m:t>sin</m:t>
+                                    </m:r>
+                                  </m:fName>
+                                  <m:e>
+                                    <m:r>
+                                      <a:rPr lang="en-US" altLang="ko-KR" sz="2000" b="0" i="1" dirty="0" smtClean="0">
+                                        <a:latin typeface="Cambria Math" panose="02040503050406030204" pitchFamily="18" charset="0"/>
+                                        <a:ea typeface="Cambria Math" panose="02040503050406030204" pitchFamily="18" charset="0"/>
+                                      </a:rPr>
+                                      <m:t>2</m:t>
+                                    </m:r>
+                                    <m:r>
+                                      <m:rPr>
+                                        <m:brk m:alnAt="7"/>
+                                      </m:rPr>
+                                      <a:rPr lang="ko-KR" altLang="en-US" sz="2000" i="1" dirty="0" smtClean="0">
+                                        <a:latin typeface="Cambria Math" panose="02040503050406030204" pitchFamily="18" charset="0"/>
+                                        <a:ea typeface="Cambria Math" panose="02040503050406030204" pitchFamily="18" charset="0"/>
+                                      </a:rPr>
+                                      <m:t>𝜃</m:t>
+                                    </m:r>
+                                  </m:e>
+                                </m:func>
+                              </m:e>
+                              <m:e>
+                                <m:r>
+                                  <a:rPr lang="en-US" altLang="ko-KR" sz="2000" i="1" dirty="0" smtClean="0">
+                                    <a:latin typeface="Cambria Math" panose="02040503050406030204" pitchFamily="18" charset="0"/>
+                                    <a:ea typeface="Cambria Math" panose="02040503050406030204" pitchFamily="18" charset="0"/>
+                                  </a:rPr>
+                                  <m:t>−</m:t>
+                                </m:r>
+                                <m:func>
+                                  <m:funcPr>
+                                    <m:ctrlPr>
+                                      <a:rPr lang="en-US" altLang="ko-KR" sz="2000" i="1" dirty="0" smtClean="0">
+                                        <a:latin typeface="Cambria Math" panose="02040503050406030204" pitchFamily="18" charset="0"/>
+                                        <a:ea typeface="Cambria Math" panose="02040503050406030204" pitchFamily="18" charset="0"/>
+                                      </a:rPr>
+                                    </m:ctrlPr>
+                                  </m:funcPr>
+                                  <m:fName>
+                                    <m:r>
+                                      <m:rPr>
+                                        <m:sty m:val="p"/>
+                                        <m:brk m:alnAt="7"/>
+                                      </m:rPr>
+                                      <a:rPr lang="en-US" altLang="ko-KR" sz="2000" i="0" dirty="0" smtClean="0">
+                                        <a:latin typeface="Cambria Math" panose="02040503050406030204" pitchFamily="18" charset="0"/>
+                                        <a:ea typeface="Cambria Math" panose="02040503050406030204" pitchFamily="18" charset="0"/>
+                                      </a:rPr>
+                                      <m:t>c</m:t>
+                                    </m:r>
+                                    <m:r>
+                                      <m:rPr>
+                                        <m:sty m:val="p"/>
+                                      </m:rPr>
+                                      <a:rPr lang="en-US" altLang="ko-KR" sz="2000" i="0" dirty="0" smtClean="0">
+                                        <a:latin typeface="Cambria Math" panose="02040503050406030204" pitchFamily="18" charset="0"/>
+                                        <a:ea typeface="Cambria Math" panose="02040503050406030204" pitchFamily="18" charset="0"/>
+                                      </a:rPr>
+                                      <m:t>os</m:t>
+                                    </m:r>
+                                  </m:fName>
+                                  <m:e>
+                                    <m:r>
+                                      <a:rPr lang="en-US" altLang="ko-KR" sz="2000" b="0" i="1" dirty="0" smtClean="0">
+                                        <a:latin typeface="Cambria Math" panose="02040503050406030204" pitchFamily="18" charset="0"/>
+                                        <a:ea typeface="Cambria Math" panose="02040503050406030204" pitchFamily="18" charset="0"/>
+                                      </a:rPr>
+                                      <m:t>2</m:t>
+                                    </m:r>
+                                    <m:r>
+                                      <m:rPr>
+                                        <m:brk m:alnAt="7"/>
+                                      </m:rPr>
+                                      <a:rPr lang="ko-KR" altLang="en-US" sz="2000" i="1" dirty="0" smtClean="0">
+                                        <a:latin typeface="Cambria Math" panose="02040503050406030204" pitchFamily="18" charset="0"/>
+                                        <a:ea typeface="Cambria Math" panose="02040503050406030204" pitchFamily="18" charset="0"/>
+                                      </a:rPr>
+                                      <m:t>𝜃</m:t>
+                                    </m:r>
+                                  </m:e>
+                                </m:func>
+                              </m:e>
+                            </m:mr>
+                          </m:m>
+                        </m:e>
+                      </m:d>
+                      <m:groupChr>
+                        <m:groupChrPr>
+                          <m:chr m:val="→"/>
+                          <m:vertJc m:val="bot"/>
+                          <m:ctrlPr>
+                            <a:rPr lang="en-US" altLang="ko-KR" sz="1900" b="0" i="1" dirty="0" smtClean="0">
+                              <a:latin typeface="Cambria Math" panose="02040503050406030204" pitchFamily="18" charset="0"/>
+                              <a:ea typeface="Cambria Math" panose="02040503050406030204" pitchFamily="18" charset="0"/>
+                            </a:rPr>
+                          </m:ctrlPr>
+                        </m:groupChrPr>
+                        <m:e>
+                          <m:r>
+                            <m:rPr>
+                              <m:brk m:alnAt="2"/>
+                            </m:rPr>
+                            <a:rPr lang="ko-KR" altLang="en-US" sz="1900" b="0" i="1" dirty="0" smtClean="0">
+                              <a:latin typeface="Cambria Math" panose="02040503050406030204" pitchFamily="18" charset="0"/>
+                              <a:ea typeface="Cambria Math" panose="02040503050406030204" pitchFamily="18" charset="0"/>
+                            </a:rPr>
+                            <m:t>𝜃</m:t>
+                          </m:r>
+                          <m:r>
+                            <a:rPr lang="en-US" altLang="ko-KR" sz="1900" b="0" i="1" dirty="0" smtClean="0">
+                              <a:latin typeface="Cambria Math" panose="02040503050406030204" pitchFamily="18" charset="0"/>
+                              <a:ea typeface="Cambria Math" panose="02040503050406030204" pitchFamily="18" charset="0"/>
+                            </a:rPr>
+                            <m:t>=</m:t>
+                          </m:r>
+                          <m:r>
+                            <a:rPr lang="ko-KR" altLang="en-US" i="1">
+                              <a:latin typeface="Cambria Math" panose="02040503050406030204" pitchFamily="18" charset="0"/>
+                            </a:rPr>
+                            <m:t>𝜋</m:t>
+                          </m:r>
+                          <m:r>
+                            <a:rPr lang="en-US" altLang="ko-KR" b="0" i="1" smtClean="0">
+                              <a:latin typeface="Cambria Math" panose="02040503050406030204" pitchFamily="18" charset="0"/>
+                            </a:rPr>
+                            <m:t>/4</m:t>
+                          </m:r>
+                        </m:e>
+                      </m:groupChr>
+                      <m:d>
+                        <m:dPr>
+                          <m:ctrlPr>
+                            <a:rPr lang="en-US" altLang="ko-KR" sz="1900" i="1" dirty="0" smtClean="0">
+                              <a:latin typeface="Cambria Math" panose="02040503050406030204" pitchFamily="18" charset="0"/>
+                              <a:ea typeface="Cambria Math" panose="02040503050406030204" pitchFamily="18" charset="0"/>
+                            </a:rPr>
+                          </m:ctrlPr>
+                        </m:dPr>
+                        <m:e>
+                          <m:m>
+                            <m:mPr>
+                              <m:mcs>
+                                <m:mc>
+                                  <m:mcPr>
+                                    <m:count m:val="2"/>
+                                    <m:mcJc m:val="center"/>
+                                  </m:mcPr>
+                                </m:mc>
+                              </m:mcs>
+                              <m:ctrlPr>
+                                <a:rPr lang="en-US" altLang="ko-KR" sz="1900" i="1" dirty="0">
+                                  <a:latin typeface="Cambria Math" panose="02040503050406030204" pitchFamily="18" charset="0"/>
+                                  <a:ea typeface="Cambria Math" panose="02040503050406030204" pitchFamily="18" charset="0"/>
+                                </a:rPr>
+                              </m:ctrlPr>
+                            </m:mPr>
+                            <m:mr>
+                              <m:e>
+                                <m:r>
+                                  <m:rPr>
+                                    <m:brk m:alnAt="7"/>
+                                  </m:rPr>
+                                  <a:rPr lang="en-US" altLang="ko-KR" sz="1900" b="0" i="1" dirty="0" smtClean="0">
+                                    <a:latin typeface="Cambria Math" panose="02040503050406030204" pitchFamily="18" charset="0"/>
+                                    <a:ea typeface="Cambria Math" panose="02040503050406030204" pitchFamily="18" charset="0"/>
+                                  </a:rPr>
+                                  <m:t>0</m:t>
+                                </m:r>
+                              </m:e>
+                              <m:e>
+                                <m:r>
+                                  <a:rPr lang="en-US" altLang="ko-KR" sz="1900" b="0" i="1" dirty="0" smtClean="0">
+                                    <a:latin typeface="Cambria Math" panose="02040503050406030204" pitchFamily="18" charset="0"/>
+                                    <a:ea typeface="Cambria Math" panose="02040503050406030204" pitchFamily="18" charset="0"/>
+                                  </a:rPr>
+                                  <m:t>1</m:t>
+                                </m:r>
+                              </m:e>
+                            </m:mr>
+                            <m:mr>
+                              <m:e>
+                                <m:r>
+                                  <a:rPr lang="en-US" altLang="ko-KR" sz="1900" b="0" i="1" dirty="0" smtClean="0">
+                                    <a:latin typeface="Cambria Math" panose="02040503050406030204" pitchFamily="18" charset="0"/>
+                                    <a:ea typeface="Cambria Math" panose="02040503050406030204" pitchFamily="18" charset="0"/>
+                                  </a:rPr>
+                                  <m:t>1</m:t>
+                                </m:r>
+                              </m:e>
+                              <m:e>
+                                <m:r>
+                                  <a:rPr lang="en-US" altLang="ko-KR" sz="1900" i="1" dirty="0" smtClean="0">
+                                    <a:latin typeface="Cambria Math" panose="02040503050406030204" pitchFamily="18" charset="0"/>
+                                    <a:ea typeface="Cambria Math" panose="02040503050406030204" pitchFamily="18" charset="0"/>
+                                  </a:rPr>
+                                  <m:t>0</m:t>
+                                </m:r>
+                              </m:e>
+                            </m:mr>
+                          </m:m>
+                        </m:e>
+                      </m:d>
+                    </m:oMath>
+                  </m:oMathPara>
+                </a14:m>
+                <a:endParaRPr lang="ko-KR" altLang="en-US" sz="1900" dirty="0"/>
+              </a:p>
+            </p:txBody>
+          </p:sp>
+        </mc:Choice>
+        <mc:Fallback xmlns="">
+          <p:sp>
+            <p:nvSpPr>
+              <p:cNvPr id="79" name="직사각형 78"/>
+              <p:cNvSpPr>
+                <a:spLocks noRot="1" noChangeAspect="1" noMove="1" noResize="1" noEditPoints="1" noAdjustHandles="1" noChangeArrowheads="1" noChangeShapeType="1" noTextEdit="1"/>
+              </p:cNvSpPr>
+              <p:nvPr/>
+            </p:nvSpPr>
+            <p:spPr>
+              <a:xfrm>
+                <a:off x="202249" y="5530715"/>
+                <a:ext cx="7541576" cy="606705"/>
+              </a:xfrm>
+              <a:prstGeom prst="rect">
+                <a:avLst/>
+              </a:prstGeom>
+              <a:blipFill>
+                <a:blip r:embed="rId6"/>
+                <a:stretch>
+                  <a:fillRect/>
+                </a:stretch>
+              </a:blipFill>
+            </p:spPr>
+            <p:txBody>
+              <a:bodyPr/>
+              <a:lstStyle/>
+              <a:p>
+                <a:r>
+                  <a:rPr lang="ko-KR" altLang="en-US">
+                    <a:noFill/>
+                  </a:rPr>
+                  <a:t> </a:t>
+                </a:r>
+              </a:p>
+            </p:txBody>
+          </p:sp>
+        </mc:Fallback>
+      </mc:AlternateContent>
+      <p:pic>
+        <p:nvPicPr>
+          <p:cNvPr id="24" name="그림 23"/>
+          <p:cNvPicPr>
+            <a:picLocks noChangeAspect="1"/>
+          </p:cNvPicPr>
+          <p:nvPr/>
+        </p:nvPicPr>
+        <p:blipFill>
+          <a:blip r:embed="rId7">
+            <a:extLst>
+              <a:ext uri="{28A0092B-C50C-407E-A947-70E740481C1C}">
+                <a14:useLocalDpi xmlns:a14="http://schemas.microsoft.com/office/drawing/2010/main" val="0"/>
+              </a:ext>
+            </a:extLst>
+          </a:blip>
+          <a:stretch>
+            <a:fillRect/>
+          </a:stretch>
+        </p:blipFill>
+        <p:spPr>
+          <a:xfrm>
+            <a:off x="798930" y="1633987"/>
+            <a:ext cx="1214867" cy="881112"/>
+          </a:xfrm>
+          <a:prstGeom prst="rect">
+            <a:avLst/>
+          </a:prstGeom>
+        </p:spPr>
+      </p:pic>
+      <mc:AlternateContent xmlns:mc="http://schemas.openxmlformats.org/markup-compatibility/2006" xmlns:a14="http://schemas.microsoft.com/office/drawing/2010/main">
+        <mc:Choice Requires="a14">
+          <p:sp>
+            <p:nvSpPr>
+              <p:cNvPr id="25" name="직사각형 24"/>
+              <p:cNvSpPr/>
+              <p:nvPr/>
+            </p:nvSpPr>
+            <p:spPr>
+              <a:xfrm>
+                <a:off x="2207910" y="1467223"/>
+                <a:ext cx="4976940" cy="1439946"/>
+              </a:xfrm>
+              <a:prstGeom prst="rect">
+                <a:avLst/>
+              </a:prstGeom>
+            </p:spPr>
+            <p:txBody>
+              <a:bodyPr wrap="none">
+                <a:spAutoFit/>
+              </a:bodyPr>
+              <a:lstStyle/>
+              <a:p>
+                <a14:m>
+                  <m:oMath xmlns:m="http://schemas.openxmlformats.org/officeDocument/2006/math">
+                    <m:r>
+                      <a:rPr lang="en-US" altLang="ko-KR" sz="2000" b="0" i="1" dirty="0" smtClean="0">
+                        <a:latin typeface="Cambria Math" panose="02040503050406030204" pitchFamily="18" charset="0"/>
+                        <a:ea typeface="Cambria Math" panose="02040503050406030204" pitchFamily="18" charset="0"/>
+                      </a:rPr>
+                      <m:t>𝐶𝑁𝑂𝑇</m:t>
+                    </m:r>
+                    <m:r>
+                      <a:rPr lang="en-US" altLang="ko-KR" sz="2000" b="0" i="1" dirty="0" smtClean="0">
+                        <a:latin typeface="Cambria Math" panose="02040503050406030204" pitchFamily="18" charset="0"/>
+                        <a:ea typeface="Cambria Math" panose="02040503050406030204" pitchFamily="18" charset="0"/>
+                      </a:rPr>
+                      <m:t>=</m:t>
+                    </m:r>
+                    <m:d>
+                      <m:dPr>
+                        <m:ctrlPr>
+                          <a:rPr lang="en-US" altLang="ko-KR" sz="2000" b="0" i="1" dirty="0" smtClean="0">
+                            <a:latin typeface="Cambria Math" panose="02040503050406030204" pitchFamily="18" charset="0"/>
+                            <a:ea typeface="Cambria Math" panose="02040503050406030204" pitchFamily="18" charset="0"/>
+                          </a:rPr>
+                        </m:ctrlPr>
+                      </m:dPr>
+                      <m:e>
+                        <m:m>
+                          <m:mPr>
+                            <m:mcs>
+                              <m:mc>
+                                <m:mcPr>
+                                  <m:count m:val="2"/>
+                                  <m:mcJc m:val="center"/>
+                                </m:mcPr>
+                              </m:mc>
+                            </m:mcs>
+                            <m:ctrlPr>
+                              <a:rPr lang="en-US" altLang="ko-KR" sz="2000" b="0" i="1" dirty="0" smtClean="0">
+                                <a:latin typeface="Cambria Math" panose="02040503050406030204" pitchFamily="18" charset="0"/>
+                                <a:ea typeface="Cambria Math" panose="02040503050406030204" pitchFamily="18" charset="0"/>
+                              </a:rPr>
+                            </m:ctrlPr>
+                          </m:mPr>
+                          <m:mr>
+                            <m:e>
+                              <m:m>
+                                <m:mPr>
+                                  <m:mcs>
+                                    <m:mc>
+                                      <m:mcPr>
+                                        <m:count m:val="2"/>
+                                        <m:mcJc m:val="center"/>
+                                      </m:mcPr>
+                                    </m:mc>
+                                  </m:mcs>
+                                  <m:ctrlPr>
+                                    <a:rPr lang="en-US" altLang="ko-KR" sz="2000" b="0" i="1" dirty="0" smtClean="0">
+                                      <a:latin typeface="Cambria Math" panose="02040503050406030204" pitchFamily="18" charset="0"/>
+                                      <a:ea typeface="Cambria Math" panose="02040503050406030204" pitchFamily="18" charset="0"/>
+                                    </a:rPr>
+                                  </m:ctrlPr>
+                                </m:mPr>
+                                <m:mr>
+                                  <m:e>
+                                    <m:r>
+                                      <m:rPr>
+                                        <m:brk m:alnAt="7"/>
+                                      </m:rPr>
+                                      <a:rPr lang="en-US" altLang="ko-KR" sz="2000" b="0" i="1" dirty="0" smtClean="0">
+                                        <a:latin typeface="Cambria Math" panose="02040503050406030204" pitchFamily="18" charset="0"/>
+                                        <a:ea typeface="Cambria Math" panose="02040503050406030204" pitchFamily="18" charset="0"/>
+                                      </a:rPr>
+                                      <m:t>1</m:t>
+                                    </m:r>
+                                  </m:e>
+                                  <m:e>
+                                    <m:r>
+                                      <a:rPr lang="en-US" altLang="ko-KR" sz="2000" b="0" i="1" dirty="0" smtClean="0">
+                                        <a:latin typeface="Cambria Math" panose="02040503050406030204" pitchFamily="18" charset="0"/>
+                                        <a:ea typeface="Cambria Math" panose="02040503050406030204" pitchFamily="18" charset="0"/>
+                                      </a:rPr>
+                                      <m:t>0</m:t>
+                                    </m:r>
+                                  </m:e>
+                                </m:mr>
+                                <m:mr>
+                                  <m:e>
+                                    <m:r>
+                                      <a:rPr lang="en-US" altLang="ko-KR" sz="2000" b="0" i="1" dirty="0" smtClean="0">
+                                        <a:latin typeface="Cambria Math" panose="02040503050406030204" pitchFamily="18" charset="0"/>
+                                        <a:ea typeface="Cambria Math" panose="02040503050406030204" pitchFamily="18" charset="0"/>
+                                      </a:rPr>
+                                      <m:t>0</m:t>
+                                    </m:r>
+                                  </m:e>
+                                  <m:e>
+                                    <m:r>
+                                      <a:rPr lang="en-US" altLang="ko-KR" sz="2000" b="0" i="1" dirty="0" smtClean="0">
+                                        <a:latin typeface="Cambria Math" panose="02040503050406030204" pitchFamily="18" charset="0"/>
+                                        <a:ea typeface="Cambria Math" panose="02040503050406030204" pitchFamily="18" charset="0"/>
+                                      </a:rPr>
+                                      <m:t>1</m:t>
+                                    </m:r>
+                                  </m:e>
+                                </m:mr>
+                              </m:m>
+                            </m:e>
+                            <m:e>
+                              <m:m>
+                                <m:mPr>
+                                  <m:mcs>
+                                    <m:mc>
+                                      <m:mcPr>
+                                        <m:count m:val="2"/>
+                                        <m:mcJc m:val="center"/>
+                                      </m:mcPr>
+                                    </m:mc>
+                                  </m:mcs>
+                                  <m:ctrlPr>
+                                    <a:rPr lang="en-US" altLang="ko-KR" sz="2000" b="0" i="1" dirty="0" smtClean="0">
+                                      <a:latin typeface="Cambria Math" panose="02040503050406030204" pitchFamily="18" charset="0"/>
+                                      <a:ea typeface="Cambria Math" panose="02040503050406030204" pitchFamily="18" charset="0"/>
+                                    </a:rPr>
+                                  </m:ctrlPr>
+                                </m:mPr>
+                                <m:mr>
+                                  <m:e>
+                                    <m:r>
+                                      <m:rPr>
+                                        <m:brk m:alnAt="7"/>
+                                      </m:rPr>
+                                      <a:rPr lang="en-US" altLang="ko-KR" sz="2000" b="0" i="1" dirty="0" smtClean="0">
+                                        <a:latin typeface="Cambria Math" panose="02040503050406030204" pitchFamily="18" charset="0"/>
+                                        <a:ea typeface="Cambria Math" panose="02040503050406030204" pitchFamily="18" charset="0"/>
+                                      </a:rPr>
+                                      <m:t>0</m:t>
+                                    </m:r>
+                                  </m:e>
+                                  <m:e>
+                                    <m:r>
+                                      <a:rPr lang="en-US" altLang="ko-KR" sz="2000" b="0" i="1" dirty="0" smtClean="0">
+                                        <a:latin typeface="Cambria Math" panose="02040503050406030204" pitchFamily="18" charset="0"/>
+                                        <a:ea typeface="Cambria Math" panose="02040503050406030204" pitchFamily="18" charset="0"/>
+                                      </a:rPr>
+                                      <m:t>0</m:t>
+                                    </m:r>
+                                  </m:e>
+                                </m:mr>
+                                <m:mr>
+                                  <m:e>
+                                    <m:r>
+                                      <a:rPr lang="en-US" altLang="ko-KR" sz="2000" b="0" i="1" dirty="0" smtClean="0">
+                                        <a:latin typeface="Cambria Math" panose="02040503050406030204" pitchFamily="18" charset="0"/>
+                                        <a:ea typeface="Cambria Math" panose="02040503050406030204" pitchFamily="18" charset="0"/>
+                                      </a:rPr>
+                                      <m:t>0</m:t>
+                                    </m:r>
+                                  </m:e>
+                                  <m:e>
+                                    <m:r>
+                                      <a:rPr lang="en-US" altLang="ko-KR" sz="2000" b="0" i="1" dirty="0" smtClean="0">
+                                        <a:latin typeface="Cambria Math" panose="02040503050406030204" pitchFamily="18" charset="0"/>
+                                        <a:ea typeface="Cambria Math" panose="02040503050406030204" pitchFamily="18" charset="0"/>
+                                      </a:rPr>
+                                      <m:t>0</m:t>
+                                    </m:r>
+                                  </m:e>
+                                </m:mr>
+                              </m:m>
+                            </m:e>
+                          </m:mr>
+                          <m:mr>
+                            <m:e>
+                              <m:m>
+                                <m:mPr>
+                                  <m:mcs>
+                                    <m:mc>
+                                      <m:mcPr>
+                                        <m:count m:val="2"/>
+                                        <m:mcJc m:val="center"/>
+                                      </m:mcPr>
+                                    </m:mc>
+                                  </m:mcs>
+                                  <m:ctrlPr>
+                                    <a:rPr lang="en-US" altLang="ko-KR" sz="2000" b="0" i="1" dirty="0" smtClean="0">
+                                      <a:latin typeface="Cambria Math" panose="02040503050406030204" pitchFamily="18" charset="0"/>
+                                      <a:ea typeface="Cambria Math" panose="02040503050406030204" pitchFamily="18" charset="0"/>
+                                    </a:rPr>
+                                  </m:ctrlPr>
+                                </m:mPr>
+                                <m:mr>
+                                  <m:e>
+                                    <m:r>
+                                      <m:rPr>
+                                        <m:brk m:alnAt="7"/>
+                                      </m:rPr>
+                                      <a:rPr lang="en-US" altLang="ko-KR" sz="2000" b="0" i="1" dirty="0" smtClean="0">
+                                        <a:latin typeface="Cambria Math" panose="02040503050406030204" pitchFamily="18" charset="0"/>
+                                        <a:ea typeface="Cambria Math" panose="02040503050406030204" pitchFamily="18" charset="0"/>
+                                      </a:rPr>
+                                      <m:t>0</m:t>
+                                    </m:r>
+                                  </m:e>
+                                  <m:e>
+                                    <m:r>
+                                      <a:rPr lang="en-US" altLang="ko-KR" sz="2000" b="0" i="1" dirty="0" smtClean="0">
+                                        <a:latin typeface="Cambria Math" panose="02040503050406030204" pitchFamily="18" charset="0"/>
+                                        <a:ea typeface="Cambria Math" panose="02040503050406030204" pitchFamily="18" charset="0"/>
+                                      </a:rPr>
+                                      <m:t>0</m:t>
+                                    </m:r>
+                                  </m:e>
+                                </m:mr>
+                                <m:mr>
+                                  <m:e>
+                                    <m:r>
+                                      <a:rPr lang="en-US" altLang="ko-KR" sz="2000" b="0" i="1" dirty="0" smtClean="0">
+                                        <a:latin typeface="Cambria Math" panose="02040503050406030204" pitchFamily="18" charset="0"/>
+                                        <a:ea typeface="Cambria Math" panose="02040503050406030204" pitchFamily="18" charset="0"/>
+                                      </a:rPr>
+                                      <m:t>0</m:t>
+                                    </m:r>
+                                  </m:e>
+                                  <m:e>
+                                    <m:r>
+                                      <a:rPr lang="en-US" altLang="ko-KR" sz="2000" b="0" i="1" dirty="0" smtClean="0">
+                                        <a:latin typeface="Cambria Math" panose="02040503050406030204" pitchFamily="18" charset="0"/>
+                                        <a:ea typeface="Cambria Math" panose="02040503050406030204" pitchFamily="18" charset="0"/>
+                                      </a:rPr>
+                                      <m:t>0</m:t>
+                                    </m:r>
+                                  </m:e>
+                                </m:mr>
+                              </m:m>
+                            </m:e>
+                            <m:e>
+                              <m:m>
+                                <m:mPr>
+                                  <m:mcs>
+                                    <m:mc>
+                                      <m:mcPr>
+                                        <m:count m:val="2"/>
+                                        <m:mcJc m:val="center"/>
+                                      </m:mcPr>
+                                    </m:mc>
+                                  </m:mcs>
+                                  <m:ctrlPr>
+                                    <a:rPr lang="en-US" altLang="ko-KR" sz="2000" b="0" i="1" dirty="0" smtClean="0">
+                                      <a:latin typeface="Cambria Math" panose="02040503050406030204" pitchFamily="18" charset="0"/>
+                                      <a:ea typeface="Cambria Math" panose="02040503050406030204" pitchFamily="18" charset="0"/>
+                                    </a:rPr>
+                                  </m:ctrlPr>
+                                </m:mPr>
+                                <m:mr>
+                                  <m:e>
+                                    <m:r>
+                                      <m:rPr>
+                                        <m:brk m:alnAt="7"/>
+                                      </m:rPr>
+                                      <a:rPr lang="en-US" altLang="ko-KR" sz="2000" b="0" i="1" dirty="0" smtClean="0">
+                                        <a:latin typeface="Cambria Math" panose="02040503050406030204" pitchFamily="18" charset="0"/>
+                                        <a:ea typeface="Cambria Math" panose="02040503050406030204" pitchFamily="18" charset="0"/>
+                                      </a:rPr>
+                                      <m:t>0</m:t>
+                                    </m:r>
+                                  </m:e>
+                                  <m:e>
+                                    <m:r>
+                                      <a:rPr lang="en-US" altLang="ko-KR" sz="2000" b="0" i="1" dirty="0" smtClean="0">
+                                        <a:latin typeface="Cambria Math" panose="02040503050406030204" pitchFamily="18" charset="0"/>
+                                        <a:ea typeface="Cambria Math" panose="02040503050406030204" pitchFamily="18" charset="0"/>
+                                      </a:rPr>
+                                      <m:t>1</m:t>
+                                    </m:r>
+                                  </m:e>
+                                </m:mr>
+                                <m:mr>
+                                  <m:e>
+                                    <m:r>
+                                      <a:rPr lang="en-US" altLang="ko-KR" sz="2000" b="0" i="1" dirty="0" smtClean="0">
+                                        <a:latin typeface="Cambria Math" panose="02040503050406030204" pitchFamily="18" charset="0"/>
+                                        <a:ea typeface="Cambria Math" panose="02040503050406030204" pitchFamily="18" charset="0"/>
+                                      </a:rPr>
+                                      <m:t>1</m:t>
+                                    </m:r>
+                                  </m:e>
+                                  <m:e>
+                                    <m:r>
+                                      <a:rPr lang="en-US" altLang="ko-KR" sz="2000" b="0" i="1" dirty="0" smtClean="0">
+                                        <a:latin typeface="Cambria Math" panose="02040503050406030204" pitchFamily="18" charset="0"/>
+                                        <a:ea typeface="Cambria Math" panose="02040503050406030204" pitchFamily="18" charset="0"/>
+                                      </a:rPr>
+                                      <m:t>0</m:t>
+                                    </m:r>
+                                  </m:e>
+                                </m:mr>
+                              </m:m>
+                            </m:e>
+                          </m:mr>
+                        </m:m>
+                      </m:e>
+                    </m:d>
+                  </m:oMath>
+                </a14:m>
+                <a:r>
+                  <a:rPr lang="en-US" altLang="ko-KR" dirty="0"/>
+                  <a:t>, </a:t>
+                </a:r>
+                <a14:m>
+                  <m:oMath xmlns:m="http://schemas.openxmlformats.org/officeDocument/2006/math">
+                    <m:r>
+                      <m:rPr>
+                        <m:nor/>
+                      </m:rPr>
+                      <a:rPr lang="ko-KR" altLang="en-US" dirty="0" smtClean="0">
+                        <a:latin typeface="Cambria Math" panose="02040503050406030204" pitchFamily="18" charset="0"/>
+                      </a:rPr>
+                      <m:t>∣</m:t>
+                    </m:r>
+                    <m:r>
+                      <m:rPr>
+                        <m:nor/>
+                      </m:rPr>
+                      <a:rPr lang="en-US" altLang="ko-KR" b="0" i="0" dirty="0" smtClean="0">
+                        <a:latin typeface="Cambria Math" panose="02040503050406030204" pitchFamily="18" charset="0"/>
+                        <a:ea typeface="Cambria Math" panose="02040503050406030204" pitchFamily="18" charset="0"/>
+                      </a:rPr>
+                      <m:t>c</m:t>
+                    </m:r>
+                    <m:r>
+                      <m:rPr>
+                        <m:nor/>
+                      </m:rPr>
+                      <a:rPr lang="en-US" altLang="ko-KR" dirty="0" smtClean="0">
+                        <a:latin typeface="Cambria Math" panose="02040503050406030204" pitchFamily="18" charset="0"/>
+                        <a:ea typeface="Cambria Math" panose="02040503050406030204" pitchFamily="18" charset="0"/>
+                      </a:rPr>
+                      <m:t>⟩</m:t>
+                    </m:r>
+                    <m:r>
+                      <a:rPr lang="en-US" altLang="ko-KR" i="1" dirty="0" smtClean="0">
+                        <a:latin typeface="Cambria Math" panose="02040503050406030204" pitchFamily="18" charset="0"/>
+                        <a:ea typeface="Cambria Math" panose="02040503050406030204" pitchFamily="18" charset="0"/>
+                      </a:rPr>
+                      <m:t>⨂</m:t>
+                    </m:r>
+                    <m:r>
+                      <m:rPr>
+                        <m:nor/>
+                      </m:rPr>
+                      <a:rPr lang="ko-KR" altLang="en-US" dirty="0" smtClean="0">
+                        <a:latin typeface="Cambria Math" panose="02040503050406030204" pitchFamily="18" charset="0"/>
+                      </a:rPr>
+                      <m:t>∣</m:t>
+                    </m:r>
+                    <m:r>
+                      <m:rPr>
+                        <m:nor/>
+                      </m:rPr>
+                      <a:rPr lang="en-US" altLang="ko-KR" b="0" i="0" dirty="0" smtClean="0">
+                        <a:latin typeface="Cambria Math" panose="02040503050406030204" pitchFamily="18" charset="0"/>
+                        <a:ea typeface="Cambria Math" panose="02040503050406030204" pitchFamily="18" charset="0"/>
+                      </a:rPr>
+                      <m:t>t</m:t>
+                    </m:r>
+                    <m:r>
+                      <m:rPr>
+                        <m:nor/>
+                      </m:rPr>
+                      <a:rPr lang="en-US" altLang="ko-KR" dirty="0" smtClean="0">
+                        <a:latin typeface="Cambria Math" panose="02040503050406030204" pitchFamily="18" charset="0"/>
+                        <a:ea typeface="Cambria Math" panose="02040503050406030204" pitchFamily="18" charset="0"/>
+                      </a:rPr>
+                      <m:t>⟩</m:t>
+                    </m:r>
+                    <m:r>
+                      <a:rPr lang="en-US" altLang="ko-KR" i="1" dirty="0" smtClean="0">
+                        <a:latin typeface="Cambria Math" panose="02040503050406030204" pitchFamily="18" charset="0"/>
+                        <a:ea typeface="Cambria Math" panose="02040503050406030204" pitchFamily="18" charset="0"/>
+                      </a:rPr>
+                      <m:t>→</m:t>
+                    </m:r>
+                    <m:r>
+                      <m:rPr>
+                        <m:nor/>
+                      </m:rPr>
+                      <a:rPr lang="ko-KR" altLang="en-US" dirty="0" smtClean="0">
+                        <a:latin typeface="Cambria Math" panose="02040503050406030204" pitchFamily="18" charset="0"/>
+                      </a:rPr>
+                      <m:t>∣</m:t>
+                    </m:r>
+                    <m:r>
+                      <m:rPr>
+                        <m:nor/>
+                      </m:rPr>
+                      <a:rPr lang="en-US" altLang="ko-KR" b="0" i="0" dirty="0" smtClean="0">
+                        <a:latin typeface="Cambria Math" panose="02040503050406030204" pitchFamily="18" charset="0"/>
+                        <a:ea typeface="Cambria Math" panose="02040503050406030204" pitchFamily="18" charset="0"/>
+                      </a:rPr>
+                      <m:t>c</m:t>
+                    </m:r>
+                    <m:r>
+                      <m:rPr>
+                        <m:nor/>
+                      </m:rPr>
+                      <a:rPr lang="en-US" altLang="ko-KR" dirty="0" smtClean="0">
+                        <a:latin typeface="Cambria Math" panose="02040503050406030204" pitchFamily="18" charset="0"/>
+                        <a:ea typeface="Cambria Math" panose="02040503050406030204" pitchFamily="18" charset="0"/>
+                      </a:rPr>
+                      <m:t>⟩</m:t>
+                    </m:r>
+                    <m:r>
+                      <a:rPr lang="en-US" altLang="ko-KR" i="1" dirty="0" smtClean="0">
+                        <a:latin typeface="Cambria Math" panose="02040503050406030204" pitchFamily="18" charset="0"/>
+                        <a:ea typeface="Cambria Math" panose="02040503050406030204" pitchFamily="18" charset="0"/>
+                      </a:rPr>
+                      <m:t>⨂</m:t>
+                    </m:r>
+                    <m:r>
+                      <m:rPr>
+                        <m:nor/>
+                      </m:rPr>
+                      <a:rPr lang="ko-KR" altLang="en-US" dirty="0" smtClean="0">
+                        <a:latin typeface="Cambria Math" panose="02040503050406030204" pitchFamily="18" charset="0"/>
+                      </a:rPr>
+                      <m:t>∣</m:t>
+                    </m:r>
+                    <m:r>
+                      <m:rPr>
+                        <m:nor/>
+                      </m:rPr>
+                      <a:rPr lang="en-US" altLang="ko-KR" b="0" i="0" dirty="0" smtClean="0">
+                        <a:latin typeface="Cambria Math" panose="02040503050406030204" pitchFamily="18" charset="0"/>
+                        <a:ea typeface="Cambria Math" panose="02040503050406030204" pitchFamily="18" charset="0"/>
+                      </a:rPr>
+                      <m:t>t</m:t>
+                    </m:r>
+                    <m:r>
+                      <a:rPr lang="en-US" altLang="ko-KR" b="0" i="1" dirty="0" smtClean="0">
+                        <a:latin typeface="Cambria Math" panose="02040503050406030204" pitchFamily="18" charset="0"/>
+                        <a:ea typeface="Cambria Math" panose="02040503050406030204" pitchFamily="18" charset="0"/>
+                      </a:rPr>
+                      <m:t>⨁</m:t>
+                    </m:r>
+                    <m:r>
+                      <m:rPr>
+                        <m:nor/>
+                      </m:rPr>
+                      <a:rPr lang="en-US" altLang="ko-KR" b="0" i="0" dirty="0" smtClean="0">
+                        <a:latin typeface="Cambria Math" panose="02040503050406030204" pitchFamily="18" charset="0"/>
+                        <a:ea typeface="Cambria Math" panose="02040503050406030204" pitchFamily="18" charset="0"/>
+                      </a:rPr>
+                      <m:t>c</m:t>
+                    </m:r>
+                    <m:r>
+                      <m:rPr>
+                        <m:nor/>
+                      </m:rPr>
+                      <a:rPr lang="en-US" altLang="ko-KR" dirty="0" smtClean="0">
+                        <a:latin typeface="Cambria Math" panose="02040503050406030204" pitchFamily="18" charset="0"/>
+                        <a:ea typeface="Cambria Math" panose="02040503050406030204" pitchFamily="18" charset="0"/>
+                      </a:rPr>
+                      <m:t>⟩</m:t>
+                    </m:r>
+                  </m:oMath>
+                </a14:m>
+                <a:endParaRPr lang="ko-KR" altLang="en-US" dirty="0">
+                  <a:latin typeface="Cambria Math" panose="02040503050406030204" pitchFamily="18" charset="0"/>
+                </a:endParaRPr>
+              </a:p>
+              <a:p>
+                <a:endParaRPr lang="ko-KR" altLang="en-US" dirty="0"/>
+              </a:p>
+            </p:txBody>
+          </p:sp>
+        </mc:Choice>
+        <mc:Fallback xmlns="">
+          <p:sp>
+            <p:nvSpPr>
+              <p:cNvPr id="25" name="직사각형 24"/>
+              <p:cNvSpPr>
+                <a:spLocks noRot="1" noChangeAspect="1" noMove="1" noResize="1" noEditPoints="1" noAdjustHandles="1" noChangeArrowheads="1" noChangeShapeType="1" noTextEdit="1"/>
+              </p:cNvSpPr>
+              <p:nvPr/>
+            </p:nvSpPr>
+            <p:spPr>
+              <a:xfrm>
+                <a:off x="2207910" y="1467223"/>
+                <a:ext cx="4976940" cy="1439946"/>
+              </a:xfrm>
+              <a:prstGeom prst="rect">
+                <a:avLst/>
+              </a:prstGeom>
+              <a:blipFill>
+                <a:blip r:embed="rId8"/>
+                <a:stretch>
+                  <a:fillRect/>
+                </a:stretch>
+              </a:blipFill>
+            </p:spPr>
+            <p:txBody>
+              <a:bodyPr/>
+              <a:lstStyle/>
+              <a:p>
+                <a:r>
+                  <a:rPr lang="ko-KR" altLang="en-US">
+                    <a:noFill/>
+                  </a:rPr>
+                  <a:t> </a:t>
+                </a:r>
+              </a:p>
+            </p:txBody>
+          </p:sp>
+        </mc:Fallback>
+      </mc:AlternateContent>
+      <mc:AlternateContent xmlns:mc="http://schemas.openxmlformats.org/markup-compatibility/2006" xmlns:a14="http://schemas.microsoft.com/office/drawing/2010/main">
+        <mc:Choice Requires="a14">
+          <p:sp>
+            <p:nvSpPr>
+              <p:cNvPr id="26" name="직사각형 25"/>
+              <p:cNvSpPr/>
+              <p:nvPr/>
+            </p:nvSpPr>
+            <p:spPr>
+              <a:xfrm>
+                <a:off x="444779" y="1617301"/>
+                <a:ext cx="518091" cy="369332"/>
+              </a:xfrm>
+              <a:prstGeom prst="rect">
+                <a:avLst/>
+              </a:prstGeom>
+            </p:spPr>
+            <p:txBody>
+              <a:bodyPr wrap="none">
+                <a:spAutoFit/>
+              </a:bodyPr>
+              <a:lstStyle/>
+              <a:p>
+                <a:pPr/>
+                <a14:m>
+                  <m:oMathPara xmlns:m="http://schemas.openxmlformats.org/officeDocument/2006/math">
+                    <m:oMathParaPr>
+                      <m:jc m:val="centerGroup"/>
+                    </m:oMathParaPr>
+                    <m:oMath xmlns:m="http://schemas.openxmlformats.org/officeDocument/2006/math">
+                      <m:r>
+                        <m:rPr>
+                          <m:nor/>
+                        </m:rPr>
+                        <a:rPr lang="ko-KR" altLang="en-US" dirty="0">
+                          <a:latin typeface="Cambria Math" panose="02040503050406030204" pitchFamily="18" charset="0"/>
+                        </a:rPr>
+                        <m:t>∣</m:t>
+                      </m:r>
+                      <m:r>
+                        <m:rPr>
+                          <m:nor/>
+                        </m:rPr>
+                        <a:rPr lang="en-US" altLang="ko-KR" b="0" i="0" dirty="0" smtClean="0">
+                          <a:latin typeface="Cambria Math" panose="02040503050406030204" pitchFamily="18" charset="0"/>
+                        </a:rPr>
+                        <m:t>c</m:t>
+                      </m:r>
+                      <m:r>
+                        <m:rPr>
+                          <m:nor/>
+                        </m:rPr>
+                        <a:rPr lang="en-US" altLang="ko-KR" dirty="0">
+                          <a:latin typeface="Cambria Math" panose="02040503050406030204" pitchFamily="18" charset="0"/>
+                          <a:ea typeface="Cambria Math" panose="02040503050406030204" pitchFamily="18" charset="0"/>
+                        </a:rPr>
+                        <m:t>⟩</m:t>
+                      </m:r>
+                    </m:oMath>
+                  </m:oMathPara>
+                </a14:m>
+                <a:endParaRPr lang="ko-KR" altLang="en-US" dirty="0"/>
+              </a:p>
+            </p:txBody>
+          </p:sp>
+        </mc:Choice>
+        <mc:Fallback xmlns="">
+          <p:sp>
+            <p:nvSpPr>
+              <p:cNvPr id="26" name="직사각형 25"/>
+              <p:cNvSpPr>
+                <a:spLocks noRot="1" noChangeAspect="1" noMove="1" noResize="1" noEditPoints="1" noAdjustHandles="1" noChangeArrowheads="1" noChangeShapeType="1" noTextEdit="1"/>
+              </p:cNvSpPr>
+              <p:nvPr/>
+            </p:nvSpPr>
+            <p:spPr>
+              <a:xfrm>
+                <a:off x="444779" y="1617301"/>
+                <a:ext cx="518091" cy="369332"/>
+              </a:xfrm>
+              <a:prstGeom prst="rect">
+                <a:avLst/>
+              </a:prstGeom>
+              <a:blipFill>
+                <a:blip r:embed="rId9"/>
+                <a:stretch>
+                  <a:fillRect b="-16393"/>
+                </a:stretch>
+              </a:blipFill>
+            </p:spPr>
+            <p:txBody>
+              <a:bodyPr/>
+              <a:lstStyle/>
+              <a:p>
+                <a:r>
+                  <a:rPr lang="ko-KR" altLang="en-US">
+                    <a:noFill/>
+                  </a:rPr>
+                  <a:t> </a:t>
+                </a:r>
+              </a:p>
+            </p:txBody>
+          </p:sp>
+        </mc:Fallback>
+      </mc:AlternateContent>
+      <mc:AlternateContent xmlns:mc="http://schemas.openxmlformats.org/markup-compatibility/2006" xmlns:a14="http://schemas.microsoft.com/office/drawing/2010/main">
+        <mc:Choice Requires="a14">
+          <p:sp>
+            <p:nvSpPr>
+              <p:cNvPr id="27" name="직사각형 26"/>
+              <p:cNvSpPr/>
+              <p:nvPr/>
+            </p:nvSpPr>
+            <p:spPr>
+              <a:xfrm>
+                <a:off x="444779" y="2126846"/>
+                <a:ext cx="495649" cy="369332"/>
+              </a:xfrm>
+              <a:prstGeom prst="rect">
+                <a:avLst/>
+              </a:prstGeom>
+            </p:spPr>
+            <p:txBody>
+              <a:bodyPr wrap="none">
+                <a:spAutoFit/>
+              </a:bodyPr>
+              <a:lstStyle/>
+              <a:p>
+                <a:pPr/>
+                <a14:m>
+                  <m:oMathPara xmlns:m="http://schemas.openxmlformats.org/officeDocument/2006/math">
+                    <m:oMathParaPr>
+                      <m:jc m:val="centerGroup"/>
+                    </m:oMathParaPr>
+                    <m:oMath xmlns:m="http://schemas.openxmlformats.org/officeDocument/2006/math">
+                      <m:r>
+                        <m:rPr>
+                          <m:nor/>
+                        </m:rPr>
+                        <a:rPr lang="ko-KR" altLang="en-US" dirty="0">
+                          <a:latin typeface="Cambria Math" panose="02040503050406030204" pitchFamily="18" charset="0"/>
+                        </a:rPr>
+                        <m:t>∣</m:t>
+                      </m:r>
+                      <m:r>
+                        <m:rPr>
+                          <m:nor/>
+                        </m:rPr>
+                        <a:rPr lang="en-US" altLang="ko-KR" b="0" i="0" dirty="0" smtClean="0">
+                          <a:latin typeface="Cambria Math" panose="02040503050406030204" pitchFamily="18" charset="0"/>
+                        </a:rPr>
+                        <m:t>t</m:t>
+                      </m:r>
+                      <m:r>
+                        <m:rPr>
+                          <m:nor/>
+                        </m:rPr>
+                        <a:rPr lang="en-US" altLang="ko-KR" dirty="0">
+                          <a:latin typeface="Cambria Math" panose="02040503050406030204" pitchFamily="18" charset="0"/>
+                          <a:ea typeface="Cambria Math" panose="02040503050406030204" pitchFamily="18" charset="0"/>
+                        </a:rPr>
+                        <m:t>⟩</m:t>
+                      </m:r>
+                    </m:oMath>
+                  </m:oMathPara>
+                </a14:m>
+                <a:endParaRPr lang="ko-KR" altLang="en-US" dirty="0"/>
+              </a:p>
+            </p:txBody>
+          </p:sp>
+        </mc:Choice>
+        <mc:Fallback xmlns="">
+          <p:sp>
+            <p:nvSpPr>
+              <p:cNvPr id="27" name="직사각형 26"/>
+              <p:cNvSpPr>
+                <a:spLocks noRot="1" noChangeAspect="1" noMove="1" noResize="1" noEditPoints="1" noAdjustHandles="1" noChangeArrowheads="1" noChangeShapeType="1" noTextEdit="1"/>
+              </p:cNvSpPr>
+              <p:nvPr/>
+            </p:nvSpPr>
+            <p:spPr>
+              <a:xfrm>
+                <a:off x="444779" y="2126846"/>
+                <a:ext cx="495649" cy="369332"/>
+              </a:xfrm>
+              <a:prstGeom prst="rect">
+                <a:avLst/>
+              </a:prstGeom>
+              <a:blipFill>
+                <a:blip r:embed="rId10"/>
+                <a:stretch>
+                  <a:fillRect b="-16667"/>
+                </a:stretch>
+              </a:blipFill>
+            </p:spPr>
+            <p:txBody>
+              <a:bodyPr/>
+              <a:lstStyle/>
+              <a:p>
+                <a:r>
+                  <a:rPr lang="ko-KR" altLang="en-US">
+                    <a:noFill/>
+                  </a:rPr>
+                  <a:t> </a:t>
+                </a:r>
+              </a:p>
+            </p:txBody>
+          </p:sp>
+        </mc:Fallback>
+      </mc:AlternateContent>
+      <mc:AlternateContent xmlns:mc="http://schemas.openxmlformats.org/markup-compatibility/2006" xmlns:a14="http://schemas.microsoft.com/office/drawing/2010/main">
+        <mc:Choice Requires="a14">
+          <p:sp>
+            <p:nvSpPr>
+              <p:cNvPr id="5" name="직사각형 4"/>
+              <p:cNvSpPr/>
+              <p:nvPr/>
+            </p:nvSpPr>
+            <p:spPr>
+              <a:xfrm>
+                <a:off x="7276206" y="1604132"/>
+                <a:ext cx="2248730" cy="923330"/>
+              </a:xfrm>
+              <a:prstGeom prst="rect">
+                <a:avLst/>
+              </a:prstGeom>
+            </p:spPr>
+            <p:txBody>
+              <a:bodyPr wrap="square">
+                <a:spAutoFit/>
+              </a:bodyPr>
+              <a:lstStyle/>
+              <a:p>
+                <a:pPr>
+                  <a:lnSpc>
+                    <a:spcPct val="150000"/>
+                  </a:lnSpc>
+                </a:pPr>
+                <a14:m>
+                  <m:oMathPara xmlns:m="http://schemas.openxmlformats.org/officeDocument/2006/math">
+                    <m:oMathParaPr>
+                      <m:jc m:val="centerGroup"/>
+                    </m:oMathParaPr>
+                    <m:oMath xmlns:m="http://schemas.openxmlformats.org/officeDocument/2006/math">
+                      <m:r>
+                        <m:rPr>
+                          <m:nor/>
+                        </m:rPr>
+                        <a:rPr lang="ko-KR" altLang="en-US" dirty="0" smtClean="0">
+                          <a:latin typeface="Cambria Math" panose="02040503050406030204" pitchFamily="18" charset="0"/>
+                        </a:rPr>
+                        <m:t>∣</m:t>
+                      </m:r>
+                      <m:r>
+                        <m:rPr>
+                          <m:nor/>
+                        </m:rPr>
+                        <a:rPr lang="en-US" altLang="ko-KR" b="0" i="0" dirty="0" smtClean="0">
+                          <a:latin typeface="Cambria Math" panose="02040503050406030204" pitchFamily="18" charset="0"/>
+                        </a:rPr>
+                        <m:t>t</m:t>
+                      </m:r>
+                      <m:r>
+                        <m:rPr>
+                          <m:nor/>
+                        </m:rPr>
+                        <a:rPr lang="en-US" altLang="ko-KR" dirty="0" smtClean="0">
+                          <a:latin typeface="Cambria Math" panose="02040503050406030204" pitchFamily="18" charset="0"/>
+                          <a:ea typeface="Cambria Math" panose="02040503050406030204" pitchFamily="18" charset="0"/>
+                        </a:rPr>
+                        <m:t>⟩</m:t>
+                      </m:r>
+                      <m:r>
+                        <m:rPr>
+                          <m:nor/>
+                        </m:rPr>
+                        <a:rPr lang="en-US" altLang="ko-KR" b="0" i="0" dirty="0" smtClean="0">
+                          <a:latin typeface="Cambria Math" panose="02040503050406030204" pitchFamily="18" charset="0"/>
+                          <a:ea typeface="Cambria Math" panose="02040503050406030204" pitchFamily="18" charset="0"/>
+                        </a:rPr>
+                        <m:t>=</m:t>
+                      </m:r>
+                      <m:r>
+                        <m:rPr>
+                          <m:nor/>
+                        </m:rPr>
+                        <a:rPr lang="ko-KR" altLang="en-US" dirty="0" smtClean="0">
+                          <a:latin typeface="Cambria Math" panose="02040503050406030204" pitchFamily="18" charset="0"/>
+                        </a:rPr>
+                        <m:t>∣</m:t>
+                      </m:r>
+                      <m:r>
+                        <m:rPr>
+                          <m:nor/>
+                        </m:rPr>
+                        <a:rPr lang="en-US" altLang="ko-KR" b="0" i="0" dirty="0" smtClean="0">
+                          <a:latin typeface="Cambria Math" panose="02040503050406030204" pitchFamily="18" charset="0"/>
+                        </a:rPr>
+                        <m:t>0</m:t>
+                      </m:r>
+                      <m:r>
+                        <m:rPr>
+                          <m:nor/>
+                        </m:rPr>
+                        <a:rPr lang="en-US" altLang="ko-KR" dirty="0" smtClean="0">
+                          <a:latin typeface="Cambria Math" panose="02040503050406030204" pitchFamily="18" charset="0"/>
+                          <a:ea typeface="Cambria Math" panose="02040503050406030204" pitchFamily="18" charset="0"/>
+                        </a:rPr>
+                        <m:t>⟩</m:t>
+                      </m:r>
+                      <m:r>
+                        <m:rPr>
+                          <m:nor/>
+                        </m:rPr>
+                        <a:rPr lang="en-US" altLang="ko-KR" b="0" i="0" dirty="0" smtClean="0">
+                          <a:latin typeface="Cambria Math" panose="02040503050406030204" pitchFamily="18" charset="0"/>
+                          <a:ea typeface="Cambria Math" panose="02040503050406030204" pitchFamily="18" charset="0"/>
+                        </a:rPr>
+                        <m:t> </m:t>
+                      </m:r>
+                      <m:r>
+                        <m:rPr>
+                          <m:nor/>
+                        </m:rPr>
+                        <a:rPr lang="en-US" altLang="ko-KR" dirty="0">
+                          <a:latin typeface="Cambria Math" panose="02040503050406030204" pitchFamily="18" charset="0"/>
+                          <a:ea typeface="Cambria Math" panose="02040503050406030204" pitchFamily="18" charset="0"/>
+                        </a:rPr>
+                        <m:t>→</m:t>
+                      </m:r>
+                      <m:r>
+                        <m:rPr>
+                          <m:nor/>
+                        </m:rPr>
+                        <a:rPr lang="en-US" altLang="ko-KR" b="0" i="0" dirty="0" smtClean="0">
+                          <a:latin typeface="Cambria Math" panose="02040503050406030204" pitchFamily="18" charset="0"/>
+                          <a:ea typeface="Cambria Math" panose="02040503050406030204" pitchFamily="18" charset="0"/>
+                        </a:rPr>
+                        <m:t> </m:t>
+                      </m:r>
+                      <m:r>
+                        <m:rPr>
+                          <m:nor/>
+                        </m:rPr>
+                        <a:rPr lang="ko-KR" altLang="en-US" dirty="0" smtClean="0">
+                          <a:latin typeface="Cambria Math" panose="02040503050406030204" pitchFamily="18" charset="0"/>
+                        </a:rPr>
+                        <m:t>∣</m:t>
+                      </m:r>
+                      <m:r>
+                        <m:rPr>
+                          <m:nor/>
+                        </m:rPr>
+                        <a:rPr lang="en-US" altLang="ko-KR" b="0" i="0" dirty="0" smtClean="0">
+                          <a:latin typeface="Cambria Math" panose="02040503050406030204" pitchFamily="18" charset="0"/>
+                        </a:rPr>
+                        <m:t>c</m:t>
+                      </m:r>
+                      <m:r>
+                        <m:rPr>
+                          <m:nor/>
+                        </m:rPr>
+                        <a:rPr lang="en-US" altLang="ko-KR" dirty="0" smtClean="0">
+                          <a:latin typeface="Cambria Math" panose="02040503050406030204" pitchFamily="18" charset="0"/>
+                          <a:ea typeface="Cambria Math" panose="02040503050406030204" pitchFamily="18" charset="0"/>
+                        </a:rPr>
+                        <m:t>⟩</m:t>
+                      </m:r>
+                      <m:r>
+                        <m:rPr>
+                          <m:nor/>
+                        </m:rPr>
+                        <a:rPr lang="en-US" altLang="ko-KR" b="0" i="0" dirty="0" smtClean="0">
+                          <a:latin typeface="Cambria Math" panose="02040503050406030204" pitchFamily="18" charset="0"/>
+                          <a:ea typeface="Cambria Math" panose="02040503050406030204" pitchFamily="18" charset="0"/>
+                        </a:rPr>
+                        <m:t>=</m:t>
+                      </m:r>
+                      <m:r>
+                        <m:rPr>
+                          <m:nor/>
+                        </m:rPr>
+                        <a:rPr lang="ko-KR" altLang="en-US" dirty="0" smtClean="0">
+                          <a:latin typeface="Cambria Math" panose="02040503050406030204" pitchFamily="18" charset="0"/>
+                        </a:rPr>
+                        <m:t>∣</m:t>
+                      </m:r>
+                      <m:r>
+                        <m:rPr>
+                          <m:nor/>
+                        </m:rPr>
+                        <a:rPr lang="en-US" altLang="ko-KR" b="0" i="0" dirty="0" smtClean="0">
+                          <a:latin typeface="Cambria Math" panose="02040503050406030204" pitchFamily="18" charset="0"/>
+                        </a:rPr>
+                        <m:t>t</m:t>
+                      </m:r>
+                      <m:r>
+                        <m:rPr>
+                          <m:nor/>
+                        </m:rPr>
+                        <a:rPr lang="en-US" altLang="ko-KR" dirty="0" smtClean="0">
+                          <a:latin typeface="Cambria Math" panose="02040503050406030204" pitchFamily="18" charset="0"/>
+                          <a:ea typeface="Cambria Math" panose="02040503050406030204" pitchFamily="18" charset="0"/>
+                        </a:rPr>
+                        <m:t>⟩</m:t>
+                      </m:r>
+                      <m:r>
+                        <m:rPr>
+                          <m:nor/>
+                        </m:rPr>
+                        <a:rPr lang="en-US" altLang="ko-KR" b="0" i="0" dirty="0" smtClean="0">
+                          <a:latin typeface="Cambria Math" panose="02040503050406030204" pitchFamily="18" charset="0"/>
+                          <a:ea typeface="Cambria Math" panose="02040503050406030204" pitchFamily="18" charset="0"/>
+                        </a:rPr>
+                        <m:t>,</m:t>
+                      </m:r>
+                    </m:oMath>
+                  </m:oMathPara>
+                </a14:m>
+                <a:endParaRPr lang="en-US" altLang="ko-KR" dirty="0"/>
+              </a:p>
+              <a:p>
+                <a:pPr>
+                  <a:lnSpc>
+                    <a:spcPct val="150000"/>
+                  </a:lnSpc>
+                </a:pPr>
+                <a14:m>
+                  <m:oMath xmlns:m="http://schemas.openxmlformats.org/officeDocument/2006/math">
+                    <m:r>
+                      <m:rPr>
+                        <m:nor/>
+                      </m:rPr>
+                      <a:rPr lang="en-US" altLang="ko-KR" b="0" i="0" dirty="0" smtClean="0">
+                        <a:latin typeface="Cambria Math" panose="02040503050406030204" pitchFamily="18" charset="0"/>
+                      </a:rPr>
+                      <m:t>    </m:t>
+                    </m:r>
+                    <m:r>
+                      <m:rPr>
+                        <m:nor/>
+                      </m:rPr>
+                      <a:rPr lang="ko-KR" altLang="en-US" dirty="0" smtClean="0">
+                        <a:latin typeface="Cambria Math" panose="02040503050406030204" pitchFamily="18" charset="0"/>
+                      </a:rPr>
+                      <m:t>∣</m:t>
+                    </m:r>
+                    <m:r>
+                      <m:rPr>
+                        <m:nor/>
+                      </m:rPr>
+                      <a:rPr lang="en-US" altLang="ko-KR" b="0" i="0" dirty="0" smtClean="0">
+                        <a:latin typeface="Cambria Math" panose="02040503050406030204" pitchFamily="18" charset="0"/>
+                      </a:rPr>
+                      <m:t>t</m:t>
+                    </m:r>
+                    <m:r>
+                      <m:rPr>
+                        <m:nor/>
+                      </m:rPr>
+                      <a:rPr lang="en-US" altLang="ko-KR" dirty="0" smtClean="0">
+                        <a:latin typeface="Cambria Math" panose="02040503050406030204" pitchFamily="18" charset="0"/>
+                        <a:ea typeface="Cambria Math" panose="02040503050406030204" pitchFamily="18" charset="0"/>
+                      </a:rPr>
+                      <m:t>⟩</m:t>
+                    </m:r>
+                    <m:r>
+                      <m:rPr>
+                        <m:nor/>
+                      </m:rPr>
+                      <a:rPr lang="en-US" altLang="ko-KR" b="0" i="0" dirty="0" smtClean="0">
+                        <a:latin typeface="Cambria Math" panose="02040503050406030204" pitchFamily="18" charset="0"/>
+                        <a:ea typeface="Cambria Math" panose="02040503050406030204" pitchFamily="18" charset="0"/>
+                      </a:rPr>
+                      <m:t>=</m:t>
+                    </m:r>
+                    <m:r>
+                      <m:rPr>
+                        <m:nor/>
+                      </m:rPr>
+                      <a:rPr lang="ko-KR" altLang="en-US" dirty="0" smtClean="0">
+                        <a:latin typeface="Cambria Math" panose="02040503050406030204" pitchFamily="18" charset="0"/>
+                      </a:rPr>
+                      <m:t>∣</m:t>
+                    </m:r>
+                    <m:r>
+                      <m:rPr>
+                        <m:nor/>
+                      </m:rPr>
+                      <a:rPr lang="en-US" altLang="ko-KR" b="0" i="0" dirty="0" smtClean="0">
+                        <a:latin typeface="Cambria Math" panose="02040503050406030204" pitchFamily="18" charset="0"/>
+                      </a:rPr>
+                      <m:t>1</m:t>
+                    </m:r>
+                    <m:r>
+                      <m:rPr>
+                        <m:nor/>
+                      </m:rPr>
+                      <a:rPr lang="en-US" altLang="ko-KR" dirty="0" smtClean="0">
+                        <a:latin typeface="Cambria Math" panose="02040503050406030204" pitchFamily="18" charset="0"/>
+                        <a:ea typeface="Cambria Math" panose="02040503050406030204" pitchFamily="18" charset="0"/>
+                      </a:rPr>
+                      <m:t>⟩</m:t>
+                    </m:r>
+                    <m:r>
+                      <m:rPr>
+                        <m:nor/>
+                      </m:rPr>
+                      <a:rPr lang="en-US" altLang="ko-KR" b="0" i="0" dirty="0" smtClean="0">
+                        <a:latin typeface="Cambria Math" panose="02040503050406030204" pitchFamily="18" charset="0"/>
+                        <a:ea typeface="Cambria Math" panose="02040503050406030204" pitchFamily="18" charset="0"/>
+                      </a:rPr>
+                      <m:t> ,    </m:t>
+                    </m:r>
+                  </m:oMath>
+                </a14:m>
+                <a:r>
+                  <a:rPr lang="en-US" altLang="ko-KR" dirty="0"/>
+                  <a:t>           </a:t>
+                </a:r>
+                <a:endParaRPr lang="ko-KR" altLang="en-US" dirty="0"/>
+              </a:p>
+            </p:txBody>
+          </p:sp>
+        </mc:Choice>
+        <mc:Fallback xmlns="">
+          <p:sp>
+            <p:nvSpPr>
+              <p:cNvPr id="5" name="직사각형 4"/>
+              <p:cNvSpPr>
+                <a:spLocks noRot="1" noChangeAspect="1" noMove="1" noResize="1" noEditPoints="1" noAdjustHandles="1" noChangeArrowheads="1" noChangeShapeType="1" noTextEdit="1"/>
+              </p:cNvSpPr>
+              <p:nvPr/>
+            </p:nvSpPr>
+            <p:spPr>
+              <a:xfrm>
+                <a:off x="7276206" y="1604132"/>
+                <a:ext cx="2248730" cy="923330"/>
+              </a:xfrm>
+              <a:prstGeom prst="rect">
+                <a:avLst/>
+              </a:prstGeom>
+              <a:blipFill>
+                <a:blip r:embed="rId11"/>
+                <a:stretch>
+                  <a:fillRect/>
+                </a:stretch>
+              </a:blipFill>
+            </p:spPr>
+            <p:txBody>
+              <a:bodyPr/>
+              <a:lstStyle/>
+              <a:p>
+                <a:r>
+                  <a:rPr lang="ko-KR" altLang="en-US">
+                    <a:noFill/>
+                  </a:rPr>
+                  <a:t> </a:t>
+                </a:r>
+              </a:p>
+            </p:txBody>
+          </p:sp>
+        </mc:Fallback>
+      </mc:AlternateContent>
+      <p:sp>
+        <p:nvSpPr>
+          <p:cNvPr id="7" name="직사각형 6"/>
+          <p:cNvSpPr/>
+          <p:nvPr/>
+        </p:nvSpPr>
+        <p:spPr>
+          <a:xfrm>
+            <a:off x="9317628" y="1586584"/>
+            <a:ext cx="1752083" cy="507831"/>
+          </a:xfrm>
+          <a:prstGeom prst="rect">
+            <a:avLst/>
+          </a:prstGeom>
+        </p:spPr>
+        <p:txBody>
+          <a:bodyPr wrap="none">
+            <a:spAutoFit/>
+          </a:bodyPr>
+          <a:lstStyle/>
+          <a:p>
+            <a:pPr>
+              <a:lnSpc>
+                <a:spcPct val="150000"/>
+              </a:lnSpc>
+            </a:pPr>
+            <a:r>
+              <a:rPr lang="en-US" altLang="ko-KR" dirty="0"/>
+              <a:t>copy the state!</a:t>
+            </a:r>
+          </a:p>
+        </p:txBody>
+      </p:sp>
+      <p:sp>
+        <p:nvSpPr>
+          <p:cNvPr id="31" name="직사각형 30"/>
+          <p:cNvSpPr/>
+          <p:nvPr/>
+        </p:nvSpPr>
+        <p:spPr>
+          <a:xfrm>
+            <a:off x="9404991" y="2006276"/>
+            <a:ext cx="1577355" cy="507831"/>
+          </a:xfrm>
+          <a:prstGeom prst="rect">
+            <a:avLst/>
+          </a:prstGeom>
+        </p:spPr>
+        <p:txBody>
+          <a:bodyPr wrap="none">
+            <a:spAutoFit/>
+          </a:bodyPr>
+          <a:lstStyle/>
+          <a:p>
+            <a:pPr>
+              <a:lnSpc>
+                <a:spcPct val="150000"/>
+              </a:lnSpc>
+            </a:pPr>
+            <a:r>
+              <a:rPr lang="en-US" altLang="ko-KR" dirty="0"/>
+              <a:t>flip the state!</a:t>
+            </a:r>
+          </a:p>
+        </p:txBody>
+      </p:sp>
+      <p:pic>
+        <p:nvPicPr>
+          <p:cNvPr id="9" name="그림 8"/>
+          <p:cNvPicPr>
+            <a:picLocks noChangeAspect="1"/>
+          </p:cNvPicPr>
+          <p:nvPr/>
+        </p:nvPicPr>
+        <p:blipFill>
+          <a:blip r:embed="rId12"/>
+          <a:stretch>
+            <a:fillRect/>
+          </a:stretch>
+        </p:blipFill>
+        <p:spPr>
+          <a:xfrm>
+            <a:off x="3573230" y="3124964"/>
+            <a:ext cx="2579817" cy="1896206"/>
+          </a:xfrm>
+          <a:prstGeom prst="rect">
+            <a:avLst/>
+          </a:prstGeom>
+        </p:spPr>
+      </p:pic>
+      <p:pic>
+        <p:nvPicPr>
+          <p:cNvPr id="33" name="Picture 4" descr="https://upload.wikimedia.org/wikipedia/commons/thumb/6/6b/Bloch_sphere.svg/220px-Bloch_sphere.svg.png"/>
+          <p:cNvPicPr>
+            <a:picLocks noChangeAspect="1" noChangeArrowheads="1"/>
+          </p:cNvPicPr>
+          <p:nvPr/>
+        </p:nvPicPr>
+        <p:blipFill>
+          <a:blip r:embed="rId13">
+            <a:extLst>
+              <a:ext uri="{28A0092B-C50C-407E-A947-70E740481C1C}">
+                <a14:useLocalDpi xmlns:a14="http://schemas.microsoft.com/office/drawing/2010/main" val="0"/>
+              </a:ext>
+            </a:extLst>
+          </a:blip>
+          <a:srcRect/>
+          <a:stretch>
+            <a:fillRect/>
+          </a:stretch>
+        </p:blipFill>
+        <p:spPr bwMode="auto">
+          <a:xfrm>
+            <a:off x="10012927" y="4883275"/>
+            <a:ext cx="1821944" cy="1929606"/>
+          </a:xfrm>
+          <a:prstGeom prst="rect">
+            <a:avLst/>
+          </a:prstGeom>
+          <a:noFill/>
+          <a:extLst>
+            <a:ext uri="{909E8E84-426E-40DD-AFC4-6F175D3DCCD1}">
+              <a14:hiddenFill xmlns:a14="http://schemas.microsoft.com/office/drawing/2010/main">
+                <a:solidFill>
+                  <a:srgbClr val="FFFFFF"/>
+                </a:solidFill>
+              </a14:hiddenFill>
+            </a:ext>
+          </a:extLst>
+        </p:spPr>
+      </p:pic>
+      <mc:AlternateContent xmlns:mc="http://schemas.openxmlformats.org/markup-compatibility/2006" xmlns:a14="http://schemas.microsoft.com/office/drawing/2010/main">
+        <mc:Choice Requires="a14">
+          <p:sp>
+            <p:nvSpPr>
+              <p:cNvPr id="10" name="직사각형 9"/>
+              <p:cNvSpPr/>
+              <p:nvPr/>
+            </p:nvSpPr>
+            <p:spPr>
+              <a:xfrm>
+                <a:off x="1938363" y="3735105"/>
+                <a:ext cx="649665" cy="369332"/>
+              </a:xfrm>
+              <a:prstGeom prst="rect">
+                <a:avLst/>
+              </a:prstGeom>
+            </p:spPr>
+            <p:txBody>
+              <a:bodyPr wrap="none">
+                <a:spAutoFit/>
+              </a:bodyPr>
+              <a:lstStyle/>
+              <a:p>
+                <a:pPr/>
+                <a14:m>
+                  <m:oMathPara xmlns:m="http://schemas.openxmlformats.org/officeDocument/2006/math">
+                    <m:oMathParaPr>
+                      <m:jc m:val="centerGroup"/>
+                    </m:oMathParaPr>
+                    <m:oMath xmlns:m="http://schemas.openxmlformats.org/officeDocument/2006/math">
+                      <m:r>
+                        <a:rPr lang="ko-KR" altLang="en-US" b="0" i="1" smtClean="0">
+                          <a:latin typeface="Cambria Math" panose="02040503050406030204" pitchFamily="18" charset="0"/>
+                        </a:rPr>
+                        <m:t>𝜋</m:t>
+                      </m:r>
+                      <m:r>
+                        <a:rPr lang="en-US" altLang="ko-KR" b="0" i="1" smtClean="0">
+                          <a:latin typeface="Cambria Math" panose="02040503050406030204" pitchFamily="18" charset="0"/>
+                        </a:rPr>
+                        <m:t>/4</m:t>
+                      </m:r>
+                    </m:oMath>
+                  </m:oMathPara>
+                </a14:m>
+                <a:endParaRPr lang="ko-KR" altLang="en-US" dirty="0"/>
+              </a:p>
+            </p:txBody>
+          </p:sp>
+        </mc:Choice>
+        <mc:Fallback xmlns="">
+          <p:sp>
+            <p:nvSpPr>
+              <p:cNvPr id="10" name="직사각형 9"/>
+              <p:cNvSpPr>
+                <a:spLocks noRot="1" noChangeAspect="1" noMove="1" noResize="1" noEditPoints="1" noAdjustHandles="1" noChangeArrowheads="1" noChangeShapeType="1" noTextEdit="1"/>
+              </p:cNvSpPr>
+              <p:nvPr/>
+            </p:nvSpPr>
+            <p:spPr>
+              <a:xfrm>
+                <a:off x="1938363" y="3735105"/>
+                <a:ext cx="649665" cy="369332"/>
+              </a:xfrm>
+              <a:prstGeom prst="rect">
+                <a:avLst/>
+              </a:prstGeom>
+              <a:blipFill>
+                <a:blip r:embed="rId14"/>
+                <a:stretch>
+                  <a:fillRect b="-16667"/>
+                </a:stretch>
+              </a:blipFill>
+            </p:spPr>
+            <p:txBody>
+              <a:bodyPr/>
+              <a:lstStyle/>
+              <a:p>
+                <a:r>
+                  <a:rPr lang="ko-KR" altLang="en-US">
+                    <a:noFill/>
+                  </a:rPr>
+                  <a:t> </a:t>
+                </a:r>
+              </a:p>
+            </p:txBody>
+          </p:sp>
+        </mc:Fallback>
+      </mc:AlternateContent>
+      <p:pic>
+        <p:nvPicPr>
+          <p:cNvPr id="11" name="그림 10"/>
+          <p:cNvPicPr>
+            <a:picLocks noChangeAspect="1"/>
+          </p:cNvPicPr>
+          <p:nvPr/>
+        </p:nvPicPr>
+        <p:blipFill>
+          <a:blip r:embed="rId15"/>
+          <a:stretch>
+            <a:fillRect/>
+          </a:stretch>
+        </p:blipFill>
+        <p:spPr>
+          <a:xfrm>
+            <a:off x="6701138" y="2662708"/>
+            <a:ext cx="4675338" cy="2151966"/>
+          </a:xfrm>
+          <a:prstGeom prst="rect">
+            <a:avLst/>
+          </a:prstGeom>
+        </p:spPr>
+      </p:pic>
+      <p:sp>
+        <p:nvSpPr>
+          <p:cNvPr id="16" name="직사각형 15"/>
+          <p:cNvSpPr/>
+          <p:nvPr/>
+        </p:nvSpPr>
+        <p:spPr>
+          <a:xfrm>
+            <a:off x="6712346" y="4117118"/>
+            <a:ext cx="768159" cy="307777"/>
+          </a:xfrm>
+          <a:prstGeom prst="rect">
+            <a:avLst/>
+          </a:prstGeom>
+        </p:spPr>
+        <p:txBody>
+          <a:bodyPr wrap="none">
+            <a:spAutoFit/>
+          </a:bodyPr>
+          <a:lstStyle/>
+          <a:p>
+            <a:r>
+              <a:rPr lang="en-US" altLang="ko-KR" sz="1400" dirty="0" err="1"/>
+              <a:t>thorlab</a:t>
+            </a:r>
+            <a:endParaRPr lang="ko-KR" altLang="en-US" sz="1400" dirty="0"/>
+          </a:p>
+        </p:txBody>
+      </p:sp>
+      <mc:AlternateContent xmlns:mc="http://schemas.openxmlformats.org/markup-compatibility/2006" xmlns:a14="http://schemas.microsoft.com/office/drawing/2010/main">
+        <mc:Choice Requires="a14">
+          <p:sp>
+            <p:nvSpPr>
+              <p:cNvPr id="18" name="직사각형 17"/>
+              <p:cNvSpPr/>
+              <p:nvPr/>
+            </p:nvSpPr>
+            <p:spPr>
+              <a:xfrm>
+                <a:off x="7632623" y="5508034"/>
+                <a:ext cx="1892313" cy="1004249"/>
+              </a:xfrm>
+              <a:prstGeom prst="rect">
+                <a:avLst/>
+              </a:prstGeom>
+            </p:spPr>
+            <p:txBody>
+              <a:bodyPr wrap="none">
+                <a:spAutoFit/>
+              </a:bodyPr>
+              <a:lstStyle/>
+              <a:p>
+                <a:pPr/>
+                <a14:m>
+                  <m:oMathPara xmlns:m="http://schemas.openxmlformats.org/officeDocument/2006/math">
+                    <m:oMathParaPr>
+                      <m:jc m:val="centerGroup"/>
+                    </m:oMathParaPr>
+                    <m:oMath xmlns:m="http://schemas.openxmlformats.org/officeDocument/2006/math">
+                      <m:sSub>
+                        <m:sSubPr>
+                          <m:ctrlPr>
+                            <a:rPr lang="en-US" altLang="ko-KR" i="1" dirty="0" smtClean="0">
+                              <a:latin typeface="Cambria Math" panose="02040503050406030204" pitchFamily="18" charset="0"/>
+                            </a:rPr>
+                          </m:ctrlPr>
+                        </m:sSubPr>
+                        <m:e>
+                          <m:acc>
+                            <m:accPr>
+                              <m:chr m:val="̂"/>
+                              <m:ctrlPr>
+                                <a:rPr lang="en-US" altLang="ko-KR" i="1" dirty="0">
+                                  <a:latin typeface="Cambria Math" panose="02040503050406030204" pitchFamily="18" charset="0"/>
+                                </a:rPr>
+                              </m:ctrlPr>
+                            </m:accPr>
+                            <m:e>
+                              <m:r>
+                                <a:rPr lang="en-US" altLang="ko-KR" i="1" dirty="0">
+                                  <a:latin typeface="Cambria Math" panose="02040503050406030204" pitchFamily="18" charset="0"/>
+                                </a:rPr>
+                                <m:t>𝑈</m:t>
+                              </m:r>
+                            </m:e>
+                          </m:acc>
+                        </m:e>
+                        <m:sub>
+                          <m:r>
+                            <a:rPr lang="en-US" altLang="ko-KR" i="1" dirty="0">
+                              <a:latin typeface="Cambria Math" panose="02040503050406030204" pitchFamily="18" charset="0"/>
+                            </a:rPr>
+                            <m:t>𝑃𝑅</m:t>
+                          </m:r>
+                          <m:r>
+                            <a:rPr lang="en-US" altLang="ko-KR" i="1" dirty="0">
+                              <a:latin typeface="Cambria Math" panose="02040503050406030204" pitchFamily="18" charset="0"/>
+                            </a:rPr>
+                            <m:t>(</m:t>
+                          </m:r>
+                          <m:r>
+                            <a:rPr lang="ko-KR" altLang="en-US" i="1">
+                              <a:latin typeface="Cambria Math" panose="02040503050406030204" pitchFamily="18" charset="0"/>
+                            </a:rPr>
+                            <m:t>𝜋</m:t>
+                          </m:r>
+                          <m:r>
+                            <a:rPr lang="en-US" altLang="ko-KR" b="0" i="1" smtClean="0">
+                              <a:latin typeface="Cambria Math" panose="02040503050406030204" pitchFamily="18" charset="0"/>
+                            </a:rPr>
+                            <m:t>/4</m:t>
+                          </m:r>
+                          <m:r>
+                            <a:rPr lang="en-US" altLang="ko-KR" i="1" dirty="0">
+                              <a:latin typeface="Cambria Math" panose="02040503050406030204" pitchFamily="18" charset="0"/>
+                              <a:ea typeface="Cambria Math" panose="02040503050406030204" pitchFamily="18" charset="0"/>
+                            </a:rPr>
+                            <m:t>)</m:t>
+                          </m:r>
+                        </m:sub>
+                      </m:sSub>
+                      <m:r>
+                        <m:rPr>
+                          <m:nor/>
+                        </m:rPr>
+                        <a:rPr lang="ko-KR" altLang="en-US" dirty="0" smtClean="0">
+                          <a:latin typeface="Cambria Math" panose="02040503050406030204" pitchFamily="18" charset="0"/>
+                        </a:rPr>
+                        <m:t>∣</m:t>
+                      </m:r>
+                      <m:r>
+                        <m:rPr>
+                          <m:nor/>
+                        </m:rPr>
+                        <a:rPr lang="en-US" altLang="ko-KR" b="0" i="0" dirty="0" smtClean="0">
+                          <a:latin typeface="Cambria Math" panose="02040503050406030204" pitchFamily="18" charset="0"/>
+                        </a:rPr>
+                        <m:t>0</m:t>
+                      </m:r>
+                      <m:r>
+                        <m:rPr>
+                          <m:nor/>
+                        </m:rPr>
+                        <a:rPr lang="en-US" altLang="ko-KR" dirty="0" smtClean="0">
+                          <a:latin typeface="Cambria Math" panose="02040503050406030204" pitchFamily="18" charset="0"/>
+                          <a:ea typeface="Cambria Math" panose="02040503050406030204" pitchFamily="18" charset="0"/>
+                        </a:rPr>
+                        <m:t>⟩</m:t>
+                      </m:r>
+                      <m:r>
+                        <m:rPr>
+                          <m:nor/>
+                        </m:rPr>
+                        <a:rPr lang="en-US" altLang="ko-KR" b="0" i="0" dirty="0" smtClean="0">
+                          <a:latin typeface="Cambria Math" panose="02040503050406030204" pitchFamily="18" charset="0"/>
+                          <a:ea typeface="Cambria Math" panose="02040503050406030204" pitchFamily="18" charset="0"/>
+                        </a:rPr>
+                        <m:t>=</m:t>
+                      </m:r>
+                      <m:r>
+                        <m:rPr>
+                          <m:nor/>
+                        </m:rPr>
+                        <a:rPr lang="ko-KR" altLang="en-US" dirty="0" smtClean="0">
+                          <a:latin typeface="Cambria Math" panose="02040503050406030204" pitchFamily="18" charset="0"/>
+                        </a:rPr>
+                        <m:t>∣</m:t>
+                      </m:r>
+                      <m:r>
+                        <m:rPr>
+                          <m:nor/>
+                        </m:rPr>
+                        <a:rPr lang="en-US" altLang="ko-KR" b="0" i="0" dirty="0" smtClean="0">
+                          <a:latin typeface="Cambria Math" panose="02040503050406030204" pitchFamily="18" charset="0"/>
+                        </a:rPr>
+                        <m:t>1</m:t>
+                      </m:r>
+                      <m:r>
+                        <m:rPr>
+                          <m:nor/>
+                        </m:rPr>
+                        <a:rPr lang="en-US" altLang="ko-KR" dirty="0" smtClean="0">
+                          <a:latin typeface="Cambria Math" panose="02040503050406030204" pitchFamily="18" charset="0"/>
+                          <a:ea typeface="Cambria Math" panose="02040503050406030204" pitchFamily="18" charset="0"/>
+                        </a:rPr>
+                        <m:t>⟩</m:t>
+                      </m:r>
+                    </m:oMath>
+                  </m:oMathPara>
+                </a14:m>
+                <a:endParaRPr lang="en-US" altLang="ko-KR" dirty="0">
+                  <a:ea typeface="Cambria Math" panose="02040503050406030204" pitchFamily="18" charset="0"/>
+                </a:endParaRPr>
+              </a:p>
+              <a:p>
+                <a:pPr/>
+                <a14:m>
+                  <m:oMathPara xmlns:m="http://schemas.openxmlformats.org/officeDocument/2006/math">
+                    <m:oMathParaPr>
+                      <m:jc m:val="centerGroup"/>
+                    </m:oMathParaPr>
+                    <m:oMath xmlns:m="http://schemas.openxmlformats.org/officeDocument/2006/math">
+                      <m:sSub>
+                        <m:sSubPr>
+                          <m:ctrlPr>
+                            <a:rPr lang="en-US" altLang="ko-KR" i="1" dirty="0" smtClean="0">
+                              <a:latin typeface="Cambria Math" panose="02040503050406030204" pitchFamily="18" charset="0"/>
+                            </a:rPr>
+                          </m:ctrlPr>
+                        </m:sSubPr>
+                        <m:e>
+                          <m:acc>
+                            <m:accPr>
+                              <m:chr m:val="̂"/>
+                              <m:ctrlPr>
+                                <a:rPr lang="en-US" altLang="ko-KR" i="1" dirty="0">
+                                  <a:latin typeface="Cambria Math" panose="02040503050406030204" pitchFamily="18" charset="0"/>
+                                </a:rPr>
+                              </m:ctrlPr>
+                            </m:accPr>
+                            <m:e>
+                              <m:r>
+                                <a:rPr lang="en-US" altLang="ko-KR" i="1" dirty="0">
+                                  <a:latin typeface="Cambria Math" panose="02040503050406030204" pitchFamily="18" charset="0"/>
+                                </a:rPr>
+                                <m:t>𝑈</m:t>
+                              </m:r>
+                            </m:e>
+                          </m:acc>
+                        </m:e>
+                        <m:sub>
+                          <m:r>
+                            <a:rPr lang="en-US" altLang="ko-KR" i="1" dirty="0">
+                              <a:latin typeface="Cambria Math" panose="02040503050406030204" pitchFamily="18" charset="0"/>
+                            </a:rPr>
+                            <m:t>𝑃𝑅</m:t>
+                          </m:r>
+                          <m:r>
+                            <a:rPr lang="en-US" altLang="ko-KR" i="1" dirty="0">
+                              <a:latin typeface="Cambria Math" panose="02040503050406030204" pitchFamily="18" charset="0"/>
+                            </a:rPr>
+                            <m:t>(</m:t>
+                          </m:r>
+                          <m:r>
+                            <a:rPr lang="ko-KR" altLang="en-US" i="1">
+                              <a:latin typeface="Cambria Math" panose="02040503050406030204" pitchFamily="18" charset="0"/>
+                            </a:rPr>
+                            <m:t>𝜋</m:t>
+                          </m:r>
+                          <m:r>
+                            <a:rPr lang="en-US" altLang="ko-KR" b="0" i="1" smtClean="0">
+                              <a:latin typeface="Cambria Math" panose="02040503050406030204" pitchFamily="18" charset="0"/>
+                            </a:rPr>
+                            <m:t>/4</m:t>
+                          </m:r>
+                          <m:r>
+                            <a:rPr lang="en-US" altLang="ko-KR" i="1" dirty="0">
+                              <a:latin typeface="Cambria Math" panose="02040503050406030204" pitchFamily="18" charset="0"/>
+                              <a:ea typeface="Cambria Math" panose="02040503050406030204" pitchFamily="18" charset="0"/>
+                            </a:rPr>
+                            <m:t>)</m:t>
+                          </m:r>
+                        </m:sub>
+                      </m:sSub>
+                      <m:r>
+                        <m:rPr>
+                          <m:nor/>
+                        </m:rPr>
+                        <a:rPr lang="ko-KR" altLang="en-US" dirty="0" smtClean="0">
+                          <a:latin typeface="Cambria Math" panose="02040503050406030204" pitchFamily="18" charset="0"/>
+                        </a:rPr>
+                        <m:t>∣</m:t>
+                      </m:r>
+                      <m:r>
+                        <m:rPr>
+                          <m:nor/>
+                        </m:rPr>
+                        <a:rPr lang="en-US" altLang="ko-KR" b="0" i="0" dirty="0" smtClean="0">
+                          <a:latin typeface="Cambria Math" panose="02040503050406030204" pitchFamily="18" charset="0"/>
+                        </a:rPr>
+                        <m:t>1</m:t>
+                      </m:r>
+                      <m:r>
+                        <m:rPr>
+                          <m:nor/>
+                        </m:rPr>
+                        <a:rPr lang="en-US" altLang="ko-KR" dirty="0" smtClean="0">
+                          <a:latin typeface="Cambria Math" panose="02040503050406030204" pitchFamily="18" charset="0"/>
+                          <a:ea typeface="Cambria Math" panose="02040503050406030204" pitchFamily="18" charset="0"/>
+                        </a:rPr>
+                        <m:t>⟩</m:t>
+                      </m:r>
+                      <m:r>
+                        <m:rPr>
+                          <m:nor/>
+                        </m:rPr>
+                        <a:rPr lang="en-US" altLang="ko-KR" b="0" i="0" dirty="0" smtClean="0">
+                          <a:latin typeface="Cambria Math" panose="02040503050406030204" pitchFamily="18" charset="0"/>
+                          <a:ea typeface="Cambria Math" panose="02040503050406030204" pitchFamily="18" charset="0"/>
+                        </a:rPr>
+                        <m:t>=</m:t>
+                      </m:r>
+                      <m:r>
+                        <m:rPr>
+                          <m:nor/>
+                        </m:rPr>
+                        <a:rPr lang="ko-KR" altLang="en-US" dirty="0" smtClean="0">
+                          <a:latin typeface="Cambria Math" panose="02040503050406030204" pitchFamily="18" charset="0"/>
+                        </a:rPr>
+                        <m:t>∣</m:t>
+                      </m:r>
+                      <m:r>
+                        <m:rPr>
+                          <m:nor/>
+                        </m:rPr>
+                        <a:rPr lang="en-US" altLang="ko-KR" b="0" i="0" dirty="0" smtClean="0">
+                          <a:latin typeface="Cambria Math" panose="02040503050406030204" pitchFamily="18" charset="0"/>
+                        </a:rPr>
+                        <m:t>0</m:t>
+                      </m:r>
+                      <m:r>
+                        <m:rPr>
+                          <m:nor/>
+                        </m:rPr>
+                        <a:rPr lang="en-US" altLang="ko-KR" dirty="0" smtClean="0">
+                          <a:latin typeface="Cambria Math" panose="02040503050406030204" pitchFamily="18" charset="0"/>
+                          <a:ea typeface="Cambria Math" panose="02040503050406030204" pitchFamily="18" charset="0"/>
+                        </a:rPr>
+                        <m:t>⟩</m:t>
+                      </m:r>
+                    </m:oMath>
+                  </m:oMathPara>
+                </a14:m>
+                <a:endParaRPr lang="ko-KR" altLang="en-US" dirty="0"/>
+              </a:p>
+              <a:p>
+                <a:endParaRPr lang="ko-KR" altLang="en-US" dirty="0"/>
+              </a:p>
+            </p:txBody>
+          </p:sp>
+        </mc:Choice>
+        <mc:Fallback xmlns="">
+          <p:sp>
+            <p:nvSpPr>
+              <p:cNvPr id="18" name="직사각형 17"/>
+              <p:cNvSpPr>
+                <a:spLocks noRot="1" noChangeAspect="1" noMove="1" noResize="1" noEditPoints="1" noAdjustHandles="1" noChangeArrowheads="1" noChangeShapeType="1" noTextEdit="1"/>
+              </p:cNvSpPr>
+              <p:nvPr/>
+            </p:nvSpPr>
+            <p:spPr>
+              <a:xfrm>
+                <a:off x="7632623" y="5508034"/>
+                <a:ext cx="1892313" cy="1004249"/>
+              </a:xfrm>
+              <a:prstGeom prst="rect">
+                <a:avLst/>
+              </a:prstGeom>
+              <a:blipFill>
+                <a:blip r:embed="rId16"/>
+                <a:stretch>
+                  <a:fillRect/>
+                </a:stretch>
+              </a:blipFill>
+            </p:spPr>
+            <p:txBody>
+              <a:bodyPr/>
+              <a:lstStyle/>
+              <a:p>
+                <a:r>
+                  <a:rPr lang="ko-KR" altLang="en-US">
+                    <a:noFill/>
+                  </a:rPr>
+                  <a:t> </a:t>
+                </a:r>
+              </a:p>
+            </p:txBody>
+          </p:sp>
+        </mc:Fallback>
+      </mc:AlternateContent>
+      <p:sp>
+        <p:nvSpPr>
+          <p:cNvPr id="39" name="TextBox 38"/>
+          <p:cNvSpPr txBox="1"/>
+          <p:nvPr/>
+        </p:nvSpPr>
+        <p:spPr>
+          <a:xfrm>
+            <a:off x="202249" y="6334636"/>
+            <a:ext cx="10302976" cy="369332"/>
+          </a:xfrm>
+          <a:prstGeom prst="rect">
+            <a:avLst/>
+          </a:prstGeom>
+          <a:noFill/>
+        </p:spPr>
+        <p:txBody>
+          <a:bodyPr wrap="square" rtlCol="0">
+            <a:spAutoFit/>
+          </a:bodyPr>
+          <a:lstStyle/>
+          <a:p>
+            <a:r>
+              <a:rPr lang="en-US" altLang="ko-KR" dirty="0"/>
+              <a:t>The CNOT gate is similar to a conditional XOR operation in classical computing.</a:t>
+            </a:r>
+            <a:endParaRPr lang="ko-KR" altLang="en-US" dirty="0"/>
+          </a:p>
+        </p:txBody>
+      </p:sp>
+    </p:spTree>
+    <p:extLst>
+      <p:ext uri="{BB962C8B-B14F-4D97-AF65-F5344CB8AC3E}">
+        <p14:creationId xmlns:p14="http://schemas.microsoft.com/office/powerpoint/2010/main" val="4011158014"/>
+      </p:ext>
+    </p:extLst>
+  </p:cSld>
+  <p:clrMapOvr>
+    <a:masterClrMapping/>
+  </p:clrMapOvr>
+</p:sld>
+</file>
+
 <file path=ppt/theme/theme1.xml><?xml version="1.0" encoding="utf-8"?>
 <a:theme xmlns:a="http://schemas.openxmlformats.org/drawingml/2006/main" name="Office 테마">
   <a:themeElements>
